--- a/canpolintalk/scott.pptx
+++ b/canpolintalk/scott.pptx
@@ -7,7 +7,7 @@
   <p:sldIdLst>
     <p:sldId id="256" r:id="rId2"/>
     <p:sldId id="270" r:id="rId3"/>
-    <p:sldId id="257" r:id="rId4"/>
+    <p:sldId id="275" r:id="rId4"/>
     <p:sldId id="258" r:id="rId5"/>
     <p:sldId id="271" r:id="rId6"/>
     <p:sldId id="259" r:id="rId7"/>
@@ -18,10 +18,10 @@
     <p:sldId id="262" r:id="rId12"/>
     <p:sldId id="268" r:id="rId13"/>
     <p:sldId id="265" r:id="rId14"/>
-    <p:sldId id="264" r:id="rId15"/>
-    <p:sldId id="273" r:id="rId16"/>
-    <p:sldId id="272" r:id="rId17"/>
-    <p:sldId id="274" r:id="rId18"/>
+    <p:sldId id="273" r:id="rId15"/>
+    <p:sldId id="264" r:id="rId16"/>
+    <p:sldId id="274" r:id="rId17"/>
+    <p:sldId id="272" r:id="rId18"/>
     <p:sldId id="266" r:id="rId19"/>
   </p:sldIdLst>
   <p:sldSz cx="9144000" cy="6858000" type="screen4x3"/>
@@ -304,7 +304,7 @@
           <a:lstStyle/>
           <a:p>
             <a:fld id="{BE27739B-E857-3B43-B927-3CD6D8B6A632}" type="datetimeFigureOut">
-              <a:t>2013-10-15</a:t>
+              <a:t>2013-10-16</a:t>
             </a:fld>
             <a:endParaRPr lang="en-US"/>
           </a:p>
@@ -472,7 +472,7 @@
           <a:lstStyle/>
           <a:p>
             <a:fld id="{BE27739B-E857-3B43-B927-3CD6D8B6A632}" type="datetimeFigureOut">
-              <a:t>2013-10-15</a:t>
+              <a:t>2013-10-16</a:t>
             </a:fld>
             <a:endParaRPr lang="en-US"/>
           </a:p>
@@ -650,7 +650,7 @@
           <a:lstStyle/>
           <a:p>
             <a:fld id="{BE27739B-E857-3B43-B927-3CD6D8B6A632}" type="datetimeFigureOut">
-              <a:t>2013-10-15</a:t>
+              <a:t>2013-10-16</a:t>
             </a:fld>
             <a:endParaRPr lang="en-US"/>
           </a:p>
@@ -818,7 +818,7 @@
           <a:lstStyle/>
           <a:p>
             <a:fld id="{BE27739B-E857-3B43-B927-3CD6D8B6A632}" type="datetimeFigureOut">
-              <a:t>2013-10-15</a:t>
+              <a:t>2013-10-16</a:t>
             </a:fld>
             <a:endParaRPr lang="en-US"/>
           </a:p>
@@ -1062,7 +1062,7 @@
           <a:lstStyle/>
           <a:p>
             <a:fld id="{BE27739B-E857-3B43-B927-3CD6D8B6A632}" type="datetimeFigureOut">
-              <a:t>2013-10-15</a:t>
+              <a:t>2013-10-16</a:t>
             </a:fld>
             <a:endParaRPr lang="en-US"/>
           </a:p>
@@ -1348,7 +1348,7 @@
           <a:lstStyle/>
           <a:p>
             <a:fld id="{BE27739B-E857-3B43-B927-3CD6D8B6A632}" type="datetimeFigureOut">
-              <a:t>2013-10-15</a:t>
+              <a:t>2013-10-16</a:t>
             </a:fld>
             <a:endParaRPr lang="en-US"/>
           </a:p>
@@ -1768,7 +1768,7 @@
           <a:lstStyle/>
           <a:p>
             <a:fld id="{BE27739B-E857-3B43-B927-3CD6D8B6A632}" type="datetimeFigureOut">
-              <a:t>2013-10-15</a:t>
+              <a:t>2013-10-16</a:t>
             </a:fld>
             <a:endParaRPr lang="en-US"/>
           </a:p>
@@ -1884,7 +1884,7 @@
           <a:lstStyle/>
           <a:p>
             <a:fld id="{BE27739B-E857-3B43-B927-3CD6D8B6A632}" type="datetimeFigureOut">
-              <a:t>2013-10-15</a:t>
+              <a:t>2013-10-16</a:t>
             </a:fld>
             <a:endParaRPr lang="en-US"/>
           </a:p>
@@ -1977,7 +1977,7 @@
           <a:lstStyle/>
           <a:p>
             <a:fld id="{BE27739B-E857-3B43-B927-3CD6D8B6A632}" type="datetimeFigureOut">
-              <a:t>2013-10-15</a:t>
+              <a:t>2013-10-16</a:t>
             </a:fld>
             <a:endParaRPr lang="en-US"/>
           </a:p>
@@ -2252,7 +2252,7 @@
           <a:lstStyle/>
           <a:p>
             <a:fld id="{BE27739B-E857-3B43-B927-3CD6D8B6A632}" type="datetimeFigureOut">
-              <a:t>2013-10-15</a:t>
+              <a:t>2013-10-16</a:t>
             </a:fld>
             <a:endParaRPr lang="en-US"/>
           </a:p>
@@ -2506,7 +2506,7 @@
           <a:lstStyle/>
           <a:p>
             <a:fld id="{BE27739B-E857-3B43-B927-3CD6D8B6A632}" type="datetimeFigureOut">
-              <a:t>2013-10-15</a:t>
+              <a:t>2013-10-16</a:t>
             </a:fld>
             <a:endParaRPr lang="en-US"/>
           </a:p>
@@ -2717,7 +2717,7 @@
           </a:lstStyle>
           <a:p>
             <a:fld id="{BE27739B-E857-3B43-B927-3CD6D8B6A632}" type="datetimeFigureOut">
-              <a:t>2013-10-15</a:t>
+              <a:t>2013-10-16</a:t>
             </a:fld>
             <a:endParaRPr lang="en-US"/>
           </a:p>
@@ -3115,7 +3115,7 @@
           <a:p>
             <a:r>
               <a:rPr lang="en-US"/>
-              <a:t>Contribution of traits, phenology, &amp; phylogenetic history to plant-pollinator network</a:t>
+              <a:t>Contribution of traits, phenology, &amp; phylogenetic history to plant-pollinator network structure</a:t>
             </a:r>
           </a:p>
         </p:txBody>
@@ -3693,6 +3693,33 @@
           <a:p>
             <a:r>
               <a:rPr lang="en-US"/>
+              <a:t>Species level</a:t>
+            </a:r>
+          </a:p>
+          <a:p>
+            <a:pPr lvl="1"/>
+            <a:r>
+              <a:rPr lang="en-US"/>
+              <a:t>Sociality important in pollinators</a:t>
+            </a:r>
+          </a:p>
+          <a:p>
+            <a:pPr lvl="1"/>
+            <a:r>
+              <a:rPr lang="en-US"/>
+              <a:t>Mating systems, flower symmetry &amp; growth form important in plants</a:t>
+            </a:r>
+          </a:p>
+          <a:p>
+            <a:pPr lvl="1"/>
+            <a:r>
+              <a:rPr lang="en-US"/>
+              <a:t>Phenology playing role  - will explore more</a:t>
+            </a:r>
+          </a:p>
+          <a:p>
+            <a:r>
+              <a:rPr lang="en-US"/>
               <a:t>Network level</a:t>
             </a:r>
           </a:p>
@@ -3747,33 +3774,6 @@
             <a:r>
               <a:rPr lang="en-US"/>
               <a:t>Pollinator traits bigger drivers of network structure relative to plants</a:t>
-            </a:r>
-          </a:p>
-          <a:p>
-            <a:r>
-              <a:rPr lang="en-US"/>
-              <a:t>Species level</a:t>
-            </a:r>
-          </a:p>
-          <a:p>
-            <a:pPr lvl="1"/>
-            <a:r>
-              <a:rPr lang="en-US"/>
-              <a:t>Sociality important in pollinators</a:t>
-            </a:r>
-          </a:p>
-          <a:p>
-            <a:pPr lvl="1"/>
-            <a:r>
-              <a:rPr lang="en-US"/>
-              <a:t>Mating systems, flower symmetry &amp; growth form important in plants</a:t>
-            </a:r>
-          </a:p>
-          <a:p>
-            <a:pPr lvl="1"/>
-            <a:r>
-              <a:rPr lang="en-US"/>
-              <a:t>Phenology playing role  - will explore more</a:t>
             </a:r>
           </a:p>
         </p:txBody>
@@ -3792,6 +3792,87 @@
 </file>
 
 <file path=ppt/slides/slide14.xml><?xml version="1.0" encoding="utf-8"?>
+<p:sld xmlns:a="http://schemas.openxmlformats.org/drawingml/2006/main" xmlns:r="http://schemas.openxmlformats.org/officeDocument/2006/relationships" xmlns:p="http://schemas.openxmlformats.org/presentationml/2006/main">
+  <p:cSld>
+    <p:spTree>
+      <p:nvGrpSpPr>
+        <p:cNvPr id="1" name=""/>
+        <p:cNvGrpSpPr/>
+        <p:nvPr/>
+      </p:nvGrpSpPr>
+      <p:grpSpPr>
+        <a:xfrm>
+          <a:off x="0" y="0"/>
+          <a:ext cx="0" cy="0"/>
+          <a:chOff x="0" y="0"/>
+          <a:chExt cx="0" cy="0"/>
+        </a:xfrm>
+      </p:grpSpPr>
+      <p:sp>
+        <p:nvSpPr>
+          <p:cNvPr id="2" name="Title 1"/>
+          <p:cNvSpPr>
+            <a:spLocks noGrp="1"/>
+          </p:cNvSpPr>
+          <p:nvPr>
+            <p:ph type="title"/>
+          </p:nvPr>
+        </p:nvSpPr>
+        <p:spPr/>
+        <p:txBody>
+          <a:bodyPr/>
+          <a:lstStyle/>
+          <a:p>
+            <a:r>
+              <a:rPr lang="en-US"/>
+              <a:t>Phenology</a:t>
+            </a:r>
+          </a:p>
+        </p:txBody>
+      </p:sp>
+      <p:sp>
+        <p:nvSpPr>
+          <p:cNvPr id="3" name="Content Placeholder 2"/>
+          <p:cNvSpPr>
+            <a:spLocks noGrp="1"/>
+          </p:cNvSpPr>
+          <p:nvPr>
+            <p:ph idx="1"/>
+          </p:nvPr>
+        </p:nvSpPr>
+        <p:spPr/>
+        <p:txBody>
+          <a:bodyPr/>
+          <a:lstStyle/>
+          <a:p>
+            <a:r>
+              <a:rPr lang="en-US"/>
+              <a:t>Species vary in when they start flowering (plants) and start flying (pollinators)</a:t>
+            </a:r>
+          </a:p>
+          <a:p>
+            <a:r>
+              <a:rPr lang="en-US"/>
+              <a:t>Variation among species can lead to changes in network structure</a:t>
+            </a:r>
+            <a:endParaRPr lang="en-US"/>
+          </a:p>
+        </p:txBody>
+      </p:sp>
+    </p:spTree>
+    <p:extLst>
+      <p:ext uri="{BB962C8B-B14F-4D97-AF65-F5344CB8AC3E}">
+        <p14:creationId xmlns:p14="http://schemas.microsoft.com/office/powerpoint/2010/main" val="578812740"/>
+      </p:ext>
+    </p:extLst>
+  </p:cSld>
+  <p:clrMapOvr>
+    <a:masterClrMapping/>
+  </p:clrMapOvr>
+</p:sld>
+</file>
+
+<file path=ppt/slides/slide15.xml><?xml version="1.0" encoding="utf-8"?>
 <p:sld xmlns:a="http://schemas.openxmlformats.org/drawingml/2006/main" xmlns:r="http://schemas.openxmlformats.org/officeDocument/2006/relationships" xmlns:p="http://schemas.openxmlformats.org/presentationml/2006/main">
   <p:cSld>
     <p:spTree>
@@ -4002,77 +4083,6 @@
 </p:sld>
 </file>
 
-<file path=ppt/slides/slide15.xml><?xml version="1.0" encoding="utf-8"?>
-<p:sld xmlns:a="http://schemas.openxmlformats.org/drawingml/2006/main" xmlns:r="http://schemas.openxmlformats.org/officeDocument/2006/relationships" xmlns:p="http://schemas.openxmlformats.org/presentationml/2006/main">
-  <p:cSld>
-    <p:spTree>
-      <p:nvGrpSpPr>
-        <p:cNvPr id="1" name=""/>
-        <p:cNvGrpSpPr/>
-        <p:nvPr/>
-      </p:nvGrpSpPr>
-      <p:grpSpPr>
-        <a:xfrm>
-          <a:off x="0" y="0"/>
-          <a:ext cx="0" cy="0"/>
-          <a:chOff x="0" y="0"/>
-          <a:chExt cx="0" cy="0"/>
-        </a:xfrm>
-      </p:grpSpPr>
-      <p:sp>
-        <p:nvSpPr>
-          <p:cNvPr id="2" name="Title 1"/>
-          <p:cNvSpPr>
-            <a:spLocks noGrp="1"/>
-          </p:cNvSpPr>
-          <p:nvPr>
-            <p:ph type="title"/>
-          </p:nvPr>
-        </p:nvSpPr>
-        <p:spPr/>
-        <p:txBody>
-          <a:bodyPr/>
-          <a:lstStyle/>
-          <a:p>
-            <a:r>
-              <a:rPr lang="en-US"/>
-              <a:t>Phenology</a:t>
-            </a:r>
-          </a:p>
-        </p:txBody>
-      </p:sp>
-      <p:sp>
-        <p:nvSpPr>
-          <p:cNvPr id="3" name="Content Placeholder 2"/>
-          <p:cNvSpPr>
-            <a:spLocks noGrp="1"/>
-          </p:cNvSpPr>
-          <p:nvPr>
-            <p:ph idx="1"/>
-          </p:nvPr>
-        </p:nvSpPr>
-        <p:spPr/>
-        <p:txBody>
-          <a:bodyPr/>
-          <a:lstStyle/>
-          <a:p>
-            <a:endParaRPr lang="en-US"/>
-          </a:p>
-        </p:txBody>
-      </p:sp>
-    </p:spTree>
-    <p:extLst>
-      <p:ext uri="{BB962C8B-B14F-4D97-AF65-F5344CB8AC3E}">
-        <p14:creationId xmlns:p14="http://schemas.microsoft.com/office/powerpoint/2010/main" val="578812740"/>
-      </p:ext>
-    </p:extLst>
-  </p:cSld>
-  <p:clrMapOvr>
-    <a:masterClrMapping/>
-  </p:clrMapOvr>
-</p:sld>
-</file>
-
 <file path=ppt/slides/slide16.xml><?xml version="1.0" encoding="utf-8"?>
 <p:sld xmlns:a="http://schemas.openxmlformats.org/drawingml/2006/main" xmlns:r="http://schemas.openxmlformats.org/officeDocument/2006/relationships" xmlns:p="http://schemas.openxmlformats.org/presentationml/2006/main">
   <p:cSld>
@@ -4112,101 +4122,59 @@
           </a:p>
         </p:txBody>
       </p:sp>
-      <p:pic>
-        <p:nvPicPr>
-          <p:cNvPr id="7" name="Picture 6" descr="fig5.pdf"/>
-          <p:cNvPicPr>
-            <a:picLocks noChangeAspect="1"/>
-          </p:cNvPicPr>
-          <p:nvPr/>
-        </p:nvPicPr>
-        <p:blipFill rotWithShape="1">
-          <a:blip r:embed="rId2">
-            <a:extLst>
-              <a:ext uri="{28A0092B-C50C-407E-A947-70E740481C1C}">
-                <a14:useLocalDpi xmlns:a14="http://schemas.microsoft.com/office/drawing/2010/main" val="0"/>
-              </a:ext>
-            </a:extLst>
-          </a:blip>
-          <a:srcRect l="5313" t="2600" r="50186" b="68105"/>
-          <a:stretch/>
-        </p:blipFill>
-        <p:spPr>
-          <a:xfrm>
-            <a:off x="4954960" y="4102100"/>
-            <a:ext cx="3541340" cy="2527300"/>
-          </a:xfrm>
-          <a:prstGeom prst="rect">
-            <a:avLst/>
-          </a:prstGeom>
-        </p:spPr>
-      </p:pic>
-      <p:pic>
-        <p:nvPicPr>
-          <p:cNvPr id="8" name="Picture 7" descr="fig3_withsig_new_new.pdf"/>
-          <p:cNvPicPr>
-            <a:picLocks noChangeAspect="1"/>
-          </p:cNvPicPr>
-          <p:nvPr/>
-        </p:nvPicPr>
-        <p:blipFill rotWithShape="1">
-          <a:blip r:embed="rId3">
-            <a:extLst>
-              <a:ext uri="{28A0092B-C50C-407E-A947-70E740481C1C}">
-                <a14:useLocalDpi xmlns:a14="http://schemas.microsoft.com/office/drawing/2010/main" val="0"/>
-              </a:ext>
-            </a:extLst>
-          </a:blip>
-          <a:srcRect l="6713" t="62302" r="45834" b="5556"/>
-          <a:stretch/>
-        </p:blipFill>
-        <p:spPr>
-          <a:xfrm>
-            <a:off x="4954960" y="1270000"/>
-            <a:ext cx="3439191" cy="2717800"/>
-          </a:xfrm>
-          <a:prstGeom prst="rect">
-            <a:avLst/>
-          </a:prstGeom>
-        </p:spPr>
-      </p:pic>
-      <p:pic>
-        <p:nvPicPr>
-          <p:cNvPr id="9" name="Picture 8" descr="fig1_new.jpg"/>
-          <p:cNvPicPr>
-            <a:picLocks noChangeAspect="1"/>
-          </p:cNvPicPr>
-          <p:nvPr/>
-        </p:nvPicPr>
-        <p:blipFill>
-          <a:blip r:embed="rId4">
-            <a:extLst>
-              <a:ext uri="{28A0092B-C50C-407E-A947-70E740481C1C}">
-                <a14:useLocalDpi xmlns:a14="http://schemas.microsoft.com/office/drawing/2010/main" val="0"/>
-              </a:ext>
-            </a:extLst>
-          </a:blip>
-          <a:stretch>
-            <a:fillRect/>
-          </a:stretch>
-        </p:blipFill>
-        <p:spPr>
-          <a:xfrm>
-            <a:off x="559406" y="1454150"/>
-            <a:ext cx="3538842" cy="4610100"/>
-          </a:xfrm>
-          <a:prstGeom prst="rect">
-            <a:avLst/>
-          </a:prstGeom>
-          <a:solidFill>
-            <a:schemeClr val="tx1"/>
-          </a:solidFill>
-        </p:spPr>
-      </p:pic>
+      <p:sp>
+        <p:nvSpPr>
+          <p:cNvPr id="3" name="Content Placeholder 2"/>
+          <p:cNvSpPr>
+            <a:spLocks noGrp="1"/>
+          </p:cNvSpPr>
+          <p:nvPr>
+            <p:ph idx="1"/>
+          </p:nvPr>
+        </p:nvSpPr>
+        <p:spPr/>
+        <p:txBody>
+          <a:bodyPr/>
+          <a:lstStyle/>
+          <a:p>
+            <a:r>
+              <a:rPr lang="en-US"/>
+              <a:t>Shape easily measured</a:t>
+            </a:r>
+          </a:p>
+          <a:p>
+            <a:r>
+              <a:rPr lang="en-US"/>
+              <a:t>Metrics represent whether </a:t>
+            </a:r>
+          </a:p>
+          <a:p>
+            <a:pPr lvl="1"/>
+            <a:r>
+              <a:rPr lang="en-US"/>
+              <a:t>Branching events recent or old</a:t>
+            </a:r>
+          </a:p>
+          <a:p>
+            <a:pPr lvl="1"/>
+            <a:r>
+              <a:rPr lang="en-US"/>
+              <a:t>Branching events even across tree, or some groups speciate more than others</a:t>
+            </a:r>
+          </a:p>
+          <a:p>
+            <a:r>
+              <a:rPr lang="en-US"/>
+              <a:t>This “shape” could influence who interacts with who</a:t>
+            </a:r>
+            <a:endParaRPr lang="en-US"/>
+          </a:p>
+        </p:txBody>
+      </p:sp>
     </p:spTree>
     <p:extLst>
       <p:ext uri="{BB962C8B-B14F-4D97-AF65-F5344CB8AC3E}">
-        <p14:creationId xmlns:p14="http://schemas.microsoft.com/office/powerpoint/2010/main" val="2690475177"/>
+        <p14:creationId xmlns:p14="http://schemas.microsoft.com/office/powerpoint/2010/main" val="2900345323"/>
       </p:ext>
     </p:extLst>
   </p:cSld>
@@ -4255,29 +4223,180 @@
           </a:p>
         </p:txBody>
       </p:sp>
-      <p:sp>
-        <p:nvSpPr>
-          <p:cNvPr id="3" name="Content Placeholder 2"/>
-          <p:cNvSpPr>
-            <a:spLocks noGrp="1"/>
-          </p:cNvSpPr>
-          <p:nvPr>
-            <p:ph idx="1"/>
-          </p:nvPr>
-        </p:nvSpPr>
-        <p:spPr/>
-        <p:txBody>
-          <a:bodyPr/>
-          <a:lstStyle/>
-          <a:p>
-            <a:endParaRPr lang="en-US"/>
+      <p:pic>
+        <p:nvPicPr>
+          <p:cNvPr id="7" name="Picture 6" descr="fig5.pdf"/>
+          <p:cNvPicPr>
+            <a:picLocks noChangeAspect="1"/>
+          </p:cNvPicPr>
+          <p:nvPr/>
+        </p:nvPicPr>
+        <p:blipFill rotWithShape="1">
+          <a:blip r:embed="rId2">
+            <a:extLst>
+              <a:ext uri="{28A0092B-C50C-407E-A947-70E740481C1C}">
+                <a14:useLocalDpi xmlns:a14="http://schemas.microsoft.com/office/drawing/2010/main" val="0"/>
+              </a:ext>
+            </a:extLst>
+          </a:blip>
+          <a:srcRect l="5313" t="2600" r="50186" b="68105"/>
+          <a:stretch/>
+        </p:blipFill>
+        <p:spPr>
+          <a:xfrm>
+            <a:off x="4896258" y="4253981"/>
+            <a:ext cx="3541340" cy="2527300"/>
+          </a:xfrm>
+          <a:prstGeom prst="rect">
+            <a:avLst/>
+          </a:prstGeom>
+        </p:spPr>
+      </p:pic>
+      <p:pic>
+        <p:nvPicPr>
+          <p:cNvPr id="9" name="Picture 8" descr="fig1_new.jpg"/>
+          <p:cNvPicPr>
+            <a:picLocks noChangeAspect="1"/>
+          </p:cNvPicPr>
+          <p:nvPr/>
+        </p:nvPicPr>
+        <p:blipFill rotWithShape="1">
+          <a:blip r:embed="rId3">
+            <a:extLst>
+              <a:ext uri="{28A0092B-C50C-407E-A947-70E740481C1C}">
+                <a14:useLocalDpi xmlns:a14="http://schemas.microsoft.com/office/drawing/2010/main" val="0"/>
+              </a:ext>
+            </a:extLst>
+          </a:blip>
+          <a:srcRect t="49753"/>
+          <a:stretch/>
+        </p:blipFill>
+        <p:spPr>
+          <a:xfrm>
+            <a:off x="259406" y="4019493"/>
+            <a:ext cx="4103361" cy="2685943"/>
+          </a:xfrm>
+          <a:prstGeom prst="rect">
+            <a:avLst/>
+          </a:prstGeom>
+          <a:solidFill>
+            <a:schemeClr val="tx1"/>
+          </a:solidFill>
+        </p:spPr>
+      </p:pic>
+      <p:pic>
+        <p:nvPicPr>
+          <p:cNvPr id="3" name="Picture 2"/>
+          <p:cNvPicPr>
+            <a:picLocks noChangeAspect="1"/>
+          </p:cNvPicPr>
+          <p:nvPr/>
+        </p:nvPicPr>
+        <p:blipFill>
+          <a:blip r:embed="rId4"/>
+          <a:stretch>
+            <a:fillRect/>
+          </a:stretch>
+        </p:blipFill>
+        <p:spPr>
+          <a:xfrm>
+            <a:off x="6366525" y="5517631"/>
+            <a:ext cx="1803400" cy="1003300"/>
+          </a:xfrm>
+          <a:prstGeom prst="rect">
+            <a:avLst/>
+          </a:prstGeom>
+        </p:spPr>
+      </p:pic>
+      <p:pic>
+        <p:nvPicPr>
+          <p:cNvPr id="4" name="Picture 3"/>
+          <p:cNvPicPr>
+            <a:picLocks noChangeAspect="1"/>
+          </p:cNvPicPr>
+          <p:nvPr/>
+        </p:nvPicPr>
+        <p:blipFill>
+          <a:blip r:embed="rId5"/>
+          <a:stretch>
+            <a:fillRect/>
+          </a:stretch>
+        </p:blipFill>
+        <p:spPr>
+          <a:xfrm>
+            <a:off x="4954960" y="1206637"/>
+            <a:ext cx="3482638" cy="2958605"/>
+          </a:xfrm>
+          <a:prstGeom prst="rect">
+            <a:avLst/>
+          </a:prstGeom>
+        </p:spPr>
+      </p:pic>
+      <p:pic>
+        <p:nvPicPr>
+          <p:cNvPr id="10" name="Picture 9" descr="fig1_new.jpg"/>
+          <p:cNvPicPr>
+            <a:picLocks noChangeAspect="1"/>
+          </p:cNvPicPr>
+          <p:nvPr/>
+        </p:nvPicPr>
+        <p:blipFill rotWithShape="1">
+          <a:blip r:embed="rId3">
+            <a:extLst>
+              <a:ext uri="{28A0092B-C50C-407E-A947-70E740481C1C}">
+                <a14:useLocalDpi xmlns:a14="http://schemas.microsoft.com/office/drawing/2010/main" val="0"/>
+              </a:ext>
+            </a:extLst>
+          </a:blip>
+          <a:srcRect t="1116" b="50585"/>
+          <a:stretch/>
+        </p:blipFill>
+        <p:spPr>
+          <a:xfrm>
+            <a:off x="259406" y="1343960"/>
+            <a:ext cx="4103361" cy="2581837"/>
+          </a:xfrm>
+          <a:prstGeom prst="rect">
+            <a:avLst/>
+          </a:prstGeom>
+          <a:solidFill>
+            <a:schemeClr val="tx1"/>
+          </a:solidFill>
+        </p:spPr>
+      </p:pic>
+      <p:sp>
+        <p:nvSpPr>
+          <p:cNvPr id="5" name="TextBox 4"/>
+          <p:cNvSpPr txBox="1"/>
+          <p:nvPr/>
+        </p:nvSpPr>
+        <p:spPr>
+          <a:xfrm rot="5400000">
+            <a:off x="8074249" y="5332965"/>
+            <a:ext cx="1225102" cy="369332"/>
+          </a:xfrm>
+          <a:prstGeom prst="rect">
+            <a:avLst/>
+          </a:prstGeom>
+          <a:noFill/>
+        </p:spPr>
+        <p:txBody>
+          <a:bodyPr wrap="none" rtlCol="0">
+            <a:spAutoFit/>
+          </a:bodyPr>
+          <a:lstStyle/>
+          <a:p>
+            <a:r>
+              <a:rPr lang="en-US"/>
+              <a:t>Modularity</a:t>
+            </a:r>
           </a:p>
         </p:txBody>
       </p:sp>
     </p:spTree>
     <p:extLst>
       <p:ext uri="{BB962C8B-B14F-4D97-AF65-F5344CB8AC3E}">
-        <p14:creationId xmlns:p14="http://schemas.microsoft.com/office/powerpoint/2010/main" val="2900345323"/>
+        <p14:creationId xmlns:p14="http://schemas.microsoft.com/office/powerpoint/2010/main" val="2690475177"/>
       </p:ext>
     </p:extLst>
   </p:cSld>
@@ -4339,7 +4458,7 @@
         <p:spPr/>
         <p:txBody>
           <a:bodyPr>
-            <a:normAutofit fontScale="92500" lnSpcReduction="20000"/>
+            <a:normAutofit lnSpcReduction="10000"/>
           </a:bodyPr>
           <a:lstStyle/>
           <a:p>
@@ -4390,16 +4509,7 @@
             </a:pPr>
             <a:r>
               <a:rPr lang="en-US"/>
-              <a:t>Funding: NSERC – </a:t>
-            </a:r>
-          </a:p>
-          <a:p>
-            <a:pPr marL="0" indent="0">
-              <a:buNone/>
-            </a:pPr>
-            <a:r>
-              <a:rPr lang="en-US"/>
-              <a:t>CANPOLIN</a:t>
+              <a:t>Funding:</a:t>
             </a:r>
           </a:p>
         </p:txBody>
@@ -4420,7 +4530,7 @@
         </p:blipFill>
         <p:spPr>
           <a:xfrm>
-            <a:off x="3414524" y="4486037"/>
+            <a:off x="3339822" y="5102382"/>
             <a:ext cx="4528408" cy="1505064"/>
           </a:xfrm>
           <a:prstGeom prst="rect">
@@ -4527,7 +4637,7 @@
           <a:p>
             <a:r>
               <a:rPr lang="en-US"/>
-              <a:t>And many more…</a:t>
+              <a:t>And many more that provided data…</a:t>
             </a:r>
           </a:p>
           <a:p>
@@ -4545,6 +4655,13 @@
   <p:clrMapOvr>
     <a:masterClrMapping/>
   </p:clrMapOvr>
+  <p:timing>
+    <p:tnLst>
+      <p:par>
+        <p:cTn xmlns:p14="http://schemas.microsoft.com/office/powerpoint/2010/main" id="1" dur="indefinite" restart="never" nodeType="tmRoot"/>
+      </p:par>
+    </p:tnLst>
+  </p:timing>
 </p:sld>
 </file>
 
@@ -4586,43 +4703,243 @@
               <a:rPr lang="en-US"/>
               <a:t>Species in communities form networks</a:t>
             </a:r>
-          </a:p>
-        </p:txBody>
-      </p:sp>
-      <p:pic>
-        <p:nvPicPr>
-          <p:cNvPr id="4" name="Picture 3" descr="networks.png"/>
-          <p:cNvPicPr>
-            <a:picLocks noChangeAspect="1"/>
-          </p:cNvPicPr>
+            <a:endParaRPr lang="en-US"/>
+          </a:p>
+        </p:txBody>
+      </p:sp>
+      <p:sp>
+        <p:nvSpPr>
+          <p:cNvPr id="4" name="Oval 3"/>
+          <p:cNvSpPr/>
           <p:nvPr/>
-        </p:nvPicPr>
-        <p:blipFill>
-          <a:blip r:embed="rId2">
-            <a:extLst>
-              <a:ext uri="{28A0092B-C50C-407E-A947-70E740481C1C}">
-                <a14:useLocalDpi xmlns:a14="http://schemas.microsoft.com/office/drawing/2010/main" val="0"/>
-              </a:ext>
-            </a:extLst>
-          </a:blip>
-          <a:stretch>
-            <a:fillRect/>
-          </a:stretch>
-        </p:blipFill>
+        </p:nvSpPr>
         <p:spPr>
           <a:xfrm>
-            <a:off x="1291421" y="1225545"/>
-            <a:ext cx="6264987" cy="5480590"/>
+            <a:off x="2540072" y="2436086"/>
+            <a:ext cx="728709" cy="707923"/>
           </a:xfrm>
-          <a:prstGeom prst="rect">
+          <a:prstGeom prst="ellipse">
             <a:avLst/>
           </a:prstGeom>
+          <a:solidFill>
+            <a:srgbClr val="C0504D"/>
+          </a:solidFill>
+          <a:ln>
+            <a:solidFill>
+              <a:schemeClr val="accent2"/>
+            </a:solidFill>
+          </a:ln>
         </p:spPr>
-      </p:pic>
+        <p:style>
+          <a:lnRef idx="1">
+            <a:schemeClr val="accent1"/>
+          </a:lnRef>
+          <a:fillRef idx="3">
+            <a:schemeClr val="accent1"/>
+          </a:fillRef>
+          <a:effectRef idx="2">
+            <a:schemeClr val="accent1"/>
+          </a:effectRef>
+          <a:fontRef idx="minor">
+            <a:schemeClr val="lt1"/>
+          </a:fontRef>
+        </p:style>
+        <p:txBody>
+          <a:bodyPr rtlCol="0" anchor="ctr"/>
+          <a:lstStyle/>
+          <a:p>
+            <a:pPr algn="ctr"/>
+            <a:endParaRPr lang="en-US"/>
+          </a:p>
+        </p:txBody>
+      </p:sp>
+      <p:sp>
+        <p:nvSpPr>
+          <p:cNvPr id="5" name="Oval 4"/>
+          <p:cNvSpPr/>
+          <p:nvPr/>
+        </p:nvSpPr>
+        <p:spPr>
+          <a:xfrm>
+            <a:off x="5669770" y="2436086"/>
+            <a:ext cx="728709" cy="707923"/>
+          </a:xfrm>
+          <a:prstGeom prst="ellipse">
+            <a:avLst/>
+          </a:prstGeom>
+          <a:solidFill>
+            <a:srgbClr val="C0504D"/>
+          </a:solidFill>
+          <a:ln>
+            <a:solidFill>
+              <a:schemeClr val="accent2"/>
+            </a:solidFill>
+          </a:ln>
+        </p:spPr>
+        <p:style>
+          <a:lnRef idx="1">
+            <a:schemeClr val="accent1"/>
+          </a:lnRef>
+          <a:fillRef idx="3">
+            <a:schemeClr val="accent1"/>
+          </a:fillRef>
+          <a:effectRef idx="2">
+            <a:schemeClr val="accent1"/>
+          </a:effectRef>
+          <a:fontRef idx="minor">
+            <a:schemeClr val="lt1"/>
+          </a:fontRef>
+        </p:style>
+        <p:txBody>
+          <a:bodyPr rtlCol="0" anchor="ctr"/>
+          <a:lstStyle/>
+          <a:p>
+            <a:pPr algn="ctr"/>
+            <a:endParaRPr lang="en-US"/>
+          </a:p>
+        </p:txBody>
+      </p:sp>
+      <p:sp>
+        <p:nvSpPr>
+          <p:cNvPr id="6" name="Oval 5"/>
+          <p:cNvSpPr/>
+          <p:nvPr/>
+        </p:nvSpPr>
+        <p:spPr>
+          <a:xfrm>
+            <a:off x="5669770" y="4566505"/>
+            <a:ext cx="728709" cy="707923"/>
+          </a:xfrm>
+          <a:prstGeom prst="ellipse">
+            <a:avLst/>
+          </a:prstGeom>
+          <a:solidFill>
+            <a:srgbClr val="C0504D"/>
+          </a:solidFill>
+          <a:ln>
+            <a:solidFill>
+              <a:schemeClr val="accent2"/>
+            </a:solidFill>
+          </a:ln>
+        </p:spPr>
+        <p:style>
+          <a:lnRef idx="1">
+            <a:schemeClr val="accent1"/>
+          </a:lnRef>
+          <a:fillRef idx="3">
+            <a:schemeClr val="accent1"/>
+          </a:fillRef>
+          <a:effectRef idx="2">
+            <a:schemeClr val="accent1"/>
+          </a:effectRef>
+          <a:fontRef idx="minor">
+            <a:schemeClr val="lt1"/>
+          </a:fontRef>
+        </p:style>
+        <p:txBody>
+          <a:bodyPr rtlCol="0" anchor="ctr"/>
+          <a:lstStyle/>
+          <a:p>
+            <a:pPr algn="ctr"/>
+            <a:endParaRPr lang="en-US"/>
+          </a:p>
+        </p:txBody>
+      </p:sp>
+      <p:grpSp>
+        <p:nvGrpSpPr>
+          <p:cNvPr id="14" name="Group 13"/>
+          <p:cNvGrpSpPr/>
+          <p:nvPr/>
+        </p:nvGrpSpPr>
+        <p:grpSpPr>
+          <a:xfrm>
+            <a:off x="3268781" y="2790048"/>
+            <a:ext cx="2400989" cy="2130419"/>
+            <a:chOff x="3268781" y="2790048"/>
+            <a:chExt cx="2400989" cy="2130419"/>
+          </a:xfrm>
+        </p:grpSpPr>
+        <p:cxnSp>
+          <p:nvCxnSpPr>
+            <p:cNvPr id="8" name="Straight Connector 7"/>
+            <p:cNvCxnSpPr>
+              <a:stCxn id="4" idx="6"/>
+              <a:endCxn id="5" idx="2"/>
+            </p:cNvCxnSpPr>
+            <p:nvPr/>
+          </p:nvCxnSpPr>
+          <p:spPr>
+            <a:xfrm>
+              <a:off x="3268781" y="2790048"/>
+              <a:ext cx="2400989" cy="0"/>
+            </a:xfrm>
+            <a:prstGeom prst="line">
+              <a:avLst/>
+            </a:prstGeom>
+            <a:ln w="57150" cmpd="sng">
+              <a:solidFill>
+                <a:schemeClr val="tx1"/>
+              </a:solidFill>
+            </a:ln>
+          </p:spPr>
+          <p:style>
+            <a:lnRef idx="2">
+              <a:schemeClr val="accent1"/>
+            </a:lnRef>
+            <a:fillRef idx="0">
+              <a:schemeClr val="accent1"/>
+            </a:fillRef>
+            <a:effectRef idx="1">
+              <a:schemeClr val="accent1"/>
+            </a:effectRef>
+            <a:fontRef idx="minor">
+              <a:schemeClr val="tx1"/>
+            </a:fontRef>
+          </p:style>
+        </p:cxnSp>
+        <p:cxnSp>
+          <p:nvCxnSpPr>
+            <p:cNvPr id="9" name="Straight Connector 8"/>
+            <p:cNvCxnSpPr>
+              <a:stCxn id="4" idx="6"/>
+              <a:endCxn id="6" idx="2"/>
+            </p:cNvCxnSpPr>
+            <p:nvPr/>
+          </p:nvCxnSpPr>
+          <p:spPr>
+            <a:xfrm>
+              <a:off x="3268781" y="2790048"/>
+              <a:ext cx="2400989" cy="2130419"/>
+            </a:xfrm>
+            <a:prstGeom prst="line">
+              <a:avLst/>
+            </a:prstGeom>
+            <a:ln w="57150" cmpd="sng">
+              <a:solidFill>
+                <a:schemeClr val="tx1"/>
+              </a:solidFill>
+            </a:ln>
+          </p:spPr>
+          <p:style>
+            <a:lnRef idx="2">
+              <a:schemeClr val="accent1"/>
+            </a:lnRef>
+            <a:fillRef idx="0">
+              <a:schemeClr val="accent1"/>
+            </a:fillRef>
+            <a:effectRef idx="1">
+              <a:schemeClr val="accent1"/>
+            </a:effectRef>
+            <a:fontRef idx="minor">
+              <a:schemeClr val="tx1"/>
+            </a:fontRef>
+          </p:style>
+        </p:cxnSp>
+      </p:grpSp>
     </p:spTree>
     <p:extLst>
       <p:ext uri="{BB962C8B-B14F-4D97-AF65-F5344CB8AC3E}">
-        <p14:creationId xmlns:p14="http://schemas.microsoft.com/office/powerpoint/2010/main" val="1104281491"/>
+        <p14:creationId xmlns:p14="http://schemas.microsoft.com/office/powerpoint/2010/main" val="4134063166"/>
       </p:ext>
     </p:extLst>
   </p:cSld>
@@ -4632,7 +4949,75 @@
   <p:timing>
     <p:tnLst>
       <p:par>
-        <p:cTn xmlns:p14="http://schemas.microsoft.com/office/powerpoint/2010/main" id="1" dur="indefinite" restart="never" nodeType="tmRoot"/>
+        <p:cTn xmlns:p14="http://schemas.microsoft.com/office/powerpoint/2010/main" id="1" dur="indefinite" restart="never" nodeType="tmRoot">
+          <p:childTnLst>
+            <p:seq concurrent="1" nextAc="seek">
+              <p:cTn id="2" dur="indefinite" nodeType="mainSeq">
+                <p:childTnLst>
+                  <p:par>
+                    <p:cTn id="3" fill="hold">
+                      <p:stCondLst>
+                        <p:cond delay="indefinite"/>
+                      </p:stCondLst>
+                      <p:childTnLst>
+                        <p:par>
+                          <p:cTn id="4" fill="hold">
+                            <p:stCondLst>
+                              <p:cond delay="0"/>
+                            </p:stCondLst>
+                            <p:childTnLst>
+                              <p:par>
+                                <p:cTn id="5" presetID="1" presetClass="entr" presetSubtype="0" fill="hold" nodeType="clickEffect">
+                                  <p:stCondLst>
+                                    <p:cond delay="0"/>
+                                  </p:stCondLst>
+                                  <p:childTnLst>
+                                    <p:set>
+                                      <p:cBhvr>
+                                        <p:cTn id="6" dur="1" fill="hold">
+                                          <p:stCondLst>
+                                            <p:cond delay="0"/>
+                                          </p:stCondLst>
+                                        </p:cTn>
+                                        <p:tgtEl>
+                                          <p:spTgt spid="14"/>
+                                        </p:tgtEl>
+                                        <p:attrNameLst>
+                                          <p:attrName>style.visibility</p:attrName>
+                                        </p:attrNameLst>
+                                      </p:cBhvr>
+                                      <p:to>
+                                        <p:strVal val="visible"/>
+                                      </p:to>
+                                    </p:set>
+                                  </p:childTnLst>
+                                </p:cTn>
+                              </p:par>
+                            </p:childTnLst>
+                          </p:cTn>
+                        </p:par>
+                      </p:childTnLst>
+                    </p:cTn>
+                  </p:par>
+                </p:childTnLst>
+              </p:cTn>
+              <p:prevCondLst>
+                <p:cond evt="onPrev" delay="0">
+                  <p:tgtEl>
+                    <p:sldTgt/>
+                  </p:tgtEl>
+                </p:cond>
+              </p:prevCondLst>
+              <p:nextCondLst>
+                <p:cond evt="onNext" delay="0">
+                  <p:tgtEl>
+                    <p:sldTgt/>
+                  </p:tgtEl>
+                </p:cond>
+              </p:nextCondLst>
+            </p:seq>
+          </p:childTnLst>
+        </p:cTn>
       </p:par>
     </p:tnLst>
   </p:timing>
@@ -4905,6 +5290,13 @@
   <p:clrMapOvr>
     <a:masterClrMapping/>
   </p:clrMapOvr>
+  <p:timing>
+    <p:tnLst>
+      <p:par>
+        <p:cTn xmlns:p14="http://schemas.microsoft.com/office/powerpoint/2010/main" id="1" dur="indefinite" restart="never" nodeType="tmRoot"/>
+      </p:par>
+    </p:tnLst>
+  </p:timing>
 </p:sld>
 </file>
 
@@ -4971,18 +5363,362 @@
             <a:endParaRPr lang="en-US"/>
           </a:p>
           <a:p>
+            <a:endParaRPr lang="en-US"/>
+          </a:p>
+          <a:p>
+            <a:r>
+              <a:rPr lang="en-US"/>
+              <a:t>Phenology</a:t>
+            </a:r>
+          </a:p>
+          <a:p>
+            <a:endParaRPr lang="en-US"/>
+          </a:p>
+          <a:p>
+            <a:endParaRPr lang="en-US"/>
+          </a:p>
+          <a:p>
             <a:r>
               <a:rPr lang="en-US"/>
               <a:t>Phylogeny</a:t>
             </a:r>
           </a:p>
-          <a:p>
-            <a:endParaRPr lang="en-US"/>
-          </a:p>
-          <a:p>
-            <a:r>
-              <a:rPr lang="en-US"/>
-              <a:t>Phenology</a:t>
+        </p:txBody>
+      </p:sp>
+      <p:pic>
+        <p:nvPicPr>
+          <p:cNvPr id="5" name="Picture 4"/>
+          <p:cNvPicPr>
+            <a:picLocks noChangeAspect="1"/>
+          </p:cNvPicPr>
+          <p:nvPr/>
+        </p:nvPicPr>
+        <p:blipFill>
+          <a:blip r:embed="rId2"/>
+          <a:stretch>
+            <a:fillRect/>
+          </a:stretch>
+        </p:blipFill>
+        <p:spPr>
+          <a:xfrm>
+            <a:off x="4532768" y="1483326"/>
+            <a:ext cx="1649606" cy="966226"/>
+          </a:xfrm>
+          <a:prstGeom prst="rect">
+            <a:avLst/>
+          </a:prstGeom>
+        </p:spPr>
+      </p:pic>
+      <p:sp>
+        <p:nvSpPr>
+          <p:cNvPr id="6" name="TextBox 5"/>
+          <p:cNvSpPr txBox="1"/>
+          <p:nvPr/>
+        </p:nvSpPr>
+        <p:spPr>
+          <a:xfrm>
+            <a:off x="350359" y="6384125"/>
+            <a:ext cx="3589632" cy="253916"/>
+          </a:xfrm>
+          <a:prstGeom prst="rect">
+            <a:avLst/>
+          </a:prstGeom>
+          <a:noFill/>
+        </p:spPr>
+        <p:txBody>
+          <a:bodyPr wrap="none" rtlCol="0">
+            <a:spAutoFit/>
+          </a:bodyPr>
+          <a:lstStyle/>
+          <a:p>
+            <a:r>
+              <a:rPr lang="en-US" sz="1050"/>
+              <a:t>http://www.gutenberg.org/files/33874/33874-h/33874-h.htm</a:t>
+            </a:r>
+          </a:p>
+        </p:txBody>
+      </p:sp>
+      <p:grpSp>
+        <p:nvGrpSpPr>
+          <p:cNvPr id="25" name="Group 24"/>
+          <p:cNvGrpSpPr/>
+          <p:nvPr/>
+        </p:nvGrpSpPr>
+        <p:grpSpPr>
+          <a:xfrm rot="5400000">
+            <a:off x="4805450" y="4931468"/>
+            <a:ext cx="1154111" cy="966794"/>
+            <a:chOff x="4748213" y="3146418"/>
+            <a:chExt cx="1154111" cy="966794"/>
+          </a:xfrm>
+        </p:grpSpPr>
+        <p:cxnSp>
+          <p:nvCxnSpPr>
+            <p:cNvPr id="15" name="Straight Connector 14"/>
+            <p:cNvCxnSpPr/>
+            <p:nvPr/>
+          </p:nvCxnSpPr>
+          <p:spPr>
+            <a:xfrm flipH="1">
+              <a:off x="5513387" y="3763962"/>
+              <a:ext cx="388937" cy="0"/>
+            </a:xfrm>
+            <a:prstGeom prst="line">
+              <a:avLst/>
+            </a:prstGeom>
+            <a:ln w="57150" cmpd="sng"/>
+          </p:spPr>
+          <p:style>
+            <a:lnRef idx="2">
+              <a:schemeClr val="accent1"/>
+            </a:lnRef>
+            <a:fillRef idx="0">
+              <a:schemeClr val="accent1"/>
+            </a:fillRef>
+            <a:effectRef idx="1">
+              <a:schemeClr val="accent1"/>
+            </a:effectRef>
+            <a:fontRef idx="minor">
+              <a:schemeClr val="tx1"/>
+            </a:fontRef>
+          </p:style>
+        </p:cxnSp>
+        <p:cxnSp>
+          <p:nvCxnSpPr>
+            <p:cNvPr id="16" name="Straight Connector 15"/>
+            <p:cNvCxnSpPr/>
+            <p:nvPr/>
+          </p:nvCxnSpPr>
+          <p:spPr>
+            <a:xfrm rot="16200000" flipH="1" flipV="1">
+              <a:off x="5162550" y="3763962"/>
+              <a:ext cx="698500" cy="0"/>
+            </a:xfrm>
+            <a:prstGeom prst="line">
+              <a:avLst/>
+            </a:prstGeom>
+            <a:ln w="57150" cmpd="sng"/>
+          </p:spPr>
+          <p:style>
+            <a:lnRef idx="2">
+              <a:schemeClr val="accent1"/>
+            </a:lnRef>
+            <a:fillRef idx="0">
+              <a:schemeClr val="accent1"/>
+            </a:fillRef>
+            <a:effectRef idx="1">
+              <a:schemeClr val="accent1"/>
+            </a:effectRef>
+            <a:fontRef idx="minor">
+              <a:schemeClr val="tx1"/>
+            </a:fontRef>
+          </p:style>
+        </p:cxnSp>
+        <p:cxnSp>
+          <p:nvCxnSpPr>
+            <p:cNvPr id="17" name="Straight Connector 16"/>
+            <p:cNvCxnSpPr/>
+            <p:nvPr/>
+          </p:nvCxnSpPr>
+          <p:spPr>
+            <a:xfrm flipH="1">
+              <a:off x="5137150" y="3416299"/>
+              <a:ext cx="388937" cy="0"/>
+            </a:xfrm>
+            <a:prstGeom prst="line">
+              <a:avLst/>
+            </a:prstGeom>
+            <a:ln w="57150" cmpd="sng"/>
+          </p:spPr>
+          <p:style>
+            <a:lnRef idx="2">
+              <a:schemeClr val="accent1"/>
+            </a:lnRef>
+            <a:fillRef idx="0">
+              <a:schemeClr val="accent1"/>
+            </a:fillRef>
+            <a:effectRef idx="1">
+              <a:schemeClr val="accent1"/>
+            </a:effectRef>
+            <a:fontRef idx="minor">
+              <a:schemeClr val="tx1"/>
+            </a:fontRef>
+          </p:style>
+        </p:cxnSp>
+        <p:cxnSp>
+          <p:nvCxnSpPr>
+            <p:cNvPr id="18" name="Straight Connector 17"/>
+            <p:cNvCxnSpPr/>
+            <p:nvPr/>
+          </p:nvCxnSpPr>
+          <p:spPr>
+            <a:xfrm flipV="1">
+              <a:off x="4748213" y="4090987"/>
+              <a:ext cx="777875" cy="1587"/>
+            </a:xfrm>
+            <a:prstGeom prst="line">
+              <a:avLst/>
+            </a:prstGeom>
+            <a:ln w="57150" cmpd="sng"/>
+          </p:spPr>
+          <p:style>
+            <a:lnRef idx="2">
+              <a:schemeClr val="accent1"/>
+            </a:lnRef>
+            <a:fillRef idx="0">
+              <a:schemeClr val="accent1"/>
+            </a:fillRef>
+            <a:effectRef idx="1">
+              <a:schemeClr val="accent1"/>
+            </a:effectRef>
+            <a:fontRef idx="minor">
+              <a:schemeClr val="tx1"/>
+            </a:fontRef>
+          </p:style>
+        </p:cxnSp>
+        <p:cxnSp>
+          <p:nvCxnSpPr>
+            <p:cNvPr id="19" name="Straight Connector 18"/>
+            <p:cNvCxnSpPr/>
+            <p:nvPr/>
+          </p:nvCxnSpPr>
+          <p:spPr>
+            <a:xfrm>
+              <a:off x="5137150" y="3146418"/>
+              <a:ext cx="0" cy="528639"/>
+            </a:xfrm>
+            <a:prstGeom prst="line">
+              <a:avLst/>
+            </a:prstGeom>
+            <a:ln w="57150" cmpd="sng"/>
+          </p:spPr>
+          <p:style>
+            <a:lnRef idx="2">
+              <a:schemeClr val="accent1"/>
+            </a:lnRef>
+            <a:fillRef idx="0">
+              <a:schemeClr val="accent1"/>
+            </a:fillRef>
+            <a:effectRef idx="1">
+              <a:schemeClr val="accent1"/>
+            </a:effectRef>
+            <a:fontRef idx="minor">
+              <a:schemeClr val="tx1"/>
+            </a:fontRef>
+          </p:style>
+        </p:cxnSp>
+        <p:cxnSp>
+          <p:nvCxnSpPr>
+            <p:cNvPr id="21" name="Straight Connector 20"/>
+            <p:cNvCxnSpPr/>
+            <p:nvPr/>
+          </p:nvCxnSpPr>
+          <p:spPr>
+            <a:xfrm flipH="1">
+              <a:off x="4748213" y="3675057"/>
+              <a:ext cx="388937" cy="0"/>
+            </a:xfrm>
+            <a:prstGeom prst="line">
+              <a:avLst/>
+            </a:prstGeom>
+            <a:ln w="57150" cmpd="sng"/>
+          </p:spPr>
+          <p:style>
+            <a:lnRef idx="2">
+              <a:schemeClr val="accent1"/>
+            </a:lnRef>
+            <a:fillRef idx="0">
+              <a:schemeClr val="accent1"/>
+            </a:fillRef>
+            <a:effectRef idx="1">
+              <a:schemeClr val="accent1"/>
+            </a:effectRef>
+            <a:fontRef idx="minor">
+              <a:schemeClr val="tx1"/>
+            </a:fontRef>
+          </p:style>
+        </p:cxnSp>
+        <p:cxnSp>
+          <p:nvCxnSpPr>
+            <p:cNvPr id="22" name="Straight Connector 21"/>
+            <p:cNvCxnSpPr/>
+            <p:nvPr/>
+          </p:nvCxnSpPr>
+          <p:spPr>
+            <a:xfrm flipH="1">
+              <a:off x="4748213" y="3146418"/>
+              <a:ext cx="388937" cy="0"/>
+            </a:xfrm>
+            <a:prstGeom prst="line">
+              <a:avLst/>
+            </a:prstGeom>
+            <a:ln w="57150" cmpd="sng"/>
+          </p:spPr>
+          <p:style>
+            <a:lnRef idx="2">
+              <a:schemeClr val="accent1"/>
+            </a:lnRef>
+            <a:fillRef idx="0">
+              <a:schemeClr val="accent1"/>
+            </a:fillRef>
+            <a:effectRef idx="1">
+              <a:schemeClr val="accent1"/>
+            </a:effectRef>
+            <a:fontRef idx="minor">
+              <a:schemeClr val="tx1"/>
+            </a:fontRef>
+          </p:style>
+        </p:cxnSp>
+      </p:grpSp>
+      <p:pic>
+        <p:nvPicPr>
+          <p:cNvPr id="26" name="Picture 25"/>
+          <p:cNvPicPr>
+            <a:picLocks noChangeAspect="1"/>
+          </p:cNvPicPr>
+          <p:nvPr/>
+        </p:nvPicPr>
+        <p:blipFill>
+          <a:blip r:embed="rId3"/>
+          <a:stretch>
+            <a:fillRect/>
+          </a:stretch>
+        </p:blipFill>
+        <p:spPr>
+          <a:xfrm>
+            <a:off x="4372624" y="2764625"/>
+            <a:ext cx="1809750" cy="1809750"/>
+          </a:xfrm>
+          <a:prstGeom prst="rect">
+            <a:avLst/>
+          </a:prstGeom>
+        </p:spPr>
+      </p:pic>
+      <p:sp>
+        <p:nvSpPr>
+          <p:cNvPr id="27" name="TextBox 26"/>
+          <p:cNvSpPr txBox="1"/>
+          <p:nvPr/>
+        </p:nvSpPr>
+        <p:spPr>
+          <a:xfrm>
+            <a:off x="350359" y="6546334"/>
+            <a:ext cx="5032147" cy="253916"/>
+          </a:xfrm>
+          <a:prstGeom prst="rect">
+            <a:avLst/>
+          </a:prstGeom>
+          <a:noFill/>
+        </p:spPr>
+        <p:txBody>
+          <a:bodyPr wrap="none" rtlCol="0">
+            <a:spAutoFit/>
+          </a:bodyPr>
+          <a:lstStyle/>
+          <a:p>
+            <a:r>
+              <a:rPr lang="en-US" sz="1050"/>
+              <a:t>http://contently.com/strategist/2012/01/17/stay-on-track-with-your-editorial-calendar/</a:t>
             </a:r>
           </a:p>
         </p:txBody>
@@ -5335,8 +6071,13 @@
           <a:p>
             <a:r>
               <a:rPr lang="en-US"/>
-              <a:t>Specialization</a:t>
-            </a:r>
+              <a:t>Specialization </a:t>
+            </a:r>
+            <a:r>
+              <a:rPr lang="en-US" sz="2400"/>
+              <a:t>(accounts for interaction intensity)</a:t>
+            </a:r>
+            <a:endParaRPr lang="en-US"/>
           </a:p>
           <a:p>
             <a:r>

--- a/canpolintalk/scott.pptx
+++ b/canpolintalk/scott.pptx
@@ -2,7 +2,7 @@
 <file path=ppt/presentation.xml><?xml version="1.0" encoding="utf-8"?>
 <p:presentation xmlns:a="http://schemas.openxmlformats.org/drawingml/2006/main" xmlns:r="http://schemas.openxmlformats.org/officeDocument/2006/relationships" xmlns:p="http://schemas.openxmlformats.org/presentationml/2006/main" saveSubsetFonts="1" autoCompressPictures="0">
   <p:sldMasterIdLst>
-    <p:sldMasterId id="2147483660" r:id="rId1"/>
+    <p:sldMasterId id="2147483696" r:id="rId1"/>
   </p:sldMasterIdLst>
   <p:sldIdLst>
     <p:sldId id="256" r:id="rId2"/>
@@ -11,18 +11,30 @@
     <p:sldId id="258" r:id="rId5"/>
     <p:sldId id="271" r:id="rId6"/>
     <p:sldId id="259" r:id="rId7"/>
-    <p:sldId id="260" r:id="rId8"/>
-    <p:sldId id="263" r:id="rId9"/>
-    <p:sldId id="269" r:id="rId10"/>
-    <p:sldId id="261" r:id="rId11"/>
-    <p:sldId id="262" r:id="rId12"/>
-    <p:sldId id="268" r:id="rId13"/>
-    <p:sldId id="265" r:id="rId14"/>
-    <p:sldId id="273" r:id="rId15"/>
-    <p:sldId id="264" r:id="rId16"/>
-    <p:sldId id="274" r:id="rId17"/>
-    <p:sldId id="272" r:id="rId18"/>
-    <p:sldId id="266" r:id="rId19"/>
+    <p:sldId id="281" r:id="rId8"/>
+    <p:sldId id="282" r:id="rId9"/>
+    <p:sldId id="283" r:id="rId10"/>
+    <p:sldId id="284" r:id="rId11"/>
+    <p:sldId id="260" r:id="rId12"/>
+    <p:sldId id="263" r:id="rId13"/>
+    <p:sldId id="269" r:id="rId14"/>
+    <p:sldId id="278" r:id="rId15"/>
+    <p:sldId id="279" r:id="rId16"/>
+    <p:sldId id="285" r:id="rId17"/>
+    <p:sldId id="287" r:id="rId18"/>
+    <p:sldId id="286" r:id="rId19"/>
+    <p:sldId id="268" r:id="rId20"/>
+    <p:sldId id="277" r:id="rId21"/>
+    <p:sldId id="265" r:id="rId22"/>
+    <p:sldId id="273" r:id="rId23"/>
+    <p:sldId id="276" r:id="rId24"/>
+    <p:sldId id="289" r:id="rId25"/>
+    <p:sldId id="264" r:id="rId26"/>
+    <p:sldId id="274" r:id="rId27"/>
+    <p:sldId id="272" r:id="rId28"/>
+    <p:sldId id="280" r:id="rId29"/>
+    <p:sldId id="288" r:id="rId30"/>
+    <p:sldId id="266" r:id="rId31"/>
   </p:sldIdLst>
   <p:sldSz cx="9144000" cy="6858000" type="screen4x3"/>
   <p:notesSz cx="6858000" cy="9144000"/>
@@ -162,10 +174,9 @@
           <a:lstStyle/>
           <a:p>
             <a:r>
-              <a:rPr lang="en-US" smtClean="0"/>
+              <a:rPr lang="en-US"/>
               <a:t>Click to edit Master title style</a:t>
             </a:r>
-            <a:endParaRPr lang="en-US"/>
           </a:p>
         </p:txBody>
       </p:sp>
@@ -281,10 +292,9 @@
           </a:lstStyle>
           <a:p>
             <a:r>
-              <a:rPr lang="en-US" smtClean="0"/>
+              <a:rPr lang="en-US"/>
               <a:t>Click to edit Master subtitle style</a:t>
             </a:r>
-            <a:endParaRPr lang="en-US"/>
           </a:p>
         </p:txBody>
       </p:sp>
@@ -304,7 +314,7 @@
           <a:lstStyle/>
           <a:p>
             <a:fld id="{BE27739B-E857-3B43-B927-3CD6D8B6A632}" type="datetimeFigureOut">
-              <a:t>2013-10-16</a:t>
+              <a:t>2013-10-23</a:t>
             </a:fld>
             <a:endParaRPr lang="en-US"/>
           </a:p>
@@ -345,6 +355,7 @@
           <a:lstStyle/>
           <a:p>
             <a:fld id="{18226218-6A40-CC4B-B4E6-16601640C3CA}" type="slidenum">
+              <a:rPr lang="en-US"/>
               <a:t>‹#›</a:t>
             </a:fld>
             <a:endParaRPr lang="en-US"/>
@@ -354,7 +365,7 @@
     </p:spTree>
     <p:extLst>
       <p:ext uri="{BB962C8B-B14F-4D97-AF65-F5344CB8AC3E}">
-        <p14:creationId xmlns:p14="http://schemas.microsoft.com/office/powerpoint/2010/main" val="2702019936"/>
+        <p14:creationId xmlns:p14="http://schemas.microsoft.com/office/powerpoint/2010/main" val="337783769"/>
       </p:ext>
     </p:extLst>
   </p:cSld>
@@ -397,10 +408,9 @@
           <a:lstStyle/>
           <a:p>
             <a:r>
-              <a:rPr lang="en-US" smtClean="0"/>
+              <a:rPr lang="en-US"/>
               <a:t>Click to edit Master title style</a:t>
             </a:r>
-            <a:endParaRPr lang="en-US"/>
           </a:p>
         </p:txBody>
       </p:sp>
@@ -421,38 +431,37 @@
           <a:p>
             <a:pPr lvl="0"/>
             <a:r>
-              <a:rPr lang="en-US" smtClean="0"/>
+              <a:rPr lang="en-US"/>
               <a:t>Click to edit Master text styles</a:t>
             </a:r>
           </a:p>
           <a:p>
             <a:pPr lvl="1"/>
             <a:r>
-              <a:rPr lang="en-US" smtClean="0"/>
+              <a:rPr lang="en-US"/>
               <a:t>Second level</a:t>
             </a:r>
           </a:p>
           <a:p>
             <a:pPr lvl="2"/>
             <a:r>
-              <a:rPr lang="en-US" smtClean="0"/>
+              <a:rPr lang="en-US"/>
               <a:t>Third level</a:t>
             </a:r>
           </a:p>
           <a:p>
             <a:pPr lvl="3"/>
             <a:r>
-              <a:rPr lang="en-US" smtClean="0"/>
+              <a:rPr lang="en-US"/>
               <a:t>Fourth level</a:t>
             </a:r>
           </a:p>
           <a:p>
             <a:pPr lvl="4"/>
             <a:r>
-              <a:rPr lang="en-US" smtClean="0"/>
+              <a:rPr lang="en-US"/>
               <a:t>Fifth level</a:t>
             </a:r>
-            <a:endParaRPr lang="en-US"/>
           </a:p>
         </p:txBody>
       </p:sp>
@@ -472,7 +481,7 @@
           <a:lstStyle/>
           <a:p>
             <a:fld id="{BE27739B-E857-3B43-B927-3CD6D8B6A632}" type="datetimeFigureOut">
-              <a:t>2013-10-16</a:t>
+              <a:t>2013-10-23</a:t>
             </a:fld>
             <a:endParaRPr lang="en-US"/>
           </a:p>
@@ -513,6 +522,7 @@
           <a:lstStyle/>
           <a:p>
             <a:fld id="{18226218-6A40-CC4B-B4E6-16601640C3CA}" type="slidenum">
+              <a:rPr lang="en-US"/>
               <a:t>‹#›</a:t>
             </a:fld>
             <a:endParaRPr lang="en-US"/>
@@ -522,7 +532,7 @@
     </p:spTree>
     <p:extLst>
       <p:ext uri="{BB962C8B-B14F-4D97-AF65-F5344CB8AC3E}">
-        <p14:creationId xmlns:p14="http://schemas.microsoft.com/office/powerpoint/2010/main" val="2949498235"/>
+        <p14:creationId xmlns:p14="http://schemas.microsoft.com/office/powerpoint/2010/main" val="2077568657"/>
       </p:ext>
     </p:extLst>
   </p:cSld>
@@ -570,10 +580,9 @@
           <a:lstStyle/>
           <a:p>
             <a:r>
-              <a:rPr lang="en-US" smtClean="0"/>
+              <a:rPr lang="en-US"/>
               <a:t>Click to edit Master title style</a:t>
             </a:r>
-            <a:endParaRPr lang="en-US"/>
           </a:p>
         </p:txBody>
       </p:sp>
@@ -599,38 +608,37 @@
           <a:p>
             <a:pPr lvl="0"/>
             <a:r>
-              <a:rPr lang="en-US" smtClean="0"/>
+              <a:rPr lang="en-US"/>
               <a:t>Click to edit Master text styles</a:t>
             </a:r>
           </a:p>
           <a:p>
             <a:pPr lvl="1"/>
             <a:r>
-              <a:rPr lang="en-US" smtClean="0"/>
+              <a:rPr lang="en-US"/>
               <a:t>Second level</a:t>
             </a:r>
           </a:p>
           <a:p>
             <a:pPr lvl="2"/>
             <a:r>
-              <a:rPr lang="en-US" smtClean="0"/>
+              <a:rPr lang="en-US"/>
               <a:t>Third level</a:t>
             </a:r>
           </a:p>
           <a:p>
             <a:pPr lvl="3"/>
             <a:r>
-              <a:rPr lang="en-US" smtClean="0"/>
+              <a:rPr lang="en-US"/>
               <a:t>Fourth level</a:t>
             </a:r>
           </a:p>
           <a:p>
             <a:pPr lvl="4"/>
             <a:r>
-              <a:rPr lang="en-US" smtClean="0"/>
+              <a:rPr lang="en-US"/>
               <a:t>Fifth level</a:t>
             </a:r>
-            <a:endParaRPr lang="en-US"/>
           </a:p>
         </p:txBody>
       </p:sp>
@@ -650,7 +658,7 @@
           <a:lstStyle/>
           <a:p>
             <a:fld id="{BE27739B-E857-3B43-B927-3CD6D8B6A632}" type="datetimeFigureOut">
-              <a:t>2013-10-16</a:t>
+              <a:t>2013-10-23</a:t>
             </a:fld>
             <a:endParaRPr lang="en-US"/>
           </a:p>
@@ -691,6 +699,7 @@
           <a:lstStyle/>
           <a:p>
             <a:fld id="{18226218-6A40-CC4B-B4E6-16601640C3CA}" type="slidenum">
+              <a:rPr lang="en-US"/>
               <a:t>‹#›</a:t>
             </a:fld>
             <a:endParaRPr lang="en-US"/>
@@ -700,7 +709,7 @@
     </p:spTree>
     <p:extLst>
       <p:ext uri="{BB962C8B-B14F-4D97-AF65-F5344CB8AC3E}">
-        <p14:creationId xmlns:p14="http://schemas.microsoft.com/office/powerpoint/2010/main" val="1427941222"/>
+        <p14:creationId xmlns:p14="http://schemas.microsoft.com/office/powerpoint/2010/main" val="392204746"/>
       </p:ext>
     </p:extLst>
   </p:cSld>
@@ -743,10 +752,9 @@
           <a:lstStyle/>
           <a:p>
             <a:r>
-              <a:rPr lang="en-US" smtClean="0"/>
+              <a:rPr lang="en-US"/>
               <a:t>Click to edit Master title style</a:t>
             </a:r>
-            <a:endParaRPr lang="en-US"/>
           </a:p>
         </p:txBody>
       </p:sp>
@@ -767,38 +775,37 @@
           <a:p>
             <a:pPr lvl="0"/>
             <a:r>
-              <a:rPr lang="en-US" smtClean="0"/>
+              <a:rPr lang="en-US"/>
               <a:t>Click to edit Master text styles</a:t>
             </a:r>
           </a:p>
           <a:p>
             <a:pPr lvl="1"/>
             <a:r>
-              <a:rPr lang="en-US" smtClean="0"/>
+              <a:rPr lang="en-US"/>
               <a:t>Second level</a:t>
             </a:r>
           </a:p>
           <a:p>
             <a:pPr lvl="2"/>
             <a:r>
-              <a:rPr lang="en-US" smtClean="0"/>
+              <a:rPr lang="en-US"/>
               <a:t>Third level</a:t>
             </a:r>
           </a:p>
           <a:p>
             <a:pPr lvl="3"/>
             <a:r>
-              <a:rPr lang="en-US" smtClean="0"/>
+              <a:rPr lang="en-US"/>
               <a:t>Fourth level</a:t>
             </a:r>
           </a:p>
           <a:p>
             <a:pPr lvl="4"/>
             <a:r>
-              <a:rPr lang="en-US" smtClean="0"/>
+              <a:rPr lang="en-US"/>
               <a:t>Fifth level</a:t>
             </a:r>
-            <a:endParaRPr lang="en-US"/>
           </a:p>
         </p:txBody>
       </p:sp>
@@ -818,7 +825,7 @@
           <a:lstStyle/>
           <a:p>
             <a:fld id="{BE27739B-E857-3B43-B927-3CD6D8B6A632}" type="datetimeFigureOut">
-              <a:t>2013-10-16</a:t>
+              <a:t>2013-10-23</a:t>
             </a:fld>
             <a:endParaRPr lang="en-US"/>
           </a:p>
@@ -859,6 +866,7 @@
           <a:lstStyle/>
           <a:p>
             <a:fld id="{18226218-6A40-CC4B-B4E6-16601640C3CA}" type="slidenum">
+              <a:rPr lang="en-US"/>
               <a:t>‹#›</a:t>
             </a:fld>
             <a:endParaRPr lang="en-US"/>
@@ -868,7 +876,7 @@
     </p:spTree>
     <p:extLst>
       <p:ext uri="{BB962C8B-B14F-4D97-AF65-F5344CB8AC3E}">
-        <p14:creationId xmlns:p14="http://schemas.microsoft.com/office/powerpoint/2010/main" val="2275933374"/>
+        <p14:creationId xmlns:p14="http://schemas.microsoft.com/office/powerpoint/2010/main" val="3061053331"/>
       </p:ext>
     </p:extLst>
   </p:cSld>
@@ -920,10 +928,9 @@
           </a:lstStyle>
           <a:p>
             <a:r>
-              <a:rPr lang="en-US" smtClean="0"/>
+              <a:rPr lang="en-US"/>
               <a:t>Click to edit Master title style</a:t>
             </a:r>
-            <a:endParaRPr lang="en-US"/>
           </a:p>
         </p:txBody>
       </p:sp>
@@ -1040,7 +1047,7 @@
           <a:p>
             <a:pPr lvl="0"/>
             <a:r>
-              <a:rPr lang="en-US" smtClean="0"/>
+              <a:rPr lang="en-US"/>
               <a:t>Click to edit Master text styles</a:t>
             </a:r>
           </a:p>
@@ -1062,7 +1069,7 @@
           <a:lstStyle/>
           <a:p>
             <a:fld id="{BE27739B-E857-3B43-B927-3CD6D8B6A632}" type="datetimeFigureOut">
-              <a:t>2013-10-16</a:t>
+              <a:t>2013-10-23</a:t>
             </a:fld>
             <a:endParaRPr lang="en-US"/>
           </a:p>
@@ -1103,6 +1110,7 @@
           <a:lstStyle/>
           <a:p>
             <a:fld id="{18226218-6A40-CC4B-B4E6-16601640C3CA}" type="slidenum">
+              <a:rPr lang="en-US"/>
               <a:t>‹#›</a:t>
             </a:fld>
             <a:endParaRPr lang="en-US"/>
@@ -1112,7 +1120,7 @@
     </p:spTree>
     <p:extLst>
       <p:ext uri="{BB962C8B-B14F-4D97-AF65-F5344CB8AC3E}">
-        <p14:creationId xmlns:p14="http://schemas.microsoft.com/office/powerpoint/2010/main" val="1798952600"/>
+        <p14:creationId xmlns:p14="http://schemas.microsoft.com/office/powerpoint/2010/main" val="342164128"/>
       </p:ext>
     </p:extLst>
   </p:cSld>
@@ -1155,10 +1163,9 @@
           <a:lstStyle/>
           <a:p>
             <a:r>
-              <a:rPr lang="en-US" smtClean="0"/>
+              <a:rPr lang="en-US"/>
               <a:t>Click to edit Master title style</a:t>
             </a:r>
-            <a:endParaRPr lang="en-US"/>
           </a:p>
         </p:txBody>
       </p:sp>
@@ -1212,38 +1219,37 @@
           <a:p>
             <a:pPr lvl="0"/>
             <a:r>
-              <a:rPr lang="en-US" smtClean="0"/>
+              <a:rPr lang="en-US"/>
               <a:t>Click to edit Master text styles</a:t>
             </a:r>
           </a:p>
           <a:p>
             <a:pPr lvl="1"/>
             <a:r>
-              <a:rPr lang="en-US" smtClean="0"/>
+              <a:rPr lang="en-US"/>
               <a:t>Second level</a:t>
             </a:r>
           </a:p>
           <a:p>
             <a:pPr lvl="2"/>
             <a:r>
-              <a:rPr lang="en-US" smtClean="0"/>
+              <a:rPr lang="en-US"/>
               <a:t>Third level</a:t>
             </a:r>
           </a:p>
           <a:p>
             <a:pPr lvl="3"/>
             <a:r>
-              <a:rPr lang="en-US" smtClean="0"/>
+              <a:rPr lang="en-US"/>
               <a:t>Fourth level</a:t>
             </a:r>
           </a:p>
           <a:p>
             <a:pPr lvl="4"/>
             <a:r>
-              <a:rPr lang="en-US" smtClean="0"/>
+              <a:rPr lang="en-US"/>
               <a:t>Fifth level</a:t>
             </a:r>
-            <a:endParaRPr lang="en-US"/>
           </a:p>
         </p:txBody>
       </p:sp>
@@ -1297,38 +1303,37 @@
           <a:p>
             <a:pPr lvl="0"/>
             <a:r>
-              <a:rPr lang="en-US" smtClean="0"/>
+              <a:rPr lang="en-US"/>
               <a:t>Click to edit Master text styles</a:t>
             </a:r>
           </a:p>
           <a:p>
             <a:pPr lvl="1"/>
             <a:r>
-              <a:rPr lang="en-US" smtClean="0"/>
+              <a:rPr lang="en-US"/>
               <a:t>Second level</a:t>
             </a:r>
           </a:p>
           <a:p>
             <a:pPr lvl="2"/>
             <a:r>
-              <a:rPr lang="en-US" smtClean="0"/>
+              <a:rPr lang="en-US"/>
               <a:t>Third level</a:t>
             </a:r>
           </a:p>
           <a:p>
             <a:pPr lvl="3"/>
             <a:r>
-              <a:rPr lang="en-US" smtClean="0"/>
+              <a:rPr lang="en-US"/>
               <a:t>Fourth level</a:t>
             </a:r>
           </a:p>
           <a:p>
             <a:pPr lvl="4"/>
             <a:r>
-              <a:rPr lang="en-US" smtClean="0"/>
+              <a:rPr lang="en-US"/>
               <a:t>Fifth level</a:t>
             </a:r>
-            <a:endParaRPr lang="en-US"/>
           </a:p>
         </p:txBody>
       </p:sp>
@@ -1348,7 +1353,7 @@
           <a:lstStyle/>
           <a:p>
             <a:fld id="{BE27739B-E857-3B43-B927-3CD6D8B6A632}" type="datetimeFigureOut">
-              <a:t>2013-10-16</a:t>
+              <a:t>2013-10-23</a:t>
             </a:fld>
             <a:endParaRPr lang="en-US"/>
           </a:p>
@@ -1389,6 +1394,7 @@
           <a:lstStyle/>
           <a:p>
             <a:fld id="{18226218-6A40-CC4B-B4E6-16601640C3CA}" type="slidenum">
+              <a:rPr lang="en-US"/>
               <a:t>‹#›</a:t>
             </a:fld>
             <a:endParaRPr lang="en-US"/>
@@ -1398,7 +1404,7 @@
     </p:spTree>
     <p:extLst>
       <p:ext uri="{BB962C8B-B14F-4D97-AF65-F5344CB8AC3E}">
-        <p14:creationId xmlns:p14="http://schemas.microsoft.com/office/powerpoint/2010/main" val="1034301619"/>
+        <p14:creationId xmlns:p14="http://schemas.microsoft.com/office/powerpoint/2010/main" val="1506504954"/>
       </p:ext>
     </p:extLst>
   </p:cSld>
@@ -1445,10 +1451,9 @@
           </a:lstStyle>
           <a:p>
             <a:r>
-              <a:rPr lang="en-US" smtClean="0"/>
+              <a:rPr lang="en-US"/>
               <a:t>Click to edit Master title style</a:t>
             </a:r>
-            <a:endParaRPr lang="en-US"/>
           </a:p>
         </p:txBody>
       </p:sp>
@@ -1511,7 +1516,7 @@
           <a:p>
             <a:pPr lvl="0"/>
             <a:r>
-              <a:rPr lang="en-US" smtClean="0"/>
+              <a:rPr lang="en-US"/>
               <a:t>Click to edit Master text styles</a:t>
             </a:r>
           </a:p>
@@ -1567,38 +1572,37 @@
           <a:p>
             <a:pPr lvl="0"/>
             <a:r>
-              <a:rPr lang="en-US" smtClean="0"/>
+              <a:rPr lang="en-US"/>
               <a:t>Click to edit Master text styles</a:t>
             </a:r>
           </a:p>
           <a:p>
             <a:pPr lvl="1"/>
             <a:r>
-              <a:rPr lang="en-US" smtClean="0"/>
+              <a:rPr lang="en-US"/>
               <a:t>Second level</a:t>
             </a:r>
           </a:p>
           <a:p>
             <a:pPr lvl="2"/>
             <a:r>
-              <a:rPr lang="en-US" smtClean="0"/>
+              <a:rPr lang="en-US"/>
               <a:t>Third level</a:t>
             </a:r>
           </a:p>
           <a:p>
             <a:pPr lvl="3"/>
             <a:r>
-              <a:rPr lang="en-US" smtClean="0"/>
+              <a:rPr lang="en-US"/>
               <a:t>Fourth level</a:t>
             </a:r>
           </a:p>
           <a:p>
             <a:pPr lvl="4"/>
             <a:r>
-              <a:rPr lang="en-US" smtClean="0"/>
+              <a:rPr lang="en-US"/>
               <a:t>Fifth level</a:t>
             </a:r>
-            <a:endParaRPr lang="en-US"/>
           </a:p>
         </p:txBody>
       </p:sp>
@@ -1661,7 +1665,7 @@
           <a:p>
             <a:pPr lvl="0"/>
             <a:r>
-              <a:rPr lang="en-US" smtClean="0"/>
+              <a:rPr lang="en-US"/>
               <a:t>Click to edit Master text styles</a:t>
             </a:r>
           </a:p>
@@ -1717,38 +1721,37 @@
           <a:p>
             <a:pPr lvl="0"/>
             <a:r>
-              <a:rPr lang="en-US" smtClean="0"/>
+              <a:rPr lang="en-US"/>
               <a:t>Click to edit Master text styles</a:t>
             </a:r>
           </a:p>
           <a:p>
             <a:pPr lvl="1"/>
             <a:r>
-              <a:rPr lang="en-US" smtClean="0"/>
+              <a:rPr lang="en-US"/>
               <a:t>Second level</a:t>
             </a:r>
           </a:p>
           <a:p>
             <a:pPr lvl="2"/>
             <a:r>
-              <a:rPr lang="en-US" smtClean="0"/>
+              <a:rPr lang="en-US"/>
               <a:t>Third level</a:t>
             </a:r>
           </a:p>
           <a:p>
             <a:pPr lvl="3"/>
             <a:r>
-              <a:rPr lang="en-US" smtClean="0"/>
+              <a:rPr lang="en-US"/>
               <a:t>Fourth level</a:t>
             </a:r>
           </a:p>
           <a:p>
             <a:pPr lvl="4"/>
             <a:r>
-              <a:rPr lang="en-US" smtClean="0"/>
+              <a:rPr lang="en-US"/>
               <a:t>Fifth level</a:t>
             </a:r>
-            <a:endParaRPr lang="en-US"/>
           </a:p>
         </p:txBody>
       </p:sp>
@@ -1768,7 +1771,7 @@
           <a:lstStyle/>
           <a:p>
             <a:fld id="{BE27739B-E857-3B43-B927-3CD6D8B6A632}" type="datetimeFigureOut">
-              <a:t>2013-10-16</a:t>
+              <a:t>2013-10-23</a:t>
             </a:fld>
             <a:endParaRPr lang="en-US"/>
           </a:p>
@@ -1809,6 +1812,7 @@
           <a:lstStyle/>
           <a:p>
             <a:fld id="{18226218-6A40-CC4B-B4E6-16601640C3CA}" type="slidenum">
+              <a:rPr lang="en-US"/>
               <a:t>‹#›</a:t>
             </a:fld>
             <a:endParaRPr lang="en-US"/>
@@ -1818,7 +1822,7 @@
     </p:spTree>
     <p:extLst>
       <p:ext uri="{BB962C8B-B14F-4D97-AF65-F5344CB8AC3E}">
-        <p14:creationId xmlns:p14="http://schemas.microsoft.com/office/powerpoint/2010/main" val="1417940929"/>
+        <p14:creationId xmlns:p14="http://schemas.microsoft.com/office/powerpoint/2010/main" val="3326657157"/>
       </p:ext>
     </p:extLst>
   </p:cSld>
@@ -1861,10 +1865,9 @@
           <a:lstStyle/>
           <a:p>
             <a:r>
-              <a:rPr lang="en-US" smtClean="0"/>
+              <a:rPr lang="en-US"/>
               <a:t>Click to edit Master title style</a:t>
             </a:r>
-            <a:endParaRPr lang="en-US"/>
           </a:p>
         </p:txBody>
       </p:sp>
@@ -1884,7 +1887,7 @@
           <a:lstStyle/>
           <a:p>
             <a:fld id="{BE27739B-E857-3B43-B927-3CD6D8B6A632}" type="datetimeFigureOut">
-              <a:t>2013-10-16</a:t>
+              <a:t>2013-10-23</a:t>
             </a:fld>
             <a:endParaRPr lang="en-US"/>
           </a:p>
@@ -1925,6 +1928,7 @@
           <a:lstStyle/>
           <a:p>
             <a:fld id="{18226218-6A40-CC4B-B4E6-16601640C3CA}" type="slidenum">
+              <a:rPr lang="en-US"/>
               <a:t>‹#›</a:t>
             </a:fld>
             <a:endParaRPr lang="en-US"/>
@@ -1934,7 +1938,7 @@
     </p:spTree>
     <p:extLst>
       <p:ext uri="{BB962C8B-B14F-4D97-AF65-F5344CB8AC3E}">
-        <p14:creationId xmlns:p14="http://schemas.microsoft.com/office/powerpoint/2010/main" val="656067729"/>
+        <p14:creationId xmlns:p14="http://schemas.microsoft.com/office/powerpoint/2010/main" val="3388260744"/>
       </p:ext>
     </p:extLst>
   </p:cSld>
@@ -1977,7 +1981,7 @@
           <a:lstStyle/>
           <a:p>
             <a:fld id="{BE27739B-E857-3B43-B927-3CD6D8B6A632}" type="datetimeFigureOut">
-              <a:t>2013-10-16</a:t>
+              <a:t>2013-10-23</a:t>
             </a:fld>
             <a:endParaRPr lang="en-US"/>
           </a:p>
@@ -2018,6 +2022,7 @@
           <a:lstStyle/>
           <a:p>
             <a:fld id="{18226218-6A40-CC4B-B4E6-16601640C3CA}" type="slidenum">
+              <a:rPr lang="en-US"/>
               <a:t>‹#›</a:t>
             </a:fld>
             <a:endParaRPr lang="en-US"/>
@@ -2027,7 +2032,7 @@
     </p:spTree>
     <p:extLst>
       <p:ext uri="{BB962C8B-B14F-4D97-AF65-F5344CB8AC3E}">
-        <p14:creationId xmlns:p14="http://schemas.microsoft.com/office/powerpoint/2010/main" val="1249128790"/>
+        <p14:creationId xmlns:p14="http://schemas.microsoft.com/office/powerpoint/2010/main" val="1403760041"/>
       </p:ext>
     </p:extLst>
   </p:cSld>
@@ -2079,10 +2084,9 @@
           </a:lstStyle>
           <a:p>
             <a:r>
-              <a:rPr lang="en-US" smtClean="0"/>
+              <a:rPr lang="en-US"/>
               <a:t>Click to edit Master title style</a:t>
             </a:r>
-            <a:endParaRPr lang="en-US"/>
           </a:p>
         </p:txBody>
       </p:sp>
@@ -2136,38 +2140,37 @@
           <a:p>
             <a:pPr lvl="0"/>
             <a:r>
-              <a:rPr lang="en-US" smtClean="0"/>
+              <a:rPr lang="en-US"/>
               <a:t>Click to edit Master text styles</a:t>
             </a:r>
           </a:p>
           <a:p>
             <a:pPr lvl="1"/>
             <a:r>
-              <a:rPr lang="en-US" smtClean="0"/>
+              <a:rPr lang="en-US"/>
               <a:t>Second level</a:t>
             </a:r>
           </a:p>
           <a:p>
             <a:pPr lvl="2"/>
             <a:r>
-              <a:rPr lang="en-US" smtClean="0"/>
+              <a:rPr lang="en-US"/>
               <a:t>Third level</a:t>
             </a:r>
           </a:p>
           <a:p>
             <a:pPr lvl="3"/>
             <a:r>
-              <a:rPr lang="en-US" smtClean="0"/>
+              <a:rPr lang="en-US"/>
               <a:t>Fourth level</a:t>
             </a:r>
           </a:p>
           <a:p>
             <a:pPr lvl="4"/>
             <a:r>
-              <a:rPr lang="en-US" smtClean="0"/>
+              <a:rPr lang="en-US"/>
               <a:t>Fifth level</a:t>
             </a:r>
-            <a:endParaRPr lang="en-US"/>
           </a:p>
         </p:txBody>
       </p:sp>
@@ -2230,7 +2233,7 @@
           <a:p>
             <a:pPr lvl="0"/>
             <a:r>
-              <a:rPr lang="en-US" smtClean="0"/>
+              <a:rPr lang="en-US"/>
               <a:t>Click to edit Master text styles</a:t>
             </a:r>
           </a:p>
@@ -2252,7 +2255,7 @@
           <a:lstStyle/>
           <a:p>
             <a:fld id="{BE27739B-E857-3B43-B927-3CD6D8B6A632}" type="datetimeFigureOut">
-              <a:t>2013-10-16</a:t>
+              <a:t>2013-10-23</a:t>
             </a:fld>
             <a:endParaRPr lang="en-US"/>
           </a:p>
@@ -2293,6 +2296,7 @@
           <a:lstStyle/>
           <a:p>
             <a:fld id="{18226218-6A40-CC4B-B4E6-16601640C3CA}" type="slidenum">
+              <a:rPr lang="en-US"/>
               <a:t>‹#›</a:t>
             </a:fld>
             <a:endParaRPr lang="en-US"/>
@@ -2302,7 +2306,7 @@
     </p:spTree>
     <p:extLst>
       <p:ext uri="{BB962C8B-B14F-4D97-AF65-F5344CB8AC3E}">
-        <p14:creationId xmlns:p14="http://schemas.microsoft.com/office/powerpoint/2010/main" val="2730116199"/>
+        <p14:creationId xmlns:p14="http://schemas.microsoft.com/office/powerpoint/2010/main" val="4102057145"/>
       </p:ext>
     </p:extLst>
   </p:cSld>
@@ -2354,10 +2358,9 @@
           </a:lstStyle>
           <a:p>
             <a:r>
-              <a:rPr lang="en-US" smtClean="0"/>
+              <a:rPr lang="en-US"/>
               <a:t>Click to edit Master title style</a:t>
             </a:r>
-            <a:endParaRPr lang="en-US"/>
           </a:p>
         </p:txBody>
       </p:sp>
@@ -2418,10 +2421,7 @@
             </a:lvl9pPr>
           </a:lstStyle>
           <a:p>
-            <a:r>
-              <a:rPr lang="en-US"/>
-              <a:t>Drag picture to placeholder or click icon to add</a:t>
-            </a:r>
+            <a:endParaRPr lang="en-US"/>
           </a:p>
         </p:txBody>
       </p:sp>
@@ -2484,7 +2484,7 @@
           <a:p>
             <a:pPr lvl="0"/>
             <a:r>
-              <a:rPr lang="en-US" smtClean="0"/>
+              <a:rPr lang="en-US"/>
               <a:t>Click to edit Master text styles</a:t>
             </a:r>
           </a:p>
@@ -2506,7 +2506,7 @@
           <a:lstStyle/>
           <a:p>
             <a:fld id="{BE27739B-E857-3B43-B927-3CD6D8B6A632}" type="datetimeFigureOut">
-              <a:t>2013-10-16</a:t>
+              <a:t>2013-10-23</a:t>
             </a:fld>
             <a:endParaRPr lang="en-US"/>
           </a:p>
@@ -2547,6 +2547,7 @@
           <a:lstStyle/>
           <a:p>
             <a:fld id="{18226218-6A40-CC4B-B4E6-16601640C3CA}" type="slidenum">
+              <a:rPr lang="en-US"/>
               <a:t>‹#›</a:t>
             </a:fld>
             <a:endParaRPr lang="en-US"/>
@@ -2556,7 +2557,7 @@
     </p:spTree>
     <p:extLst>
       <p:ext uri="{BB962C8B-B14F-4D97-AF65-F5344CB8AC3E}">
-        <p14:creationId xmlns:p14="http://schemas.microsoft.com/office/powerpoint/2010/main" val="506574558"/>
+        <p14:creationId xmlns:p14="http://schemas.microsoft.com/office/powerpoint/2010/main" val="1612230986"/>
       </p:ext>
     </p:extLst>
   </p:cSld>
@@ -2614,10 +2615,9 @@
           <a:lstStyle/>
           <a:p>
             <a:r>
-              <a:rPr lang="en-US" smtClean="0"/>
+              <a:rPr lang="en-US"/>
               <a:t>Click to edit Master title style</a:t>
             </a:r>
-            <a:endParaRPr lang="en-US"/>
           </a:p>
         </p:txBody>
       </p:sp>
@@ -2648,38 +2648,37 @@
           <a:p>
             <a:pPr lvl="0"/>
             <a:r>
-              <a:rPr lang="en-US" smtClean="0"/>
+              <a:rPr lang="en-US"/>
               <a:t>Click to edit Master text styles</a:t>
             </a:r>
           </a:p>
           <a:p>
             <a:pPr lvl="1"/>
             <a:r>
-              <a:rPr lang="en-US" smtClean="0"/>
+              <a:rPr lang="en-US"/>
               <a:t>Second level</a:t>
             </a:r>
           </a:p>
           <a:p>
             <a:pPr lvl="2"/>
             <a:r>
-              <a:rPr lang="en-US" smtClean="0"/>
+              <a:rPr lang="en-US"/>
               <a:t>Third level</a:t>
             </a:r>
           </a:p>
           <a:p>
             <a:pPr lvl="3"/>
             <a:r>
-              <a:rPr lang="en-US" smtClean="0"/>
+              <a:rPr lang="en-US"/>
               <a:t>Fourth level</a:t>
             </a:r>
           </a:p>
           <a:p>
             <a:pPr lvl="4"/>
             <a:r>
-              <a:rPr lang="en-US" smtClean="0"/>
+              <a:rPr lang="en-US"/>
               <a:t>Fifth level</a:t>
             </a:r>
-            <a:endParaRPr lang="en-US"/>
           </a:p>
         </p:txBody>
       </p:sp>
@@ -2717,7 +2716,7 @@
           </a:lstStyle>
           <a:p>
             <a:fld id="{BE27739B-E857-3B43-B927-3CD6D8B6A632}" type="datetimeFigureOut">
-              <a:t>2013-10-16</a:t>
+              <a:t>2013-10-23</a:t>
             </a:fld>
             <a:endParaRPr lang="en-US"/>
           </a:p>
@@ -2794,6 +2793,7 @@
           </a:lstStyle>
           <a:p>
             <a:fld id="{18226218-6A40-CC4B-B4E6-16601640C3CA}" type="slidenum">
+              <a:rPr lang="en-US"/>
               <a:t>‹#›</a:t>
             </a:fld>
             <a:endParaRPr lang="en-US"/>
@@ -2803,27 +2803,27 @@
     </p:spTree>
     <p:extLst>
       <p:ext uri="{BB962C8B-B14F-4D97-AF65-F5344CB8AC3E}">
-        <p14:creationId xmlns:p14="http://schemas.microsoft.com/office/powerpoint/2010/main" val="2557711237"/>
+        <p14:creationId xmlns:p14="http://schemas.microsoft.com/office/powerpoint/2010/main" val="1180281627"/>
       </p:ext>
     </p:extLst>
   </p:cSld>
-  <p:clrMap bg1="dk1" tx1="lt1" bg2="dk2" tx2="lt2" accent1="accent1" accent2="accent2" accent3="accent3" accent4="accent4" accent5="accent5" accent6="accent6" hlink="hlink" folHlink="folHlink"/>
+  <p:clrMap bg1="lt1" tx1="dk1" bg2="lt2" tx2="dk2" accent1="accent1" accent2="accent2" accent3="accent3" accent4="accent4" accent5="accent5" accent6="accent6" hlink="hlink" folHlink="folHlink"/>
   <p:sldLayoutIdLst>
-    <p:sldLayoutId id="2147483661" r:id="rId1"/>
-    <p:sldLayoutId id="2147483662" r:id="rId2"/>
-    <p:sldLayoutId id="2147483663" r:id="rId3"/>
-    <p:sldLayoutId id="2147483664" r:id="rId4"/>
-    <p:sldLayoutId id="2147483665" r:id="rId5"/>
-    <p:sldLayoutId id="2147483666" r:id="rId6"/>
-    <p:sldLayoutId id="2147483667" r:id="rId7"/>
-    <p:sldLayoutId id="2147483668" r:id="rId8"/>
-    <p:sldLayoutId id="2147483669" r:id="rId9"/>
-    <p:sldLayoutId id="2147483670" r:id="rId10"/>
-    <p:sldLayoutId id="2147483671" r:id="rId11"/>
+    <p:sldLayoutId id="2147483697" r:id="rId1"/>
+    <p:sldLayoutId id="2147483698" r:id="rId2"/>
+    <p:sldLayoutId id="2147483699" r:id="rId3"/>
+    <p:sldLayoutId id="2147483700" r:id="rId4"/>
+    <p:sldLayoutId id="2147483701" r:id="rId5"/>
+    <p:sldLayoutId id="2147483702" r:id="rId6"/>
+    <p:sldLayoutId id="2147483703" r:id="rId7"/>
+    <p:sldLayoutId id="2147483704" r:id="rId8"/>
+    <p:sldLayoutId id="2147483705" r:id="rId9"/>
+    <p:sldLayoutId id="2147483706" r:id="rId10"/>
+    <p:sldLayoutId id="2147483707" r:id="rId11"/>
   </p:sldLayoutIdLst>
   <p:txStyles>
     <p:titleStyle>
-      <a:lvl1pPr algn="ctr" defTabSz="914400" rtl="0" eaLnBrk="1" latinLnBrk="0" hangingPunct="1">
+      <a:lvl1pPr algn="ctr" defTabSz="457200" rtl="0" eaLnBrk="1" latinLnBrk="0" hangingPunct="1">
         <a:spcBef>
           <a:spcPct val="0"/>
         </a:spcBef>
@@ -2839,11 +2839,11 @@
       </a:lvl1pPr>
     </p:titleStyle>
     <p:bodyStyle>
-      <a:lvl1pPr marL="342900" indent="-342900" algn="l" defTabSz="914400" rtl="0" eaLnBrk="1" latinLnBrk="0" hangingPunct="1">
+      <a:lvl1pPr marL="342900" indent="-342900" algn="l" defTabSz="457200" rtl="0" eaLnBrk="1" latinLnBrk="0" hangingPunct="1">
         <a:spcBef>
           <a:spcPct val="20000"/>
         </a:spcBef>
-        <a:buFont typeface="Arial" pitchFamily="34" charset="0"/>
+        <a:buFont typeface="Arial"/>
         <a:buChar char="•"/>
         <a:defRPr sz="3200" kern="1200">
           <a:solidFill>
@@ -2854,11 +2854,11 @@
           <a:cs typeface="+mn-cs"/>
         </a:defRPr>
       </a:lvl1pPr>
-      <a:lvl2pPr marL="742950" indent="-285750" algn="l" defTabSz="914400" rtl="0" eaLnBrk="1" latinLnBrk="0" hangingPunct="1">
+      <a:lvl2pPr marL="742950" indent="-285750" algn="l" defTabSz="457200" rtl="0" eaLnBrk="1" latinLnBrk="0" hangingPunct="1">
         <a:spcBef>
           <a:spcPct val="20000"/>
         </a:spcBef>
-        <a:buFont typeface="Arial" pitchFamily="34" charset="0"/>
+        <a:buFont typeface="Arial"/>
         <a:buChar char="–"/>
         <a:defRPr sz="2800" kern="1200">
           <a:solidFill>
@@ -2869,11 +2869,11 @@
           <a:cs typeface="+mn-cs"/>
         </a:defRPr>
       </a:lvl2pPr>
-      <a:lvl3pPr marL="1143000" indent="-228600" algn="l" defTabSz="914400" rtl="0" eaLnBrk="1" latinLnBrk="0" hangingPunct="1">
+      <a:lvl3pPr marL="1143000" indent="-228600" algn="l" defTabSz="457200" rtl="0" eaLnBrk="1" latinLnBrk="0" hangingPunct="1">
         <a:spcBef>
           <a:spcPct val="20000"/>
         </a:spcBef>
-        <a:buFont typeface="Arial" pitchFamily="34" charset="0"/>
+        <a:buFont typeface="Arial"/>
         <a:buChar char="•"/>
         <a:defRPr sz="2400" kern="1200">
           <a:solidFill>
@@ -2884,11 +2884,11 @@
           <a:cs typeface="+mn-cs"/>
         </a:defRPr>
       </a:lvl3pPr>
-      <a:lvl4pPr marL="1600200" indent="-228600" algn="l" defTabSz="914400" rtl="0" eaLnBrk="1" latinLnBrk="0" hangingPunct="1">
+      <a:lvl4pPr marL="1600200" indent="-228600" algn="l" defTabSz="457200" rtl="0" eaLnBrk="1" latinLnBrk="0" hangingPunct="1">
         <a:spcBef>
           <a:spcPct val="20000"/>
         </a:spcBef>
-        <a:buFont typeface="Arial" pitchFamily="34" charset="0"/>
+        <a:buFont typeface="Arial"/>
         <a:buChar char="–"/>
         <a:defRPr sz="2000" kern="1200">
           <a:solidFill>
@@ -2899,11 +2899,11 @@
           <a:cs typeface="+mn-cs"/>
         </a:defRPr>
       </a:lvl4pPr>
-      <a:lvl5pPr marL="2057400" indent="-228600" algn="l" defTabSz="914400" rtl="0" eaLnBrk="1" latinLnBrk="0" hangingPunct="1">
+      <a:lvl5pPr marL="2057400" indent="-228600" algn="l" defTabSz="457200" rtl="0" eaLnBrk="1" latinLnBrk="0" hangingPunct="1">
         <a:spcBef>
           <a:spcPct val="20000"/>
         </a:spcBef>
-        <a:buFont typeface="Arial" pitchFamily="34" charset="0"/>
+        <a:buFont typeface="Arial"/>
         <a:buChar char="»"/>
         <a:defRPr sz="2000" kern="1200">
           <a:solidFill>
@@ -2914,11 +2914,11 @@
           <a:cs typeface="+mn-cs"/>
         </a:defRPr>
       </a:lvl5pPr>
-      <a:lvl6pPr marL="2514600" indent="-228600" algn="l" defTabSz="914400" rtl="0" eaLnBrk="1" latinLnBrk="0" hangingPunct="1">
+      <a:lvl6pPr marL="2514600" indent="-228600" algn="l" defTabSz="457200" rtl="0" eaLnBrk="1" latinLnBrk="0" hangingPunct="1">
         <a:spcBef>
           <a:spcPct val="20000"/>
         </a:spcBef>
-        <a:buFont typeface="Arial" pitchFamily="34" charset="0"/>
+        <a:buFont typeface="Arial"/>
         <a:buChar char="•"/>
         <a:defRPr sz="2000" kern="1200">
           <a:solidFill>
@@ -2929,11 +2929,11 @@
           <a:cs typeface="+mn-cs"/>
         </a:defRPr>
       </a:lvl6pPr>
-      <a:lvl7pPr marL="2971800" indent="-228600" algn="l" defTabSz="914400" rtl="0" eaLnBrk="1" latinLnBrk="0" hangingPunct="1">
+      <a:lvl7pPr marL="2971800" indent="-228600" algn="l" defTabSz="457200" rtl="0" eaLnBrk="1" latinLnBrk="0" hangingPunct="1">
         <a:spcBef>
           <a:spcPct val="20000"/>
         </a:spcBef>
-        <a:buFont typeface="Arial" pitchFamily="34" charset="0"/>
+        <a:buFont typeface="Arial"/>
         <a:buChar char="•"/>
         <a:defRPr sz="2000" kern="1200">
           <a:solidFill>
@@ -2944,11 +2944,11 @@
           <a:cs typeface="+mn-cs"/>
         </a:defRPr>
       </a:lvl7pPr>
-      <a:lvl8pPr marL="3429000" indent="-228600" algn="l" defTabSz="914400" rtl="0" eaLnBrk="1" latinLnBrk="0" hangingPunct="1">
+      <a:lvl8pPr marL="3429000" indent="-228600" algn="l" defTabSz="457200" rtl="0" eaLnBrk="1" latinLnBrk="0" hangingPunct="1">
         <a:spcBef>
           <a:spcPct val="20000"/>
         </a:spcBef>
-        <a:buFont typeface="Arial" pitchFamily="34" charset="0"/>
+        <a:buFont typeface="Arial"/>
         <a:buChar char="•"/>
         <a:defRPr sz="2000" kern="1200">
           <a:solidFill>
@@ -2959,11 +2959,11 @@
           <a:cs typeface="+mn-cs"/>
         </a:defRPr>
       </a:lvl8pPr>
-      <a:lvl9pPr marL="3886200" indent="-228600" algn="l" defTabSz="914400" rtl="0" eaLnBrk="1" latinLnBrk="0" hangingPunct="1">
+      <a:lvl9pPr marL="3886200" indent="-228600" algn="l" defTabSz="457200" rtl="0" eaLnBrk="1" latinLnBrk="0" hangingPunct="1">
         <a:spcBef>
           <a:spcPct val="20000"/>
         </a:spcBef>
-        <a:buFont typeface="Arial" pitchFamily="34" charset="0"/>
+        <a:buFont typeface="Arial"/>
         <a:buChar char="•"/>
         <a:defRPr sz="2000" kern="1200">
           <a:solidFill>
@@ -2979,7 +2979,7 @@
       <a:defPPr>
         <a:defRPr lang="en-US"/>
       </a:defPPr>
-      <a:lvl1pPr marL="0" algn="l" defTabSz="914400" rtl="0" eaLnBrk="1" latinLnBrk="0" hangingPunct="1">
+      <a:lvl1pPr marL="0" algn="l" defTabSz="457200" rtl="0" eaLnBrk="1" latinLnBrk="0" hangingPunct="1">
         <a:defRPr sz="1800" kern="1200">
           <a:solidFill>
             <a:schemeClr val="tx1"/>
@@ -2989,7 +2989,7 @@
           <a:cs typeface="+mn-cs"/>
         </a:defRPr>
       </a:lvl1pPr>
-      <a:lvl2pPr marL="457200" algn="l" defTabSz="914400" rtl="0" eaLnBrk="1" latinLnBrk="0" hangingPunct="1">
+      <a:lvl2pPr marL="457200" algn="l" defTabSz="457200" rtl="0" eaLnBrk="1" latinLnBrk="0" hangingPunct="1">
         <a:defRPr sz="1800" kern="1200">
           <a:solidFill>
             <a:schemeClr val="tx1"/>
@@ -2999,7 +2999,7 @@
           <a:cs typeface="+mn-cs"/>
         </a:defRPr>
       </a:lvl2pPr>
-      <a:lvl3pPr marL="914400" algn="l" defTabSz="914400" rtl="0" eaLnBrk="1" latinLnBrk="0" hangingPunct="1">
+      <a:lvl3pPr marL="914400" algn="l" defTabSz="457200" rtl="0" eaLnBrk="1" latinLnBrk="0" hangingPunct="1">
         <a:defRPr sz="1800" kern="1200">
           <a:solidFill>
             <a:schemeClr val="tx1"/>
@@ -3009,7 +3009,7 @@
           <a:cs typeface="+mn-cs"/>
         </a:defRPr>
       </a:lvl3pPr>
-      <a:lvl4pPr marL="1371600" algn="l" defTabSz="914400" rtl="0" eaLnBrk="1" latinLnBrk="0" hangingPunct="1">
+      <a:lvl4pPr marL="1371600" algn="l" defTabSz="457200" rtl="0" eaLnBrk="1" latinLnBrk="0" hangingPunct="1">
         <a:defRPr sz="1800" kern="1200">
           <a:solidFill>
             <a:schemeClr val="tx1"/>
@@ -3019,7 +3019,7 @@
           <a:cs typeface="+mn-cs"/>
         </a:defRPr>
       </a:lvl4pPr>
-      <a:lvl5pPr marL="1828800" algn="l" defTabSz="914400" rtl="0" eaLnBrk="1" latinLnBrk="0" hangingPunct="1">
+      <a:lvl5pPr marL="1828800" algn="l" defTabSz="457200" rtl="0" eaLnBrk="1" latinLnBrk="0" hangingPunct="1">
         <a:defRPr sz="1800" kern="1200">
           <a:solidFill>
             <a:schemeClr val="tx1"/>
@@ -3029,7 +3029,7 @@
           <a:cs typeface="+mn-cs"/>
         </a:defRPr>
       </a:lvl5pPr>
-      <a:lvl6pPr marL="2286000" algn="l" defTabSz="914400" rtl="0" eaLnBrk="1" latinLnBrk="0" hangingPunct="1">
+      <a:lvl6pPr marL="2286000" algn="l" defTabSz="457200" rtl="0" eaLnBrk="1" latinLnBrk="0" hangingPunct="1">
         <a:defRPr sz="1800" kern="1200">
           <a:solidFill>
             <a:schemeClr val="tx1"/>
@@ -3039,7 +3039,7 @@
           <a:cs typeface="+mn-cs"/>
         </a:defRPr>
       </a:lvl6pPr>
-      <a:lvl7pPr marL="2743200" algn="l" defTabSz="914400" rtl="0" eaLnBrk="1" latinLnBrk="0" hangingPunct="1">
+      <a:lvl7pPr marL="2743200" algn="l" defTabSz="457200" rtl="0" eaLnBrk="1" latinLnBrk="0" hangingPunct="1">
         <a:defRPr sz="1800" kern="1200">
           <a:solidFill>
             <a:schemeClr val="tx1"/>
@@ -3049,7 +3049,7 @@
           <a:cs typeface="+mn-cs"/>
         </a:defRPr>
       </a:lvl7pPr>
-      <a:lvl8pPr marL="3200400" algn="l" defTabSz="914400" rtl="0" eaLnBrk="1" latinLnBrk="0" hangingPunct="1">
+      <a:lvl8pPr marL="3200400" algn="l" defTabSz="457200" rtl="0" eaLnBrk="1" latinLnBrk="0" hangingPunct="1">
         <a:defRPr sz="1800" kern="1200">
           <a:solidFill>
             <a:schemeClr val="tx1"/>
@@ -3059,7 +3059,7 @@
           <a:cs typeface="+mn-cs"/>
         </a:defRPr>
       </a:lvl8pPr>
-      <a:lvl9pPr marL="3657600" algn="l" defTabSz="914400" rtl="0" eaLnBrk="1" latinLnBrk="0" hangingPunct="1">
+      <a:lvl9pPr marL="3657600" algn="l" defTabSz="457200" rtl="0" eaLnBrk="1" latinLnBrk="0" hangingPunct="1">
         <a:defRPr sz="1800" kern="1200">
           <a:solidFill>
             <a:schemeClr val="tx1"/>
@@ -3133,19 +3133,44 @@
         <p:spPr/>
         <p:txBody>
           <a:bodyPr>
-            <a:normAutofit/>
+            <a:normAutofit fontScale="85000" lnSpcReduction="20000"/>
           </a:bodyPr>
           <a:lstStyle/>
           <a:p>
             <a:r>
-              <a:rPr lang="en-US"/>
+              <a:rPr lang="en-US">
+                <a:solidFill>
+                  <a:srgbClr val="000000"/>
+                </a:solidFill>
+              </a:rPr>
               <a:t>Scott Chamberlain </a:t>
             </a:r>
           </a:p>
           <a:p>
             <a:r>
-              <a:rPr lang="en-US"/>
+              <a:rPr lang="en-US">
+                <a:solidFill>
+                  <a:srgbClr val="000000"/>
+                </a:solidFill>
+              </a:rPr>
               <a:t>Simon Fraser University</a:t>
+            </a:r>
+          </a:p>
+          <a:p>
+            <a:endParaRPr lang="en-US">
+              <a:solidFill>
+                <a:srgbClr val="000000"/>
+              </a:solidFill>
+            </a:endParaRPr>
+          </a:p>
+          <a:p>
+            <a:r>
+              <a:rPr lang="en-US">
+                <a:solidFill>
+                  <a:srgbClr val="000000"/>
+                </a:solidFill>
+              </a:rPr>
+              <a:t>http://bit.ly/scott_canpolin</a:t>
             </a:r>
           </a:p>
         </p:txBody>
@@ -3187,93 +3212,631 @@
           <a:chExt cx="0" cy="0"/>
         </a:xfrm>
       </p:grpSpPr>
-      <p:sp>
-        <p:nvSpPr>
-          <p:cNvPr id="2" name="Title 1"/>
-          <p:cNvSpPr>
-            <a:spLocks noGrp="1"/>
-          </p:cNvSpPr>
-          <p:nvPr>
-            <p:ph type="title"/>
-          </p:nvPr>
-        </p:nvSpPr>
-        <p:spPr/>
-        <p:txBody>
-          <a:bodyPr/>
-          <a:lstStyle/>
-          <a:p>
-            <a:r>
-              <a:rPr lang="en-US"/>
-              <a:t>Traits - Pollinators</a:t>
-            </a:r>
-          </a:p>
-        </p:txBody>
-      </p:sp>
-      <p:sp>
-        <p:nvSpPr>
-          <p:cNvPr id="5" name="Content Placeholder 4"/>
-          <p:cNvSpPr>
-            <a:spLocks noGrp="1"/>
-          </p:cNvSpPr>
-          <p:nvPr>
-            <p:ph idx="1"/>
-          </p:nvPr>
-        </p:nvSpPr>
-        <p:spPr/>
-        <p:txBody>
-          <a:bodyPr>
-            <a:normAutofit fontScale="92500" lnSpcReduction="20000"/>
+      <p:pic>
+        <p:nvPicPr>
+          <p:cNvPr id="4" name="Picture 3"/>
+          <p:cNvPicPr>
+            <a:picLocks noChangeAspect="1"/>
+          </p:cNvPicPr>
+          <p:nvPr/>
+        </p:nvPicPr>
+        <p:blipFill>
+          <a:blip r:embed="rId2"/>
+          <a:stretch>
+            <a:fillRect/>
+          </a:stretch>
+        </p:blipFill>
+        <p:spPr>
+          <a:xfrm>
+            <a:off x="4381004" y="2955051"/>
+            <a:ext cx="944287" cy="641820"/>
+          </a:xfrm>
+          <a:prstGeom prst="rect">
+            <a:avLst/>
+          </a:prstGeom>
+        </p:spPr>
+      </p:pic>
+      <p:pic>
+        <p:nvPicPr>
+          <p:cNvPr id="6" name="Picture 5"/>
+          <p:cNvPicPr>
+            <a:picLocks noChangeAspect="1"/>
+          </p:cNvPicPr>
+          <p:nvPr/>
+        </p:nvPicPr>
+        <p:blipFill>
+          <a:blip r:embed="rId2"/>
+          <a:stretch>
+            <a:fillRect/>
+          </a:stretch>
+        </p:blipFill>
+        <p:spPr>
+          <a:xfrm>
+            <a:off x="2994365" y="2835329"/>
+            <a:ext cx="1296572" cy="881264"/>
+          </a:xfrm>
+          <a:prstGeom prst="rect">
+            <a:avLst/>
+          </a:prstGeom>
+        </p:spPr>
+      </p:pic>
+      <p:pic>
+        <p:nvPicPr>
+          <p:cNvPr id="7" name="Picture 6"/>
+          <p:cNvPicPr>
+            <a:picLocks noChangeAspect="1"/>
+          </p:cNvPicPr>
+          <p:nvPr/>
+        </p:nvPicPr>
+        <p:blipFill>
+          <a:blip r:embed="rId2"/>
+          <a:stretch>
+            <a:fillRect/>
+          </a:stretch>
+        </p:blipFill>
+        <p:spPr>
+          <a:xfrm>
+            <a:off x="2309439" y="3082334"/>
+            <a:ext cx="569753" cy="387254"/>
+          </a:xfrm>
+          <a:prstGeom prst="rect">
+            <a:avLst/>
+          </a:prstGeom>
+        </p:spPr>
+      </p:pic>
+      <p:pic>
+        <p:nvPicPr>
+          <p:cNvPr id="8" name="Picture 7"/>
+          <p:cNvPicPr>
+            <a:picLocks noChangeAspect="1"/>
+          </p:cNvPicPr>
+          <p:nvPr/>
+        </p:nvPicPr>
+        <p:blipFill>
+          <a:blip r:embed="rId2"/>
+          <a:stretch>
+            <a:fillRect/>
+          </a:stretch>
+        </p:blipFill>
+        <p:spPr>
+          <a:xfrm>
+            <a:off x="5664356" y="3032368"/>
+            <a:ext cx="1000483" cy="487186"/>
+          </a:xfrm>
+          <a:prstGeom prst="rect">
+            <a:avLst/>
+          </a:prstGeom>
+        </p:spPr>
+      </p:pic>
+      <p:cxnSp>
+        <p:nvCxnSpPr>
+          <p:cNvPr id="10" name="Straight Connector 9"/>
+          <p:cNvCxnSpPr/>
+          <p:nvPr/>
+        </p:nvCxnSpPr>
+        <p:spPr>
+          <a:xfrm rot="16200000">
+            <a:off x="4245723" y="3339425"/>
+            <a:ext cx="5695953" cy="0"/>
+          </a:xfrm>
+          <a:prstGeom prst="line">
+            <a:avLst/>
+          </a:prstGeom>
+          <a:ln w="57150" cmpd="sng">
+            <a:solidFill>
+              <a:srgbClr val="000000"/>
+            </a:solidFill>
+            <a:headEnd type="none"/>
+            <a:tailEnd type="triangle"/>
+          </a:ln>
+        </p:spPr>
+        <p:style>
+          <a:lnRef idx="2">
+            <a:schemeClr val="accent1"/>
+          </a:lnRef>
+          <a:fillRef idx="0">
+            <a:schemeClr val="accent1"/>
+          </a:fillRef>
+          <a:effectRef idx="1">
+            <a:schemeClr val="accent1"/>
+          </a:effectRef>
+          <a:fontRef idx="minor">
+            <a:schemeClr val="tx1"/>
+          </a:fontRef>
+        </p:style>
+      </p:cxnSp>
+      <p:sp>
+        <p:nvSpPr>
+          <p:cNvPr id="11" name="TextBox 10"/>
+          <p:cNvSpPr txBox="1"/>
+          <p:nvPr/>
+        </p:nvSpPr>
+        <p:spPr>
+          <a:xfrm>
+            <a:off x="7294941" y="3802604"/>
+            <a:ext cx="710451" cy="369332"/>
+          </a:xfrm>
+          <a:prstGeom prst="rect">
+            <a:avLst/>
+          </a:prstGeom>
+          <a:noFill/>
+        </p:spPr>
+        <p:txBody>
+          <a:bodyPr wrap="none" rtlCol="0">
+            <a:spAutoFit/>
           </a:bodyPr>
           <a:lstStyle/>
           <a:p>
             <a:r>
-              <a:rPr lang="en-US"/>
-              <a:t>Nest location: above/below ground - NS</a:t>
-            </a:r>
-          </a:p>
-          <a:p>
-            <a:r>
-              <a:rPr lang="en-US"/>
-              <a:t>Nest type: excavator/renter - NS</a:t>
-            </a:r>
-          </a:p>
-          <a:p>
-            <a:r>
-              <a:rPr lang="en-US"/>
-              <a:t>Parasitic: yes/no - NS</a:t>
-            </a:r>
-          </a:p>
-          <a:p>
-            <a:r>
-              <a:rPr lang="en-US"/>
-              <a:t>Social: solitary/social – </a:t>
-            </a:r>
-          </a:p>
-          <a:p>
-            <a:pPr lvl="1"/>
-            <a:r>
-              <a:rPr lang="en-US"/>
-              <a:t>Within module degree: social (module hubs), solitary (peripherals)</a:t>
-            </a:r>
-          </a:p>
-          <a:p>
-            <a:pPr lvl="1"/>
-            <a:r>
-              <a:rPr lang="en-US"/>
-              <a:t>Among module connectivity: social (connectors), solitary (peripherals)</a:t>
-            </a:r>
-          </a:p>
-          <a:p>
-            <a:pPr lvl="1"/>
-            <a:r>
-              <a:rPr lang="en-US"/>
-              <a:t>Degree: social (higher), solitary (lower)</a:t>
-            </a:r>
-          </a:p>
-          <a:p>
-            <a:r>
-              <a:rPr lang="en-US"/>
-              <a:t>Body size – larger spp. w/ larger degree</a:t>
+              <a:rPr lang="en-US">
+                <a:solidFill>
+                  <a:srgbClr val="000000"/>
+                </a:solidFill>
+              </a:rPr>
+              <a:t>Traits</a:t>
+            </a:r>
+          </a:p>
+        </p:txBody>
+      </p:sp>
+      <p:cxnSp>
+        <p:nvCxnSpPr>
+          <p:cNvPr id="14" name="Straight Connector 13"/>
+          <p:cNvCxnSpPr/>
+          <p:nvPr/>
+        </p:nvCxnSpPr>
+        <p:spPr>
+          <a:xfrm>
+            <a:off x="2309439" y="1601190"/>
+            <a:ext cx="5695953" cy="0"/>
+          </a:xfrm>
+          <a:prstGeom prst="line">
+            <a:avLst/>
+          </a:prstGeom>
+          <a:ln w="57150" cmpd="sng">
+            <a:solidFill>
+              <a:srgbClr val="000000"/>
+            </a:solidFill>
+            <a:headEnd type="none"/>
+            <a:tailEnd type="triangle"/>
+          </a:ln>
+        </p:spPr>
+        <p:style>
+          <a:lnRef idx="2">
+            <a:schemeClr val="accent1"/>
+          </a:lnRef>
+          <a:fillRef idx="0">
+            <a:schemeClr val="accent1"/>
+          </a:fillRef>
+          <a:effectRef idx="1">
+            <a:schemeClr val="accent1"/>
+          </a:effectRef>
+          <a:fontRef idx="minor">
+            <a:schemeClr val="tx1"/>
+          </a:fontRef>
+        </p:style>
+      </p:cxnSp>
+      <p:sp>
+        <p:nvSpPr>
+          <p:cNvPr id="15" name="TextBox 14"/>
+          <p:cNvSpPr txBox="1"/>
+          <p:nvPr/>
+        </p:nvSpPr>
+        <p:spPr>
+          <a:xfrm>
+            <a:off x="4159832" y="971104"/>
+            <a:ext cx="1172116" cy="369332"/>
+          </a:xfrm>
+          <a:prstGeom prst="rect">
+            <a:avLst/>
+          </a:prstGeom>
+          <a:noFill/>
+        </p:spPr>
+        <p:txBody>
+          <a:bodyPr wrap="none" rtlCol="0">
+            <a:spAutoFit/>
+          </a:bodyPr>
+          <a:lstStyle/>
+          <a:p>
+            <a:r>
+              <a:rPr lang="en-US">
+                <a:solidFill>
+                  <a:srgbClr val="000000"/>
+                </a:solidFill>
+              </a:rPr>
+              <a:t>Phenology</a:t>
+            </a:r>
+          </a:p>
+        </p:txBody>
+      </p:sp>
+      <p:cxnSp>
+        <p:nvCxnSpPr>
+          <p:cNvPr id="16" name="Straight Connector 15"/>
+          <p:cNvCxnSpPr/>
+          <p:nvPr/>
+        </p:nvCxnSpPr>
+        <p:spPr>
+          <a:xfrm>
+            <a:off x="2612943" y="3716593"/>
+            <a:ext cx="0" cy="832851"/>
+          </a:xfrm>
+          <a:prstGeom prst="line">
+            <a:avLst/>
+          </a:prstGeom>
+          <a:ln>
+            <a:solidFill>
+              <a:srgbClr val="000000"/>
+            </a:solidFill>
+          </a:ln>
+        </p:spPr>
+        <p:style>
+          <a:lnRef idx="2">
+            <a:schemeClr val="accent1"/>
+          </a:lnRef>
+          <a:fillRef idx="0">
+            <a:schemeClr val="accent1"/>
+          </a:fillRef>
+          <a:effectRef idx="1">
+            <a:schemeClr val="accent1"/>
+          </a:effectRef>
+          <a:fontRef idx="minor">
+            <a:schemeClr val="tx1"/>
+          </a:fontRef>
+        </p:style>
+      </p:cxnSp>
+      <p:cxnSp>
+        <p:nvCxnSpPr>
+          <p:cNvPr id="17" name="Straight Connector 16"/>
+          <p:cNvCxnSpPr/>
+          <p:nvPr/>
+        </p:nvCxnSpPr>
+        <p:spPr>
+          <a:xfrm>
+            <a:off x="3642651" y="3716593"/>
+            <a:ext cx="0" cy="832851"/>
+          </a:xfrm>
+          <a:prstGeom prst="line">
+            <a:avLst/>
+          </a:prstGeom>
+          <a:ln>
+            <a:solidFill>
+              <a:srgbClr val="000000"/>
+            </a:solidFill>
+          </a:ln>
+        </p:spPr>
+        <p:style>
+          <a:lnRef idx="2">
+            <a:schemeClr val="accent1"/>
+          </a:lnRef>
+          <a:fillRef idx="0">
+            <a:schemeClr val="accent1"/>
+          </a:fillRef>
+          <a:effectRef idx="1">
+            <a:schemeClr val="accent1"/>
+          </a:effectRef>
+          <a:fontRef idx="minor">
+            <a:schemeClr val="tx1"/>
+          </a:fontRef>
+        </p:style>
+      </p:cxnSp>
+      <p:cxnSp>
+        <p:nvCxnSpPr>
+          <p:cNvPr id="18" name="Straight Connector 17"/>
+          <p:cNvCxnSpPr/>
+          <p:nvPr/>
+        </p:nvCxnSpPr>
+        <p:spPr>
+          <a:xfrm>
+            <a:off x="4290937" y="5028332"/>
+            <a:ext cx="0" cy="791208"/>
+          </a:xfrm>
+          <a:prstGeom prst="line">
+            <a:avLst/>
+          </a:prstGeom>
+          <a:ln>
+            <a:solidFill>
+              <a:srgbClr val="000000"/>
+            </a:solidFill>
+          </a:ln>
+        </p:spPr>
+        <p:style>
+          <a:lnRef idx="2">
+            <a:schemeClr val="accent1"/>
+          </a:lnRef>
+          <a:fillRef idx="0">
+            <a:schemeClr val="accent1"/>
+          </a:fillRef>
+          <a:effectRef idx="1">
+            <a:schemeClr val="accent1"/>
+          </a:effectRef>
+          <a:fontRef idx="minor">
+            <a:schemeClr val="tx1"/>
+          </a:fontRef>
+        </p:style>
+      </p:cxnSp>
+      <p:cxnSp>
+        <p:nvCxnSpPr>
+          <p:cNvPr id="19" name="Straight Connector 18"/>
+          <p:cNvCxnSpPr/>
+          <p:nvPr/>
+        </p:nvCxnSpPr>
+        <p:spPr>
+          <a:xfrm>
+            <a:off x="2612943" y="4549444"/>
+            <a:ext cx="1029708" cy="0"/>
+          </a:xfrm>
+          <a:prstGeom prst="line">
+            <a:avLst/>
+          </a:prstGeom>
+          <a:ln>
+            <a:solidFill>
+              <a:srgbClr val="000000"/>
+            </a:solidFill>
+          </a:ln>
+        </p:spPr>
+        <p:style>
+          <a:lnRef idx="2">
+            <a:schemeClr val="accent1"/>
+          </a:lnRef>
+          <a:fillRef idx="0">
+            <a:schemeClr val="accent1"/>
+          </a:fillRef>
+          <a:effectRef idx="1">
+            <a:schemeClr val="accent1"/>
+          </a:effectRef>
+          <a:fontRef idx="minor">
+            <a:schemeClr val="tx1"/>
+          </a:fontRef>
+        </p:style>
+      </p:cxnSp>
+      <p:cxnSp>
+        <p:nvCxnSpPr>
+          <p:cNvPr id="20" name="Straight Connector 19"/>
+          <p:cNvCxnSpPr/>
+          <p:nvPr/>
+        </p:nvCxnSpPr>
+        <p:spPr>
+          <a:xfrm>
+            <a:off x="4857779" y="3716593"/>
+            <a:ext cx="0" cy="832851"/>
+          </a:xfrm>
+          <a:prstGeom prst="line">
+            <a:avLst/>
+          </a:prstGeom>
+          <a:ln>
+            <a:solidFill>
+              <a:srgbClr val="000000"/>
+            </a:solidFill>
+          </a:ln>
+        </p:spPr>
+        <p:style>
+          <a:lnRef idx="2">
+            <a:schemeClr val="accent1"/>
+          </a:lnRef>
+          <a:fillRef idx="0">
+            <a:schemeClr val="accent1"/>
+          </a:fillRef>
+          <a:effectRef idx="1">
+            <a:schemeClr val="accent1"/>
+          </a:effectRef>
+          <a:fontRef idx="minor">
+            <a:schemeClr val="tx1"/>
+          </a:fontRef>
+        </p:style>
+      </p:cxnSp>
+      <p:cxnSp>
+        <p:nvCxnSpPr>
+          <p:cNvPr id="21" name="Straight Connector 20"/>
+          <p:cNvCxnSpPr/>
+          <p:nvPr/>
+        </p:nvCxnSpPr>
+        <p:spPr>
+          <a:xfrm>
+            <a:off x="6178971" y="3716593"/>
+            <a:ext cx="0" cy="832851"/>
+          </a:xfrm>
+          <a:prstGeom prst="line">
+            <a:avLst/>
+          </a:prstGeom>
+          <a:ln>
+            <a:solidFill>
+              <a:srgbClr val="000000"/>
+            </a:solidFill>
+          </a:ln>
+        </p:spPr>
+        <p:style>
+          <a:lnRef idx="2">
+            <a:schemeClr val="accent1"/>
+          </a:lnRef>
+          <a:fillRef idx="0">
+            <a:schemeClr val="accent1"/>
+          </a:fillRef>
+          <a:effectRef idx="1">
+            <a:schemeClr val="accent1"/>
+          </a:effectRef>
+          <a:fontRef idx="minor">
+            <a:schemeClr val="tx1"/>
+          </a:fontRef>
+        </p:style>
+      </p:cxnSp>
+      <p:cxnSp>
+        <p:nvCxnSpPr>
+          <p:cNvPr id="22" name="Straight Connector 21"/>
+          <p:cNvCxnSpPr/>
+          <p:nvPr/>
+        </p:nvCxnSpPr>
+        <p:spPr>
+          <a:xfrm>
+            <a:off x="4857779" y="4549444"/>
+            <a:ext cx="1321192" cy="0"/>
+          </a:xfrm>
+          <a:prstGeom prst="line">
+            <a:avLst/>
+          </a:prstGeom>
+          <a:ln>
+            <a:solidFill>
+              <a:srgbClr val="000000"/>
+            </a:solidFill>
+          </a:ln>
+        </p:spPr>
+        <p:style>
+          <a:lnRef idx="2">
+            <a:schemeClr val="accent1"/>
+          </a:lnRef>
+          <a:fillRef idx="0">
+            <a:schemeClr val="accent1"/>
+          </a:fillRef>
+          <a:effectRef idx="1">
+            <a:schemeClr val="accent1"/>
+          </a:effectRef>
+          <a:fontRef idx="minor">
+            <a:schemeClr val="tx1"/>
+          </a:fontRef>
+        </p:style>
+      </p:cxnSp>
+      <p:cxnSp>
+        <p:nvCxnSpPr>
+          <p:cNvPr id="23" name="Straight Connector 22"/>
+          <p:cNvCxnSpPr/>
+          <p:nvPr/>
+        </p:nvCxnSpPr>
+        <p:spPr>
+          <a:xfrm>
+            <a:off x="3142070" y="4549444"/>
+            <a:ext cx="0" cy="478888"/>
+          </a:xfrm>
+          <a:prstGeom prst="line">
+            <a:avLst/>
+          </a:prstGeom>
+          <a:ln>
+            <a:solidFill>
+              <a:srgbClr val="000000"/>
+            </a:solidFill>
+          </a:ln>
+        </p:spPr>
+        <p:style>
+          <a:lnRef idx="2">
+            <a:schemeClr val="accent1"/>
+          </a:lnRef>
+          <a:fillRef idx="0">
+            <a:schemeClr val="accent1"/>
+          </a:fillRef>
+          <a:effectRef idx="1">
+            <a:schemeClr val="accent1"/>
+          </a:effectRef>
+          <a:fontRef idx="minor">
+            <a:schemeClr val="tx1"/>
+          </a:fontRef>
+        </p:style>
+      </p:cxnSp>
+      <p:cxnSp>
+        <p:nvCxnSpPr>
+          <p:cNvPr id="24" name="Straight Connector 23"/>
+          <p:cNvCxnSpPr/>
+          <p:nvPr/>
+        </p:nvCxnSpPr>
+        <p:spPr>
+          <a:xfrm>
+            <a:off x="5511828" y="4549444"/>
+            <a:ext cx="0" cy="478888"/>
+          </a:xfrm>
+          <a:prstGeom prst="line">
+            <a:avLst/>
+          </a:prstGeom>
+          <a:ln>
+            <a:solidFill>
+              <a:srgbClr val="000000"/>
+            </a:solidFill>
+          </a:ln>
+        </p:spPr>
+        <p:style>
+          <a:lnRef idx="2">
+            <a:schemeClr val="accent1"/>
+          </a:lnRef>
+          <a:fillRef idx="0">
+            <a:schemeClr val="accent1"/>
+          </a:fillRef>
+          <a:effectRef idx="1">
+            <a:schemeClr val="accent1"/>
+          </a:effectRef>
+          <a:fontRef idx="minor">
+            <a:schemeClr val="tx1"/>
+          </a:fontRef>
+        </p:style>
+      </p:cxnSp>
+      <p:cxnSp>
+        <p:nvCxnSpPr>
+          <p:cNvPr id="25" name="Straight Connector 24"/>
+          <p:cNvCxnSpPr/>
+          <p:nvPr/>
+        </p:nvCxnSpPr>
+        <p:spPr>
+          <a:xfrm>
+            <a:off x="3142070" y="5028332"/>
+            <a:ext cx="2369758" cy="0"/>
+          </a:xfrm>
+          <a:prstGeom prst="line">
+            <a:avLst/>
+          </a:prstGeom>
+          <a:ln>
+            <a:solidFill>
+              <a:srgbClr val="000000"/>
+            </a:solidFill>
+          </a:ln>
+        </p:spPr>
+        <p:style>
+          <a:lnRef idx="2">
+            <a:schemeClr val="accent1"/>
+          </a:lnRef>
+          <a:fillRef idx="0">
+            <a:schemeClr val="accent1"/>
+          </a:fillRef>
+          <a:effectRef idx="1">
+            <a:schemeClr val="accent1"/>
+          </a:effectRef>
+          <a:fontRef idx="minor">
+            <a:schemeClr val="tx1"/>
+          </a:fontRef>
+        </p:style>
+      </p:cxnSp>
+      <p:sp>
+        <p:nvSpPr>
+          <p:cNvPr id="28" name="TextBox 27"/>
+          <p:cNvSpPr txBox="1"/>
+          <p:nvPr/>
+        </p:nvSpPr>
+        <p:spPr>
+          <a:xfrm>
+            <a:off x="3595825" y="5954878"/>
+            <a:ext cx="1390224" cy="646331"/>
+          </a:xfrm>
+          <a:prstGeom prst="rect">
+            <a:avLst/>
+          </a:prstGeom>
+          <a:noFill/>
+        </p:spPr>
+        <p:txBody>
+          <a:bodyPr wrap="none" rtlCol="0">
+            <a:spAutoFit/>
+          </a:bodyPr>
+          <a:lstStyle/>
+          <a:p>
+            <a:r>
+              <a:rPr lang="en-US">
+                <a:solidFill>
+                  <a:srgbClr val="000000"/>
+                </a:solidFill>
+              </a:rPr>
+              <a:t>Phylogenetic</a:t>
+            </a:r>
+          </a:p>
+          <a:p>
+            <a:r>
+              <a:rPr lang="en-US">
+                <a:solidFill>
+                  <a:srgbClr val="000000"/>
+                </a:solidFill>
+              </a:rPr>
+              <a:t>History</a:t>
             </a:r>
           </a:p>
         </p:txBody>
@@ -3281,7 +3844,7 @@
     </p:spTree>
     <p:extLst>
       <p:ext uri="{BB962C8B-B14F-4D97-AF65-F5344CB8AC3E}">
-        <p14:creationId xmlns:p14="http://schemas.microsoft.com/office/powerpoint/2010/main" val="3795759075"/>
+        <p14:creationId xmlns:p14="http://schemas.microsoft.com/office/powerpoint/2010/main" val="3441921366"/>
       </p:ext>
     </p:extLst>
   </p:cSld>
@@ -3332,104 +3895,45 @@
           <a:p>
             <a:r>
               <a:rPr lang="en-US"/>
-              <a:t>Traits - Plants</a:t>
-            </a:r>
-          </a:p>
-        </p:txBody>
-      </p:sp>
-      <p:sp>
-        <p:nvSpPr>
-          <p:cNvPr id="3" name="Content Placeholder 2"/>
-          <p:cNvSpPr>
-            <a:spLocks noGrp="1"/>
-          </p:cNvSpPr>
-          <p:nvPr>
-            <p:ph idx="1"/>
-          </p:nvPr>
-        </p:nvSpPr>
-        <p:spPr>
-          <a:xfrm>
-            <a:off x="457200" y="1600200"/>
-            <a:ext cx="8229600" cy="4831086"/>
-          </a:xfrm>
-        </p:spPr>
-        <p:txBody>
-          <a:bodyPr>
-            <a:normAutofit fontScale="92500" lnSpcReduction="20000"/>
-          </a:bodyPr>
-          <a:lstStyle/>
-          <a:p>
-            <a:r>
-              <a:rPr lang="en-US"/>
-              <a:t>Breeding system </a:t>
-            </a:r>
-          </a:p>
-          <a:p>
-            <a:pPr lvl="1"/>
-            <a:r>
-              <a:rPr lang="en-US"/>
-              <a:t>Gynomonoecious: less specialized, higher degree</a:t>
-            </a:r>
-          </a:p>
-          <a:p>
-            <a:pPr lvl="1"/>
-            <a:r>
-              <a:rPr lang="en-US"/>
-              <a:t>Hermaphrodites: more specialized, lower degree</a:t>
-            </a:r>
-          </a:p>
-          <a:p>
-            <a:r>
-              <a:rPr lang="en-US"/>
-              <a:t>Growth form</a:t>
-            </a:r>
-          </a:p>
-          <a:p>
-            <a:pPr lvl="1"/>
-            <a:r>
-              <a:rPr lang="en-US"/>
-              <a:t>Herbaceous: lower within module degree</a:t>
-            </a:r>
-          </a:p>
-          <a:p>
-            <a:pPr lvl="1"/>
-            <a:r>
-              <a:rPr lang="en-US"/>
-              <a:t>Woody: higher within module degree</a:t>
-            </a:r>
-          </a:p>
-          <a:p>
-            <a:r>
-              <a:rPr lang="en-US"/>
-              <a:t>Flower symmetry: </a:t>
-            </a:r>
-          </a:p>
-          <a:p>
-            <a:pPr lvl="1"/>
-            <a:r>
-              <a:rPr lang="en-US"/>
-              <a:t>Bilateral: lower within module degree, lower degree</a:t>
-            </a:r>
-          </a:p>
-          <a:p>
-            <a:pPr lvl="1"/>
-            <a:r>
-              <a:rPr lang="en-US"/>
-              <a:t>Radial:  higher within module degree, higher degree</a:t>
-            </a:r>
-          </a:p>
-          <a:p>
-            <a:r>
-              <a:rPr lang="en-US"/>
-              <a:t>Flower size: smaller flowers higher within module degree</a:t>
-            </a:r>
-          </a:p>
-        </p:txBody>
-      </p:sp>
+              <a:t>Study sites</a:t>
+            </a:r>
+          </a:p>
+        </p:txBody>
+      </p:sp>
+      <p:pic>
+        <p:nvPicPr>
+          <p:cNvPr id="4" name="Picture 3" descr="map_tilemill.png"/>
+          <p:cNvPicPr>
+            <a:picLocks noChangeAspect="1"/>
+          </p:cNvPicPr>
+          <p:nvPr/>
+        </p:nvPicPr>
+        <p:blipFill>
+          <a:blip r:embed="rId2">
+            <a:extLst>
+              <a:ext uri="{28A0092B-C50C-407E-A947-70E740481C1C}">
+                <a14:useLocalDpi xmlns:a14="http://schemas.microsoft.com/office/drawing/2010/main" val="0"/>
+              </a:ext>
+            </a:extLst>
+          </a:blip>
+          <a:stretch>
+            <a:fillRect/>
+          </a:stretch>
+        </p:blipFill>
+        <p:spPr>
+          <a:xfrm>
+            <a:off x="533644" y="1301287"/>
+            <a:ext cx="8012673" cy="5183198"/>
+          </a:xfrm>
+          <a:prstGeom prst="rect">
+            <a:avLst/>
+          </a:prstGeom>
+        </p:spPr>
+      </p:pic>
     </p:spTree>
     <p:extLst>
       <p:ext uri="{BB962C8B-B14F-4D97-AF65-F5344CB8AC3E}">
-        <p14:creationId xmlns:p14="http://schemas.microsoft.com/office/powerpoint/2010/main" val="2901473846"/>
+        <p14:creationId xmlns:p14="http://schemas.microsoft.com/office/powerpoint/2010/main" val="1651706612"/>
       </p:ext>
     </p:extLst>
   </p:cSld>
@@ -3480,52 +3984,20 @@
           <a:p>
             <a:r>
               <a:rPr lang="en-US"/>
-              <a:t>Network level</a:t>
-            </a:r>
-          </a:p>
-        </p:txBody>
-      </p:sp>
-      <p:sp>
-        <p:nvSpPr>
-          <p:cNvPr id="3" name="Content Placeholder 2"/>
-          <p:cNvSpPr>
-            <a:spLocks noGrp="1"/>
-          </p:cNvSpPr>
-          <p:nvPr>
-            <p:ph idx="1"/>
-          </p:nvPr>
-        </p:nvSpPr>
-        <p:spPr/>
-        <p:txBody>
-          <a:bodyPr/>
-          <a:lstStyle/>
-          <a:p>
-            <a:pPr marL="0" indent="0" algn="ctr">
-              <a:buNone/>
-            </a:pPr>
-            <a:r>
-              <a:rPr lang="en-US"/>
-              <a:t>network structure ~ </a:t>
-            </a:r>
-          </a:p>
-          <a:p>
-            <a:pPr marL="0" indent="0" algn="ctr">
-              <a:buNone/>
-            </a:pPr>
-            <a:r>
-              <a:rPr lang="en-US"/>
-              <a:t>FDisPO + FDisPL + MPDPO + MPDPL</a:t>
+              <a:t>Phylogeny</a:t>
             </a:r>
           </a:p>
         </p:txBody>
       </p:sp>
       <p:pic>
         <p:nvPicPr>
-          <p:cNvPr id="4" name="Picture 3" descr="scottmac:Users:scottmac2:Dropbox:CANPOLIN_networks_ms:canpolin_manuscript:figures:Rplot03.pdf"/>
-          <p:cNvPicPr/>
+          <p:cNvPr id="4" name="Picture 3" descr="phylo_anim.png"/>
+          <p:cNvPicPr>
+            <a:picLocks noChangeAspect="1"/>
+          </p:cNvPicPr>
           <p:nvPr/>
         </p:nvPicPr>
-        <p:blipFill rotWithShape="1">
+        <p:blipFill>
           <a:blip r:embed="rId2">
             <a:extLst>
               <a:ext uri="{28A0092B-C50C-407E-A947-70E740481C1C}">
@@ -3533,52 +4005,48 @@
               </a:ext>
             </a:extLst>
           </a:blip>
-          <a:srcRect b="55503"/>
-          <a:stretch/>
+          <a:stretch>
+            <a:fillRect/>
+          </a:stretch>
         </p:blipFill>
-        <p:spPr bwMode="auto">
-          <a:xfrm>
-            <a:off x="704079" y="3308850"/>
-            <a:ext cx="3657600" cy="2190366"/>
+        <p:spPr>
+          <a:xfrm>
+            <a:off x="4792657" y="2081672"/>
+            <a:ext cx="4214945" cy="3687220"/>
           </a:xfrm>
           <a:prstGeom prst="rect">
             <a:avLst/>
           </a:prstGeom>
-          <a:noFill/>
-          <a:ln>
-            <a:noFill/>
-          </a:ln>
         </p:spPr>
       </p:pic>
       <p:pic>
         <p:nvPicPr>
-          <p:cNvPr id="5" name="Picture 4" descr="scottmac:Users:scottmac2:Dropbox:CANPOLIN_networks_ms:canpolin_manuscript:figures:Rplot03.pdf"/>
-          <p:cNvPicPr/>
+          <p:cNvPr id="5" name="Picture 4" descr="phylo_plants.png"/>
+          <p:cNvPicPr>
+            <a:picLocks noChangeAspect="1"/>
+          </p:cNvPicPr>
           <p:nvPr/>
         </p:nvPicPr>
-        <p:blipFill rotWithShape="1">
-          <a:blip r:embed="rId2">
+        <p:blipFill>
+          <a:blip r:embed="rId3">
             <a:extLst>
               <a:ext uri="{28A0092B-C50C-407E-A947-70E740481C1C}">
                 <a14:useLocalDpi xmlns:a14="http://schemas.microsoft.com/office/drawing/2010/main" val="0"/>
               </a:ext>
             </a:extLst>
           </a:blip>
-          <a:srcRect t="50874" b="7707"/>
-          <a:stretch/>
+          <a:stretch>
+            <a:fillRect/>
+          </a:stretch>
         </p:blipFill>
-        <p:spPr bwMode="auto">
-          <a:xfrm>
-            <a:off x="4525973" y="3308850"/>
-            <a:ext cx="3980073" cy="2190366"/>
+        <p:spPr>
+          <a:xfrm>
+            <a:off x="245477" y="2060892"/>
+            <a:ext cx="4238699" cy="3708000"/>
           </a:xfrm>
           <a:prstGeom prst="rect">
             <a:avLst/>
           </a:prstGeom>
-          <a:noFill/>
-          <a:ln>
-            <a:noFill/>
-          </a:ln>
         </p:spPr>
       </p:pic>
       <p:sp>
@@ -3589,8 +4057,8 @@
         </p:nvSpPr>
         <p:spPr>
           <a:xfrm>
-            <a:off x="2777699" y="5626208"/>
-            <a:ext cx="3655831" cy="369332"/>
+            <a:off x="1825064" y="1586862"/>
+            <a:ext cx="761747" cy="369332"/>
           </a:xfrm>
           <a:prstGeom prst="rect">
             <a:avLst/>
@@ -3605,7 +4073,36 @@
           <a:p>
             <a:r>
               <a:rPr lang="en-US"/>
-              <a:t>Pollinator Functional Trait Dispersion</a:t>
+              <a:t>Plants</a:t>
+            </a:r>
+          </a:p>
+        </p:txBody>
+      </p:sp>
+      <p:sp>
+        <p:nvSpPr>
+          <p:cNvPr id="7" name="TextBox 6"/>
+          <p:cNvSpPr txBox="1"/>
+          <p:nvPr/>
+        </p:nvSpPr>
+        <p:spPr>
+          <a:xfrm>
+            <a:off x="6374695" y="1586862"/>
+            <a:ext cx="1186217" cy="369332"/>
+          </a:xfrm>
+          <a:prstGeom prst="rect">
+            <a:avLst/>
+          </a:prstGeom>
+          <a:noFill/>
+        </p:spPr>
+        <p:txBody>
+          <a:bodyPr wrap="none" rtlCol="0">
+            <a:spAutoFit/>
+          </a:bodyPr>
+          <a:lstStyle/>
+          <a:p>
+            <a:r>
+              <a:rPr lang="en-US"/>
+              <a:t>Pollinators</a:t>
             </a:r>
           </a:p>
         </p:txBody>
@@ -3613,7 +4110,7 @@
     </p:spTree>
     <p:extLst>
       <p:ext uri="{BB962C8B-B14F-4D97-AF65-F5344CB8AC3E}">
-        <p14:creationId xmlns:p14="http://schemas.microsoft.com/office/powerpoint/2010/main" val="2707383410"/>
+        <p14:creationId xmlns:p14="http://schemas.microsoft.com/office/powerpoint/2010/main" val="3830402729"/>
       </p:ext>
     </p:extLst>
   </p:cSld>
@@ -3649,7 +4146,7 @@
       </p:grpSpPr>
       <p:sp>
         <p:nvSpPr>
-          <p:cNvPr id="2" name="Title 1"/>
+          <p:cNvPr id="7" name="Title 6"/>
           <p:cNvSpPr>
             <a:spLocks noGrp="1"/>
           </p:cNvSpPr>
@@ -3664,14 +4161,14 @@
           <a:p>
             <a:r>
               <a:rPr lang="en-US"/>
-              <a:t>Conclusion</a:t>
-            </a:r>
-          </a:p>
-        </p:txBody>
-      </p:sp>
-      <p:sp>
-        <p:nvSpPr>
-          <p:cNvPr id="3" name="Content Placeholder 2"/>
+              <a:t>Species level metrics</a:t>
+            </a:r>
+          </a:p>
+        </p:txBody>
+      </p:sp>
+      <p:sp>
+        <p:nvSpPr>
+          <p:cNvPr id="8" name="Content Placeholder 7"/>
           <p:cNvSpPr>
             <a:spLocks noGrp="1"/>
           </p:cNvSpPr>
@@ -3679,115 +4176,85 @@
             <p:ph idx="1"/>
           </p:nvPr>
         </p:nvSpPr>
-        <p:spPr>
-          <a:xfrm>
-            <a:off x="457200" y="1417638"/>
-            <a:ext cx="8229600" cy="5440362"/>
-          </a:xfrm>
-        </p:spPr>
-        <p:txBody>
-          <a:bodyPr>
-            <a:normAutofit/>
-          </a:bodyPr>
-          <a:lstStyle/>
-          <a:p>
-            <a:r>
-              <a:rPr lang="en-US"/>
-              <a:t>Species level</a:t>
-            </a:r>
-          </a:p>
-          <a:p>
-            <a:pPr lvl="1"/>
-            <a:r>
-              <a:rPr lang="en-US"/>
-              <a:t>Sociality important in pollinators</a:t>
-            </a:r>
-          </a:p>
-          <a:p>
-            <a:pPr lvl="1"/>
-            <a:r>
-              <a:rPr lang="en-US"/>
-              <a:t>Mating systems, flower symmetry &amp; growth form important in plants</a:t>
-            </a:r>
-          </a:p>
-          <a:p>
-            <a:pPr lvl="1"/>
-            <a:r>
-              <a:rPr lang="en-US"/>
-              <a:t>Phenology playing role  - will explore more</a:t>
-            </a:r>
-          </a:p>
-          <a:p>
-            <a:r>
-              <a:rPr lang="en-US"/>
-              <a:t>Network level</a:t>
-            </a:r>
-          </a:p>
-          <a:p>
-            <a:pPr lvl="1"/>
-            <a:r>
-              <a:rPr lang="en-US"/>
-              <a:t>At network level, </a:t>
-            </a:r>
-            <a:r>
-              <a:rPr lang="en-US">
-                <a:latin typeface="Wingdings"/>
-                <a:ea typeface="Wingdings"/>
-                <a:cs typeface="Wingdings"/>
-                <a:sym typeface="Wingdings"/>
-              </a:rPr>
-              <a:t> </a:t>
-            </a:r>
-            <a:r>
-              <a:rPr lang="en-US"/>
-              <a:t>pollinator functional diversity w/ </a:t>
-            </a:r>
-            <a:r>
-              <a:rPr lang="en-US">
-                <a:latin typeface="Wingdings"/>
-                <a:ea typeface="Wingdings"/>
-                <a:cs typeface="Wingdings"/>
-                <a:sym typeface="Wingdings"/>
-              </a:rPr>
-              <a:t> </a:t>
-            </a:r>
-            <a:r>
-              <a:rPr lang="en-US"/>
-              <a:t>modularity &amp; </a:t>
-            </a:r>
-            <a:r>
-              <a:rPr lang="en-US">
-                <a:latin typeface="Wingdings"/>
-                <a:ea typeface="Wingdings"/>
-                <a:cs typeface="Wingdings"/>
-                <a:sym typeface="Wingdings"/>
-              </a:rPr>
-              <a:t></a:t>
-            </a:r>
-            <a:r>
-              <a:rPr lang="en-US"/>
-              <a:t> connectance</a:t>
-            </a:r>
-          </a:p>
-          <a:p>
-            <a:pPr lvl="1"/>
-            <a:r>
-              <a:rPr lang="en-US"/>
-              <a:t>Pollinator traits bigger drivers of network structure relative to plants</a:t>
-            </a:r>
-          </a:p>
-        </p:txBody>
-      </p:sp>
+        <p:spPr/>
+        <p:txBody>
+          <a:bodyPr/>
+          <a:lstStyle/>
+          <a:p>
+            <a:r>
+              <a:rPr lang="en-US"/>
+              <a:t>Degree</a:t>
+            </a:r>
+          </a:p>
+          <a:p>
+            <a:r>
+              <a:rPr lang="en-US"/>
+              <a:t>Specialization </a:t>
+            </a:r>
+            <a:r>
+              <a:rPr lang="en-US" sz="2400"/>
+              <a:t>(accounts for interaction intensity)</a:t>
+            </a:r>
+            <a:endParaRPr lang="en-US"/>
+          </a:p>
+          <a:p>
+            <a:r>
+              <a:rPr lang="en-US"/>
+              <a:t>Within module degree</a:t>
+            </a:r>
+          </a:p>
+          <a:p>
+            <a:r>
+              <a:rPr lang="en-US"/>
+              <a:t>Among module connectivity</a:t>
+            </a:r>
+          </a:p>
+          <a:p>
+            <a:endParaRPr lang="en-US"/>
+          </a:p>
+        </p:txBody>
+      </p:sp>
+      <p:pic>
+        <p:nvPicPr>
+          <p:cNvPr id="6" name="Picture 5"/>
+          <p:cNvPicPr>
+            <a:picLocks noChangeAspect="1"/>
+          </p:cNvPicPr>
+          <p:nvPr/>
+        </p:nvPicPr>
+        <p:blipFill>
+          <a:blip r:embed="rId2"/>
+          <a:stretch>
+            <a:fillRect/>
+          </a:stretch>
+        </p:blipFill>
+        <p:spPr>
+          <a:xfrm>
+            <a:off x="3033845" y="4362209"/>
+            <a:ext cx="5824295" cy="1965549"/>
+          </a:xfrm>
+          <a:prstGeom prst="rect">
+            <a:avLst/>
+          </a:prstGeom>
+        </p:spPr>
+      </p:pic>
     </p:spTree>
     <p:extLst>
       <p:ext uri="{BB962C8B-B14F-4D97-AF65-F5344CB8AC3E}">
-        <p14:creationId xmlns:p14="http://schemas.microsoft.com/office/powerpoint/2010/main" val="4283966524"/>
+        <p14:creationId xmlns:p14="http://schemas.microsoft.com/office/powerpoint/2010/main" val="4067053747"/>
       </p:ext>
     </p:extLst>
   </p:cSld>
   <p:clrMapOvr>
     <a:masterClrMapping/>
   </p:clrMapOvr>
+  <p:timing>
+    <p:tnLst>
+      <p:par>
+        <p:cTn xmlns:p14="http://schemas.microsoft.com/office/powerpoint/2010/main" id="1" dur="indefinite" restart="never" nodeType="tmRoot"/>
+      </p:par>
+    </p:tnLst>
+  </p:timing>
 </p:sld>
 </file>
 
@@ -3825,14 +4292,14 @@
           <a:p>
             <a:r>
               <a:rPr lang="en-US"/>
-              <a:t>Phenology</a:t>
-            </a:r>
-          </a:p>
-        </p:txBody>
-      </p:sp>
-      <p:sp>
-        <p:nvSpPr>
-          <p:cNvPr id="3" name="Content Placeholder 2"/>
+              <a:t>Traits - Pollinators</a:t>
+            </a:r>
+          </a:p>
+        </p:txBody>
+      </p:sp>
+      <p:sp>
+        <p:nvSpPr>
+          <p:cNvPr id="5" name="Content Placeholder 4"/>
           <p:cNvSpPr>
             <a:spLocks noGrp="1"/>
           </p:cNvSpPr>
@@ -3842,33 +4309,73 @@
         </p:nvSpPr>
         <p:spPr/>
         <p:txBody>
-          <a:bodyPr/>
-          <a:lstStyle/>
-          <a:p>
-            <a:r>
-              <a:rPr lang="en-US"/>
-              <a:t>Species vary in when they start flowering (plants) and start flying (pollinators)</a:t>
-            </a:r>
-          </a:p>
-          <a:p>
-            <a:r>
-              <a:rPr lang="en-US"/>
-              <a:t>Variation among species can lead to changes in network structure</a:t>
-            </a:r>
-            <a:endParaRPr lang="en-US"/>
+          <a:bodyPr>
+            <a:normAutofit/>
+          </a:bodyPr>
+          <a:lstStyle/>
+          <a:p>
+            <a:r>
+              <a:rPr lang="en-US" sz="2800"/>
+              <a:t>Nest location: above/below ground - </a:t>
+            </a:r>
+            <a:r>
+              <a:rPr lang="en-US" sz="2800" b="1">
+                <a:solidFill>
+                  <a:srgbClr val="FF0000"/>
+                </a:solidFill>
+              </a:rPr>
+              <a:t>NS</a:t>
+            </a:r>
+            <a:endParaRPr lang="en-US" sz="2800"/>
+          </a:p>
+          <a:p>
+            <a:r>
+              <a:rPr lang="en-US" sz="2800"/>
+              <a:t>Nest type: excavator/renter - </a:t>
+            </a:r>
+            <a:r>
+              <a:rPr lang="en-US" sz="2800" b="1">
+                <a:solidFill>
+                  <a:srgbClr val="FF0000"/>
+                </a:solidFill>
+              </a:rPr>
+              <a:t>NS</a:t>
+            </a:r>
+          </a:p>
+          <a:p>
+            <a:r>
+              <a:rPr lang="en-US" sz="2800"/>
+              <a:t>Parasitic: yes/no - </a:t>
+            </a:r>
+            <a:r>
+              <a:rPr lang="en-US" sz="2800" b="1">
+                <a:solidFill>
+                  <a:srgbClr val="FF0000"/>
+                </a:solidFill>
+              </a:rPr>
+              <a:t>NS</a:t>
+            </a:r>
+            <a:endParaRPr lang="en-US" sz="2800"/>
           </a:p>
         </p:txBody>
       </p:sp>
     </p:spTree>
     <p:extLst>
       <p:ext uri="{BB962C8B-B14F-4D97-AF65-F5344CB8AC3E}">
-        <p14:creationId xmlns:p14="http://schemas.microsoft.com/office/powerpoint/2010/main" val="578812740"/>
+        <p14:creationId xmlns:p14="http://schemas.microsoft.com/office/powerpoint/2010/main" val="679623736"/>
       </p:ext>
     </p:extLst>
   </p:cSld>
   <p:clrMapOvr>
     <a:masterClrMapping/>
   </p:clrMapOvr>
+  <p:timing>
+    <p:tnLst>
+      <p:par>
+        <p:cTn xmlns:p14="http://schemas.microsoft.com/office/powerpoint/2010/main" id="1" dur="indefinite" restart="never" nodeType="tmRoot"/>
+      </p:par>
+    </p:tnLst>
+  </p:timing>
 </p:sld>
 </file>
 
@@ -3899,173 +4406,110 @@
             <p:ph type="title"/>
           </p:nvPr>
         </p:nvSpPr>
-        <p:spPr>
-          <a:xfrm>
-            <a:off x="457200" y="274638"/>
-            <a:ext cx="8229600" cy="839300"/>
-          </a:xfrm>
-        </p:spPr>
+        <p:spPr/>
         <p:txBody>
           <a:bodyPr/>
           <a:lstStyle/>
           <a:p>
             <a:r>
               <a:rPr lang="en-US"/>
-              <a:t>Phenology</a:t>
-            </a:r>
-          </a:p>
-        </p:txBody>
-      </p:sp>
-      <p:pic>
-        <p:nvPicPr>
-          <p:cNvPr id="8" name="Picture 7"/>
-          <p:cNvPicPr>
-            <a:picLocks noChangeAspect="1"/>
-          </p:cNvPicPr>
-          <p:nvPr/>
-        </p:nvPicPr>
-        <p:blipFill>
-          <a:blip r:embed="rId2"/>
-          <a:stretch>
-            <a:fillRect/>
-          </a:stretch>
-        </p:blipFill>
-        <p:spPr>
-          <a:xfrm>
-            <a:off x="571713" y="1552988"/>
-            <a:ext cx="3403125" cy="2520000"/>
-          </a:xfrm>
-          <a:prstGeom prst="rect">
-            <a:avLst/>
-          </a:prstGeom>
-        </p:spPr>
-      </p:pic>
-      <p:pic>
-        <p:nvPicPr>
-          <p:cNvPr id="9" name="Picture 8"/>
-          <p:cNvPicPr>
-            <a:picLocks noChangeAspect="1"/>
-          </p:cNvPicPr>
-          <p:nvPr/>
-        </p:nvPicPr>
-        <p:blipFill>
-          <a:blip r:embed="rId3"/>
-          <a:stretch>
-            <a:fillRect/>
-          </a:stretch>
-        </p:blipFill>
-        <p:spPr>
-          <a:xfrm>
-            <a:off x="571713" y="4128751"/>
-            <a:ext cx="3403125" cy="2520000"/>
-          </a:xfrm>
-          <a:prstGeom prst="rect">
-            <a:avLst/>
-          </a:prstGeom>
-        </p:spPr>
-      </p:pic>
-      <p:pic>
-        <p:nvPicPr>
-          <p:cNvPr id="10" name="Picture 9"/>
-          <p:cNvPicPr>
-            <a:picLocks noChangeAspect="1"/>
-          </p:cNvPicPr>
-          <p:nvPr/>
-        </p:nvPicPr>
-        <p:blipFill>
-          <a:blip r:embed="rId4"/>
-          <a:stretch>
-            <a:fillRect/>
-          </a:stretch>
-        </p:blipFill>
-        <p:spPr>
-          <a:xfrm>
-            <a:off x="5096157" y="1552988"/>
-            <a:ext cx="3403125" cy="2520000"/>
-          </a:xfrm>
-          <a:prstGeom prst="rect">
-            <a:avLst/>
-          </a:prstGeom>
-        </p:spPr>
-      </p:pic>
-      <p:pic>
-        <p:nvPicPr>
-          <p:cNvPr id="11" name="Picture 10"/>
-          <p:cNvPicPr>
-            <a:picLocks noChangeAspect="1"/>
-          </p:cNvPicPr>
-          <p:nvPr/>
-        </p:nvPicPr>
-        <p:blipFill>
-          <a:blip r:embed="rId5"/>
-          <a:stretch>
-            <a:fillRect/>
-          </a:stretch>
-        </p:blipFill>
-        <p:spPr>
-          <a:xfrm>
-            <a:off x="5096157" y="4128751"/>
-            <a:ext cx="3403125" cy="2520000"/>
-          </a:xfrm>
-          <a:prstGeom prst="rect">
-            <a:avLst/>
-          </a:prstGeom>
-        </p:spPr>
-      </p:pic>
-      <p:sp>
-        <p:nvSpPr>
-          <p:cNvPr id="13" name="TextBox 12"/>
-          <p:cNvSpPr txBox="1"/>
-          <p:nvPr/>
-        </p:nvSpPr>
-        <p:spPr>
-          <a:xfrm>
-            <a:off x="1825064" y="1147894"/>
-            <a:ext cx="761747" cy="369332"/>
-          </a:xfrm>
-          <a:prstGeom prst="rect">
-            <a:avLst/>
-          </a:prstGeom>
-          <a:noFill/>
-        </p:spPr>
-        <p:txBody>
-          <a:bodyPr wrap="none" rtlCol="0">
-            <a:spAutoFit/>
+              <a:t>Traits - Pollinators</a:t>
+            </a:r>
+          </a:p>
+        </p:txBody>
+      </p:sp>
+      <p:sp>
+        <p:nvSpPr>
+          <p:cNvPr id="5" name="Content Placeholder 4"/>
+          <p:cNvSpPr>
+            <a:spLocks noGrp="1"/>
+          </p:cNvSpPr>
+          <p:nvPr>
+            <p:ph idx="1"/>
+          </p:nvPr>
+        </p:nvSpPr>
+        <p:spPr/>
+        <p:txBody>
+          <a:bodyPr>
+            <a:normAutofit fontScale="92500" lnSpcReduction="20000"/>
           </a:bodyPr>
           <a:lstStyle/>
           <a:p>
             <a:r>
               <a:rPr lang="en-US"/>
-              <a:t>Plants</a:t>
-            </a:r>
-          </a:p>
-        </p:txBody>
-      </p:sp>
-      <p:sp>
-        <p:nvSpPr>
-          <p:cNvPr id="14" name="TextBox 13"/>
-          <p:cNvSpPr txBox="1"/>
-          <p:nvPr/>
-        </p:nvSpPr>
-        <p:spPr>
-          <a:xfrm>
-            <a:off x="6374695" y="1147894"/>
-            <a:ext cx="1186217" cy="369332"/>
-          </a:xfrm>
-          <a:prstGeom prst="rect">
-            <a:avLst/>
-          </a:prstGeom>
-          <a:noFill/>
-        </p:spPr>
-        <p:txBody>
-          <a:bodyPr wrap="none" rtlCol="0">
-            <a:spAutoFit/>
-          </a:bodyPr>
-          <a:lstStyle/>
-          <a:p>
-            <a:r>
-              <a:rPr lang="en-US"/>
-              <a:t>Pollinators</a:t>
+              <a:t>Nest location: above/below ground - </a:t>
+            </a:r>
+            <a:r>
+              <a:rPr lang="en-US" b="1">
+                <a:solidFill>
+                  <a:srgbClr val="FF0000"/>
+                </a:solidFill>
+              </a:rPr>
+              <a:t>NS</a:t>
+            </a:r>
+            <a:endParaRPr lang="en-US"/>
+          </a:p>
+          <a:p>
+            <a:r>
+              <a:rPr lang="en-US"/>
+              <a:t>Nest type: excavator/renter - </a:t>
+            </a:r>
+            <a:r>
+              <a:rPr lang="en-US" b="1">
+                <a:solidFill>
+                  <a:srgbClr val="FF0000"/>
+                </a:solidFill>
+              </a:rPr>
+              <a:t>NS</a:t>
+            </a:r>
+            <a:endParaRPr lang="en-US"/>
+          </a:p>
+          <a:p>
+            <a:r>
+              <a:rPr lang="en-US"/>
+              <a:t>Parasitic: yes/no - </a:t>
+            </a:r>
+            <a:r>
+              <a:rPr lang="en-US" b="1">
+                <a:solidFill>
+                  <a:srgbClr val="FF0000"/>
+                </a:solidFill>
+              </a:rPr>
+              <a:t>NS</a:t>
+            </a:r>
+            <a:endParaRPr lang="en-US"/>
+          </a:p>
+          <a:p>
+            <a:r>
+              <a:rPr lang="en-US"/>
+              <a:t>Social: solitary/social – </a:t>
+            </a:r>
+          </a:p>
+          <a:p>
+            <a:pPr lvl="1"/>
+            <a:r>
+              <a:rPr lang="en-US"/>
+              <a:t>Within module degree: social (module hubs), solitary (peripherals)</a:t>
+            </a:r>
+          </a:p>
+          <a:p>
+            <a:pPr lvl="1"/>
+            <a:r>
+              <a:rPr lang="en-US"/>
+              <a:t>Among module connectivity: social (connectors), solitary (peripherals)</a:t>
+            </a:r>
+          </a:p>
+          <a:p>
+            <a:pPr lvl="1"/>
+            <a:r>
+              <a:rPr lang="en-US"/>
+              <a:t>Degree: social (higher), solitary (lower)</a:t>
+            </a:r>
+          </a:p>
+          <a:p>
+            <a:r>
+              <a:rPr lang="en-US"/>
+              <a:t>Body size – larger spp. w/ larger degree</a:t>
             </a:r>
           </a:p>
         </p:txBody>
@@ -4073,13 +4517,20 @@
     </p:spTree>
     <p:extLst>
       <p:ext uri="{BB962C8B-B14F-4D97-AF65-F5344CB8AC3E}">
-        <p14:creationId xmlns:p14="http://schemas.microsoft.com/office/powerpoint/2010/main" val="3789108154"/>
+        <p14:creationId xmlns:p14="http://schemas.microsoft.com/office/powerpoint/2010/main" val="2057923485"/>
       </p:ext>
     </p:extLst>
   </p:cSld>
   <p:clrMapOvr>
     <a:masterClrMapping/>
   </p:clrMapOvr>
+  <p:timing>
+    <p:tnLst>
+      <p:par>
+        <p:cTn xmlns:p14="http://schemas.microsoft.com/office/powerpoint/2010/main" id="1" dur="indefinite" restart="never" nodeType="tmRoot"/>
+      </p:par>
+    </p:tnLst>
+  </p:timing>
 </p:sld>
 </file>
 
@@ -4117,7 +4568,7 @@
           <a:p>
             <a:r>
               <a:rPr lang="en-US"/>
-              <a:t>Phylogenetic tree shape</a:t>
+              <a:t>Traits - Plants</a:t>
             </a:r>
           </a:p>
         </p:txBody>
@@ -4132,55 +4583,56 @@
             <p:ph idx="1"/>
           </p:nvPr>
         </p:nvSpPr>
-        <p:spPr/>
-        <p:txBody>
-          <a:bodyPr/>
-          <a:lstStyle/>
-          <a:p>
-            <a:r>
-              <a:rPr lang="en-US"/>
-              <a:t>Shape easily measured</a:t>
-            </a:r>
-          </a:p>
-          <a:p>
-            <a:r>
-              <a:rPr lang="en-US"/>
-              <a:t>Metrics represent whether </a:t>
+        <p:spPr>
+          <a:xfrm>
+            <a:off x="457200" y="1600200"/>
+            <a:ext cx="8229600" cy="4831086"/>
+          </a:xfrm>
+        </p:spPr>
+        <p:txBody>
+          <a:bodyPr>
+            <a:normAutofit/>
+          </a:bodyPr>
+          <a:lstStyle/>
+          <a:p>
+            <a:r>
+              <a:rPr lang="en-US" sz="2800"/>
+              <a:t>Breeding system </a:t>
             </a:r>
           </a:p>
           <a:p>
             <a:pPr lvl="1"/>
             <a:r>
-              <a:rPr lang="en-US"/>
-              <a:t>Branching events recent or old</a:t>
+              <a:rPr lang="en-US" sz="2400"/>
+              <a:t>Gynomonoecious: less specialized, higher degree</a:t>
             </a:r>
           </a:p>
           <a:p>
             <a:pPr lvl="1"/>
             <a:r>
-              <a:rPr lang="en-US"/>
-              <a:t>Branching events even across tree, or some groups speciate more than others</a:t>
-            </a:r>
-          </a:p>
-          <a:p>
-            <a:r>
-              <a:rPr lang="en-US"/>
-              <a:t>This “shape” could influence who interacts with who</a:t>
-            </a:r>
-            <a:endParaRPr lang="en-US"/>
+              <a:rPr lang="en-US" sz="2400"/>
+              <a:t>Hermaphrodites: more specialized, lower degree</a:t>
+            </a:r>
           </a:p>
         </p:txBody>
       </p:sp>
     </p:spTree>
     <p:extLst>
       <p:ext uri="{BB962C8B-B14F-4D97-AF65-F5344CB8AC3E}">
-        <p14:creationId xmlns:p14="http://schemas.microsoft.com/office/powerpoint/2010/main" val="2900345323"/>
+        <p14:creationId xmlns:p14="http://schemas.microsoft.com/office/powerpoint/2010/main" val="3848753974"/>
       </p:ext>
     </p:extLst>
   </p:cSld>
   <p:clrMapOvr>
     <a:masterClrMapping/>
   </p:clrMapOvr>
+  <p:timing>
+    <p:tnLst>
+      <p:par>
+        <p:cTn xmlns:p14="http://schemas.microsoft.com/office/powerpoint/2010/main" id="1" dur="indefinite" restart="never" nodeType="tmRoot"/>
+      </p:par>
+    </p:tnLst>
+  </p:timing>
 </p:sld>
 </file>
 
@@ -4218,177 +4670,70 @@
           <a:p>
             <a:r>
               <a:rPr lang="en-US"/>
-              <a:t>Phylogenetic tree shape</a:t>
-            </a:r>
-          </a:p>
-        </p:txBody>
-      </p:sp>
-      <p:pic>
-        <p:nvPicPr>
-          <p:cNvPr id="7" name="Picture 6" descr="fig5.pdf"/>
-          <p:cNvPicPr>
-            <a:picLocks noChangeAspect="1"/>
-          </p:cNvPicPr>
-          <p:nvPr/>
-        </p:nvPicPr>
-        <p:blipFill rotWithShape="1">
-          <a:blip r:embed="rId2">
-            <a:extLst>
-              <a:ext uri="{28A0092B-C50C-407E-A947-70E740481C1C}">
-                <a14:useLocalDpi xmlns:a14="http://schemas.microsoft.com/office/drawing/2010/main" val="0"/>
-              </a:ext>
-            </a:extLst>
-          </a:blip>
-          <a:srcRect l="5313" t="2600" r="50186" b="68105"/>
-          <a:stretch/>
-        </p:blipFill>
-        <p:spPr>
-          <a:xfrm>
-            <a:off x="4896258" y="4253981"/>
-            <a:ext cx="3541340" cy="2527300"/>
-          </a:xfrm>
-          <a:prstGeom prst="rect">
-            <a:avLst/>
-          </a:prstGeom>
-        </p:spPr>
-      </p:pic>
-      <p:pic>
-        <p:nvPicPr>
-          <p:cNvPr id="9" name="Picture 8" descr="fig1_new.jpg"/>
-          <p:cNvPicPr>
-            <a:picLocks noChangeAspect="1"/>
-          </p:cNvPicPr>
-          <p:nvPr/>
-        </p:nvPicPr>
-        <p:blipFill rotWithShape="1">
-          <a:blip r:embed="rId3">
-            <a:extLst>
-              <a:ext uri="{28A0092B-C50C-407E-A947-70E740481C1C}">
-                <a14:useLocalDpi xmlns:a14="http://schemas.microsoft.com/office/drawing/2010/main" val="0"/>
-              </a:ext>
-            </a:extLst>
-          </a:blip>
-          <a:srcRect t="49753"/>
-          <a:stretch/>
-        </p:blipFill>
-        <p:spPr>
-          <a:xfrm>
-            <a:off x="259406" y="4019493"/>
-            <a:ext cx="4103361" cy="2685943"/>
-          </a:xfrm>
-          <a:prstGeom prst="rect">
-            <a:avLst/>
-          </a:prstGeom>
-          <a:solidFill>
-            <a:schemeClr val="tx1"/>
-          </a:solidFill>
-        </p:spPr>
-      </p:pic>
-      <p:pic>
-        <p:nvPicPr>
-          <p:cNvPr id="3" name="Picture 2"/>
-          <p:cNvPicPr>
-            <a:picLocks noChangeAspect="1"/>
-          </p:cNvPicPr>
-          <p:nvPr/>
-        </p:nvPicPr>
-        <p:blipFill>
-          <a:blip r:embed="rId4"/>
-          <a:stretch>
-            <a:fillRect/>
-          </a:stretch>
-        </p:blipFill>
-        <p:spPr>
-          <a:xfrm>
-            <a:off x="6366525" y="5517631"/>
-            <a:ext cx="1803400" cy="1003300"/>
-          </a:xfrm>
-          <a:prstGeom prst="rect">
-            <a:avLst/>
-          </a:prstGeom>
-        </p:spPr>
-      </p:pic>
-      <p:pic>
-        <p:nvPicPr>
-          <p:cNvPr id="4" name="Picture 3"/>
-          <p:cNvPicPr>
-            <a:picLocks noChangeAspect="1"/>
-          </p:cNvPicPr>
-          <p:nvPr/>
-        </p:nvPicPr>
-        <p:blipFill>
-          <a:blip r:embed="rId5"/>
-          <a:stretch>
-            <a:fillRect/>
-          </a:stretch>
-        </p:blipFill>
-        <p:spPr>
-          <a:xfrm>
-            <a:off x="4954960" y="1206637"/>
-            <a:ext cx="3482638" cy="2958605"/>
-          </a:xfrm>
-          <a:prstGeom prst="rect">
-            <a:avLst/>
-          </a:prstGeom>
-        </p:spPr>
-      </p:pic>
-      <p:pic>
-        <p:nvPicPr>
-          <p:cNvPr id="10" name="Picture 9" descr="fig1_new.jpg"/>
-          <p:cNvPicPr>
-            <a:picLocks noChangeAspect="1"/>
-          </p:cNvPicPr>
-          <p:nvPr/>
-        </p:nvPicPr>
-        <p:blipFill rotWithShape="1">
-          <a:blip r:embed="rId3">
-            <a:extLst>
-              <a:ext uri="{28A0092B-C50C-407E-A947-70E740481C1C}">
-                <a14:useLocalDpi xmlns:a14="http://schemas.microsoft.com/office/drawing/2010/main" val="0"/>
-              </a:ext>
-            </a:extLst>
-          </a:blip>
-          <a:srcRect t="1116" b="50585"/>
-          <a:stretch/>
-        </p:blipFill>
-        <p:spPr>
-          <a:xfrm>
-            <a:off x="259406" y="1343960"/>
-            <a:ext cx="4103361" cy="2581837"/>
-          </a:xfrm>
-          <a:prstGeom prst="rect">
-            <a:avLst/>
-          </a:prstGeom>
-          <a:solidFill>
-            <a:schemeClr val="tx1"/>
-          </a:solidFill>
-        </p:spPr>
-      </p:pic>
-      <p:sp>
-        <p:nvSpPr>
-          <p:cNvPr id="5" name="TextBox 4"/>
-          <p:cNvSpPr txBox="1"/>
-          <p:nvPr/>
-        </p:nvSpPr>
-        <p:spPr>
-          <a:xfrm rot="5400000">
-            <a:off x="8074249" y="5332965"/>
-            <a:ext cx="1225102" cy="369332"/>
-          </a:xfrm>
-          <a:prstGeom prst="rect">
-            <a:avLst/>
-          </a:prstGeom>
-          <a:noFill/>
-        </p:spPr>
-        <p:txBody>
-          <a:bodyPr wrap="none" rtlCol="0">
-            <a:spAutoFit/>
+              <a:t>Traits - Plants</a:t>
+            </a:r>
+          </a:p>
+        </p:txBody>
+      </p:sp>
+      <p:sp>
+        <p:nvSpPr>
+          <p:cNvPr id="3" name="Content Placeholder 2"/>
+          <p:cNvSpPr>
+            <a:spLocks noGrp="1"/>
+          </p:cNvSpPr>
+          <p:nvPr>
+            <p:ph idx="1"/>
+          </p:nvPr>
+        </p:nvSpPr>
+        <p:spPr>
+          <a:xfrm>
+            <a:off x="457200" y="1600200"/>
+            <a:ext cx="8229600" cy="4831086"/>
+          </a:xfrm>
+        </p:spPr>
+        <p:txBody>
+          <a:bodyPr>
+            <a:normAutofit/>
           </a:bodyPr>
           <a:lstStyle/>
           <a:p>
             <a:r>
-              <a:rPr lang="en-US"/>
-              <a:t>Modularity</a:t>
+              <a:rPr lang="en-US" sz="2800"/>
+              <a:t>Breeding system </a:t>
+            </a:r>
+          </a:p>
+          <a:p>
+            <a:pPr lvl="1"/>
+            <a:r>
+              <a:rPr lang="en-US" sz="2400"/>
+              <a:t>Gynomonoecious: less specialized, higher degree</a:t>
+            </a:r>
+          </a:p>
+          <a:p>
+            <a:pPr lvl="1"/>
+            <a:r>
+              <a:rPr lang="en-US" sz="2400"/>
+              <a:t>Hermaphrodites: more specialized, lower degree</a:t>
+            </a:r>
+          </a:p>
+          <a:p>
+            <a:r>
+              <a:rPr lang="en-US" sz="2800"/>
+              <a:t>Growth form</a:t>
+            </a:r>
+          </a:p>
+          <a:p>
+            <a:pPr lvl="1"/>
+            <a:r>
+              <a:rPr lang="en-US" sz="2400"/>
+              <a:t>Herbaceous: lower within module degree</a:t>
+            </a:r>
+          </a:p>
+          <a:p>
+            <a:pPr lvl="1"/>
+            <a:r>
+              <a:rPr lang="en-US" sz="2400"/>
+              <a:t>Woody: higher within module degree</a:t>
             </a:r>
           </a:p>
         </p:txBody>
@@ -4396,13 +4741,20 @@
     </p:spTree>
     <p:extLst>
       <p:ext uri="{BB962C8B-B14F-4D97-AF65-F5344CB8AC3E}">
-        <p14:creationId xmlns:p14="http://schemas.microsoft.com/office/powerpoint/2010/main" val="2690475177"/>
+        <p14:creationId xmlns:p14="http://schemas.microsoft.com/office/powerpoint/2010/main" val="2105391367"/>
       </p:ext>
     </p:extLst>
   </p:cSld>
   <p:clrMapOvr>
     <a:masterClrMapping/>
   </p:clrMapOvr>
+  <p:timing>
+    <p:tnLst>
+      <p:par>
+        <p:cTn xmlns:p14="http://schemas.microsoft.com/office/powerpoint/2010/main" id="1" dur="indefinite" restart="never" nodeType="tmRoot"/>
+      </p:par>
+    </p:tnLst>
+  </p:timing>
 </p:sld>
 </file>
 
@@ -4440,7 +4792,7 @@
           <a:p>
             <a:r>
               <a:rPr lang="en-US"/>
-              <a:t>Thanks to</a:t>
+              <a:t>Traits - Plants</a:t>
             </a:r>
           </a:p>
         </p:txBody>
@@ -4455,99 +4807,195 @@
             <p:ph idx="1"/>
           </p:nvPr>
         </p:nvSpPr>
-        <p:spPr/>
+        <p:spPr>
+          <a:xfrm>
+            <a:off x="457200" y="1600200"/>
+            <a:ext cx="8229600" cy="4831086"/>
+          </a:xfrm>
+        </p:spPr>
         <p:txBody>
           <a:bodyPr>
-            <a:normAutofit lnSpcReduction="10000"/>
+            <a:normAutofit fontScale="92500" lnSpcReduction="20000"/>
           </a:bodyPr>
           <a:lstStyle/>
           <a:p>
-            <a:pPr marL="0" indent="0">
-              <a:buNone/>
-            </a:pPr>
-            <a:r>
-              <a:rPr lang="en-US"/>
-              <a:t>Coauthors</a:t>
-            </a:r>
-          </a:p>
-          <a:p>
-            <a:r>
-              <a:rPr lang="en-US"/>
-              <a:t>Elizabeth Elle</a:t>
-            </a:r>
-          </a:p>
-          <a:p>
-            <a:r>
-              <a:rPr lang="en-US"/>
-              <a:t>Jana Vamosi</a:t>
-            </a:r>
-          </a:p>
-          <a:p>
-            <a:r>
-              <a:rPr lang="en-US"/>
-              <a:t>Ralph Cartar</a:t>
-            </a:r>
-          </a:p>
-          <a:p>
-            <a:r>
-              <a:rPr lang="en-US"/>
-              <a:t>Sarah Semmler</a:t>
-            </a:r>
-          </a:p>
-          <a:p>
-            <a:r>
-              <a:rPr lang="en-US"/>
-              <a:t>Anne Worley</a:t>
-            </a:r>
-          </a:p>
-          <a:p>
-            <a:endParaRPr lang="en-US"/>
-          </a:p>
-          <a:p>
-            <a:pPr marL="0" indent="0">
-              <a:buNone/>
-            </a:pPr>
-            <a:r>
-              <a:rPr lang="en-US"/>
-              <a:t>Funding:</a:t>
-            </a:r>
-          </a:p>
-        </p:txBody>
-      </p:sp>
-      <p:pic>
-        <p:nvPicPr>
-          <p:cNvPr id="5" name="Picture 4"/>
-          <p:cNvPicPr>
-            <a:picLocks noChangeAspect="1"/>
-          </p:cNvPicPr>
-          <p:nvPr/>
-        </p:nvPicPr>
-        <p:blipFill>
-          <a:blip r:embed="rId2"/>
-          <a:stretch>
-            <a:fillRect/>
-          </a:stretch>
-        </p:blipFill>
-        <p:spPr>
-          <a:xfrm>
-            <a:off x="3339822" y="5102382"/>
-            <a:ext cx="4528408" cy="1505064"/>
-          </a:xfrm>
-          <a:prstGeom prst="rect">
-            <a:avLst/>
-          </a:prstGeom>
-        </p:spPr>
-      </p:pic>
+            <a:r>
+              <a:rPr lang="en-US"/>
+              <a:t>Breeding system </a:t>
+            </a:r>
+          </a:p>
+          <a:p>
+            <a:pPr lvl="1"/>
+            <a:r>
+              <a:rPr lang="en-US"/>
+              <a:t>Gynomonoecious: less specialized, higher degree</a:t>
+            </a:r>
+          </a:p>
+          <a:p>
+            <a:pPr lvl="1"/>
+            <a:r>
+              <a:rPr lang="en-US"/>
+              <a:t>Hermaphrodites: more specialized, lower degree</a:t>
+            </a:r>
+          </a:p>
+          <a:p>
+            <a:r>
+              <a:rPr lang="en-US"/>
+              <a:t>Growth form</a:t>
+            </a:r>
+          </a:p>
+          <a:p>
+            <a:pPr lvl="1"/>
+            <a:r>
+              <a:rPr lang="en-US"/>
+              <a:t>Herbaceous: lower within module degree</a:t>
+            </a:r>
+          </a:p>
+          <a:p>
+            <a:pPr lvl="1"/>
+            <a:r>
+              <a:rPr lang="en-US"/>
+              <a:t>Woody: higher within module degree</a:t>
+            </a:r>
+          </a:p>
+          <a:p>
+            <a:r>
+              <a:rPr lang="en-US"/>
+              <a:t>Flower symmetry: </a:t>
+            </a:r>
+          </a:p>
+          <a:p>
+            <a:pPr lvl="1"/>
+            <a:r>
+              <a:rPr lang="en-US"/>
+              <a:t>Bilateral: lower within module degree, lower degree</a:t>
+            </a:r>
+          </a:p>
+          <a:p>
+            <a:pPr lvl="1"/>
+            <a:r>
+              <a:rPr lang="en-US"/>
+              <a:t>Radial:  higher within module degree, higher degree</a:t>
+            </a:r>
+          </a:p>
+          <a:p>
+            <a:r>
+              <a:rPr lang="en-US"/>
+              <a:t>Flower size: smaller flowers higher within module degree</a:t>
+            </a:r>
+          </a:p>
+        </p:txBody>
+      </p:sp>
     </p:spTree>
     <p:extLst>
       <p:ext uri="{BB962C8B-B14F-4D97-AF65-F5344CB8AC3E}">
-        <p14:creationId xmlns:p14="http://schemas.microsoft.com/office/powerpoint/2010/main" val="4241989864"/>
+        <p14:creationId xmlns:p14="http://schemas.microsoft.com/office/powerpoint/2010/main" val="282096666"/>
       </p:ext>
     </p:extLst>
   </p:cSld>
   <p:clrMapOvr>
     <a:masterClrMapping/>
   </p:clrMapOvr>
+  <p:timing>
+    <p:tnLst>
+      <p:par>
+        <p:cTn xmlns:p14="http://schemas.microsoft.com/office/powerpoint/2010/main" id="1" dur="indefinite" restart="never" nodeType="tmRoot"/>
+      </p:par>
+    </p:tnLst>
+  </p:timing>
+</p:sld>
+</file>
+
+<file path=ppt/slides/slide19.xml><?xml version="1.0" encoding="utf-8"?>
+<p:sld xmlns:a="http://schemas.openxmlformats.org/drawingml/2006/main" xmlns:r="http://schemas.openxmlformats.org/officeDocument/2006/relationships" xmlns:p="http://schemas.openxmlformats.org/presentationml/2006/main">
+  <p:cSld>
+    <p:spTree>
+      <p:nvGrpSpPr>
+        <p:cNvPr id="1" name=""/>
+        <p:cNvGrpSpPr/>
+        <p:nvPr/>
+      </p:nvGrpSpPr>
+      <p:grpSpPr>
+        <a:xfrm>
+          <a:off x="0" y="0"/>
+          <a:ext cx="0" cy="0"/>
+          <a:chOff x="0" y="0"/>
+          <a:chExt cx="0" cy="0"/>
+        </a:xfrm>
+      </p:grpSpPr>
+      <p:sp>
+        <p:nvSpPr>
+          <p:cNvPr id="2" name="Title 1"/>
+          <p:cNvSpPr>
+            <a:spLocks noGrp="1"/>
+          </p:cNvSpPr>
+          <p:nvPr>
+            <p:ph type="title"/>
+          </p:nvPr>
+        </p:nvSpPr>
+        <p:spPr/>
+        <p:txBody>
+          <a:bodyPr/>
+          <a:lstStyle/>
+          <a:p>
+            <a:r>
+              <a:rPr lang="en-US"/>
+              <a:t>Network level</a:t>
+            </a:r>
+          </a:p>
+        </p:txBody>
+      </p:sp>
+      <p:sp>
+        <p:nvSpPr>
+          <p:cNvPr id="3" name="Content Placeholder 2"/>
+          <p:cNvSpPr>
+            <a:spLocks noGrp="1"/>
+          </p:cNvSpPr>
+          <p:nvPr>
+            <p:ph idx="1"/>
+          </p:nvPr>
+        </p:nvSpPr>
+        <p:spPr/>
+        <p:txBody>
+          <a:bodyPr/>
+          <a:lstStyle/>
+          <a:p>
+            <a:pPr marL="0" indent="0" algn="ctr">
+              <a:buNone/>
+            </a:pPr>
+            <a:r>
+              <a:rPr lang="en-US"/>
+              <a:t>network structure ~ </a:t>
+            </a:r>
+          </a:p>
+          <a:p>
+            <a:pPr marL="0" indent="0" algn="ctr">
+              <a:buNone/>
+            </a:pPr>
+            <a:r>
+              <a:rPr lang="en-US"/>
+              <a:t>FDisPO + FDisPL + MPDPO + MPDPL</a:t>
+            </a:r>
+          </a:p>
+        </p:txBody>
+      </p:sp>
+    </p:spTree>
+    <p:extLst>
+      <p:ext uri="{BB962C8B-B14F-4D97-AF65-F5344CB8AC3E}">
+        <p14:creationId xmlns:p14="http://schemas.microsoft.com/office/powerpoint/2010/main" val="2707383410"/>
+      </p:ext>
+    </p:extLst>
+  </p:cSld>
+  <p:clrMapOvr>
+    <a:masterClrMapping/>
+  </p:clrMapOvr>
+  <p:timing>
+    <p:tnLst>
+      <p:par>
+        <p:cTn xmlns:p14="http://schemas.microsoft.com/office/powerpoint/2010/main" id="1" dur="indefinite" restart="never" nodeType="tmRoot"/>
+      </p:par>
+    </p:tnLst>
+  </p:timing>
 </p:sld>
 </file>
 
@@ -4649,6 +5097,1719 @@
     <p:extLst>
       <p:ext uri="{BB962C8B-B14F-4D97-AF65-F5344CB8AC3E}">
         <p14:creationId xmlns:p14="http://schemas.microsoft.com/office/powerpoint/2010/main" val="2891497612"/>
+      </p:ext>
+    </p:extLst>
+  </p:cSld>
+  <p:clrMapOvr>
+    <a:masterClrMapping/>
+  </p:clrMapOvr>
+  <p:timing>
+    <p:tnLst>
+      <p:par>
+        <p:cTn xmlns:p14="http://schemas.microsoft.com/office/powerpoint/2010/main" id="1" dur="indefinite" restart="never" nodeType="tmRoot"/>
+      </p:par>
+    </p:tnLst>
+  </p:timing>
+</p:sld>
+</file>
+
+<file path=ppt/slides/slide20.xml><?xml version="1.0" encoding="utf-8"?>
+<p:sld xmlns:a="http://schemas.openxmlformats.org/drawingml/2006/main" xmlns:r="http://schemas.openxmlformats.org/officeDocument/2006/relationships" xmlns:p="http://schemas.openxmlformats.org/presentationml/2006/main">
+  <p:cSld>
+    <p:spTree>
+      <p:nvGrpSpPr>
+        <p:cNvPr id="1" name=""/>
+        <p:cNvGrpSpPr/>
+        <p:nvPr/>
+      </p:nvGrpSpPr>
+      <p:grpSpPr>
+        <a:xfrm>
+          <a:off x="0" y="0"/>
+          <a:ext cx="0" cy="0"/>
+          <a:chOff x="0" y="0"/>
+          <a:chExt cx="0" cy="0"/>
+        </a:xfrm>
+      </p:grpSpPr>
+      <p:sp>
+        <p:nvSpPr>
+          <p:cNvPr id="2" name="Title 1"/>
+          <p:cNvSpPr>
+            <a:spLocks noGrp="1"/>
+          </p:cNvSpPr>
+          <p:nvPr>
+            <p:ph type="title"/>
+          </p:nvPr>
+        </p:nvSpPr>
+        <p:spPr/>
+        <p:txBody>
+          <a:bodyPr/>
+          <a:lstStyle/>
+          <a:p>
+            <a:r>
+              <a:rPr lang="en-US"/>
+              <a:t>Network level</a:t>
+            </a:r>
+          </a:p>
+        </p:txBody>
+      </p:sp>
+      <p:sp>
+        <p:nvSpPr>
+          <p:cNvPr id="3" name="Content Placeholder 2"/>
+          <p:cNvSpPr>
+            <a:spLocks noGrp="1"/>
+          </p:cNvSpPr>
+          <p:nvPr>
+            <p:ph idx="1"/>
+          </p:nvPr>
+        </p:nvSpPr>
+        <p:spPr/>
+        <p:txBody>
+          <a:bodyPr/>
+          <a:lstStyle/>
+          <a:p>
+            <a:pPr marL="0" indent="0" algn="ctr">
+              <a:buNone/>
+            </a:pPr>
+            <a:r>
+              <a:rPr lang="en-US"/>
+              <a:t>network structure ~ </a:t>
+            </a:r>
+          </a:p>
+          <a:p>
+            <a:pPr marL="0" indent="0" algn="ctr">
+              <a:buNone/>
+            </a:pPr>
+            <a:r>
+              <a:rPr lang="en-US"/>
+              <a:t>FDisPO + FDisPL + MPDPO + MPDPL</a:t>
+            </a:r>
+          </a:p>
+        </p:txBody>
+      </p:sp>
+      <p:pic>
+        <p:nvPicPr>
+          <p:cNvPr id="4" name="Picture 3" descr="scottmac:Users:scottmac2:Dropbox:CANPOLIN_networks_ms:canpolin_manuscript:figures:Rplot03.pdf"/>
+          <p:cNvPicPr/>
+          <p:nvPr/>
+        </p:nvPicPr>
+        <p:blipFill rotWithShape="1">
+          <a:blip r:embed="rId2">
+            <a:extLst>
+              <a:ext uri="{28A0092B-C50C-407E-A947-70E740481C1C}">
+                <a14:useLocalDpi xmlns:a14="http://schemas.microsoft.com/office/drawing/2010/main" val="0"/>
+              </a:ext>
+            </a:extLst>
+          </a:blip>
+          <a:srcRect b="55503"/>
+          <a:stretch/>
+        </p:blipFill>
+        <p:spPr bwMode="auto">
+          <a:xfrm>
+            <a:off x="704079" y="3308850"/>
+            <a:ext cx="3657600" cy="2190366"/>
+          </a:xfrm>
+          <a:prstGeom prst="rect">
+            <a:avLst/>
+          </a:prstGeom>
+          <a:noFill/>
+          <a:ln>
+            <a:noFill/>
+          </a:ln>
+        </p:spPr>
+      </p:pic>
+      <p:pic>
+        <p:nvPicPr>
+          <p:cNvPr id="5" name="Picture 4" descr="scottmac:Users:scottmac2:Dropbox:CANPOLIN_networks_ms:canpolin_manuscript:figures:Rplot03.pdf"/>
+          <p:cNvPicPr/>
+          <p:nvPr/>
+        </p:nvPicPr>
+        <p:blipFill rotWithShape="1">
+          <a:blip r:embed="rId2">
+            <a:extLst>
+              <a:ext uri="{28A0092B-C50C-407E-A947-70E740481C1C}">
+                <a14:useLocalDpi xmlns:a14="http://schemas.microsoft.com/office/drawing/2010/main" val="0"/>
+              </a:ext>
+            </a:extLst>
+          </a:blip>
+          <a:srcRect t="50874" b="7707"/>
+          <a:stretch/>
+        </p:blipFill>
+        <p:spPr bwMode="auto">
+          <a:xfrm>
+            <a:off x="4525973" y="3308850"/>
+            <a:ext cx="3980073" cy="2190366"/>
+          </a:xfrm>
+          <a:prstGeom prst="rect">
+            <a:avLst/>
+          </a:prstGeom>
+          <a:noFill/>
+          <a:ln>
+            <a:noFill/>
+          </a:ln>
+        </p:spPr>
+      </p:pic>
+      <p:sp>
+        <p:nvSpPr>
+          <p:cNvPr id="6" name="TextBox 5"/>
+          <p:cNvSpPr txBox="1"/>
+          <p:nvPr/>
+        </p:nvSpPr>
+        <p:spPr>
+          <a:xfrm>
+            <a:off x="2777699" y="5626208"/>
+            <a:ext cx="3655831" cy="369332"/>
+          </a:xfrm>
+          <a:prstGeom prst="rect">
+            <a:avLst/>
+          </a:prstGeom>
+          <a:noFill/>
+        </p:spPr>
+        <p:txBody>
+          <a:bodyPr wrap="none" rtlCol="0">
+            <a:spAutoFit/>
+          </a:bodyPr>
+          <a:lstStyle/>
+          <a:p>
+            <a:r>
+              <a:rPr lang="en-US"/>
+              <a:t>Pollinator Functional Trait Dispersion</a:t>
+            </a:r>
+          </a:p>
+        </p:txBody>
+      </p:sp>
+    </p:spTree>
+    <p:extLst>
+      <p:ext uri="{BB962C8B-B14F-4D97-AF65-F5344CB8AC3E}">
+        <p14:creationId xmlns:p14="http://schemas.microsoft.com/office/powerpoint/2010/main" val="115129914"/>
+      </p:ext>
+    </p:extLst>
+  </p:cSld>
+  <p:clrMapOvr>
+    <a:masterClrMapping/>
+  </p:clrMapOvr>
+  <p:timing>
+    <p:tnLst>
+      <p:par>
+        <p:cTn xmlns:p14="http://schemas.microsoft.com/office/powerpoint/2010/main" id="1" dur="indefinite" restart="never" nodeType="tmRoot"/>
+      </p:par>
+    </p:tnLst>
+  </p:timing>
+</p:sld>
+</file>
+
+<file path=ppt/slides/slide21.xml><?xml version="1.0" encoding="utf-8"?>
+<p:sld xmlns:a="http://schemas.openxmlformats.org/drawingml/2006/main" xmlns:r="http://schemas.openxmlformats.org/officeDocument/2006/relationships" xmlns:p="http://schemas.openxmlformats.org/presentationml/2006/main">
+  <p:cSld>
+    <p:spTree>
+      <p:nvGrpSpPr>
+        <p:cNvPr id="1" name=""/>
+        <p:cNvGrpSpPr/>
+        <p:nvPr/>
+      </p:nvGrpSpPr>
+      <p:grpSpPr>
+        <a:xfrm>
+          <a:off x="0" y="0"/>
+          <a:ext cx="0" cy="0"/>
+          <a:chOff x="0" y="0"/>
+          <a:chExt cx="0" cy="0"/>
+        </a:xfrm>
+      </p:grpSpPr>
+      <p:sp>
+        <p:nvSpPr>
+          <p:cNvPr id="2" name="Title 1"/>
+          <p:cNvSpPr>
+            <a:spLocks noGrp="1"/>
+          </p:cNvSpPr>
+          <p:nvPr>
+            <p:ph type="title"/>
+          </p:nvPr>
+        </p:nvSpPr>
+        <p:spPr/>
+        <p:txBody>
+          <a:bodyPr/>
+          <a:lstStyle/>
+          <a:p>
+            <a:r>
+              <a:rPr lang="en-US"/>
+              <a:t>Conclusion</a:t>
+            </a:r>
+          </a:p>
+        </p:txBody>
+      </p:sp>
+      <p:sp>
+        <p:nvSpPr>
+          <p:cNvPr id="3" name="Content Placeholder 2"/>
+          <p:cNvSpPr>
+            <a:spLocks noGrp="1"/>
+          </p:cNvSpPr>
+          <p:nvPr>
+            <p:ph idx="1"/>
+          </p:nvPr>
+        </p:nvSpPr>
+        <p:spPr>
+          <a:xfrm>
+            <a:off x="457200" y="1193513"/>
+            <a:ext cx="8229600" cy="5440362"/>
+          </a:xfrm>
+        </p:spPr>
+        <p:txBody>
+          <a:bodyPr>
+            <a:normAutofit/>
+          </a:bodyPr>
+          <a:lstStyle/>
+          <a:p>
+            <a:r>
+              <a:rPr lang="en-US"/>
+              <a:t>Species level</a:t>
+            </a:r>
+          </a:p>
+          <a:p>
+            <a:pPr lvl="1"/>
+            <a:r>
+              <a:rPr lang="en-US"/>
+              <a:t>Sociality important in pollinators</a:t>
+            </a:r>
+          </a:p>
+          <a:p>
+            <a:pPr lvl="1"/>
+            <a:r>
+              <a:rPr lang="en-US"/>
+              <a:t>Mating systems, flower symmetry &amp; growth form important in plants</a:t>
+            </a:r>
+          </a:p>
+          <a:p>
+            <a:endParaRPr lang="en-US"/>
+          </a:p>
+          <a:p>
+            <a:r>
+              <a:rPr lang="en-US"/>
+              <a:t>Network level</a:t>
+            </a:r>
+          </a:p>
+          <a:p>
+            <a:pPr lvl="1"/>
+            <a:r>
+              <a:rPr lang="en-US"/>
+              <a:t>At network level, </a:t>
+            </a:r>
+            <a:r>
+              <a:rPr lang="en-US">
+                <a:latin typeface="Wingdings"/>
+                <a:ea typeface="Wingdings"/>
+                <a:cs typeface="Wingdings"/>
+                <a:sym typeface="Wingdings"/>
+              </a:rPr>
+              <a:t> </a:t>
+            </a:r>
+            <a:r>
+              <a:rPr lang="en-US"/>
+              <a:t>pollinator functional diversity w/ </a:t>
+            </a:r>
+            <a:r>
+              <a:rPr lang="en-US">
+                <a:latin typeface="Wingdings"/>
+                <a:ea typeface="Wingdings"/>
+                <a:cs typeface="Wingdings"/>
+                <a:sym typeface="Wingdings"/>
+              </a:rPr>
+              <a:t> </a:t>
+            </a:r>
+            <a:r>
+              <a:rPr lang="en-US"/>
+              <a:t>modularity &amp; </a:t>
+            </a:r>
+            <a:r>
+              <a:rPr lang="en-US">
+                <a:latin typeface="Wingdings"/>
+                <a:ea typeface="Wingdings"/>
+                <a:cs typeface="Wingdings"/>
+                <a:sym typeface="Wingdings"/>
+              </a:rPr>
+              <a:t></a:t>
+            </a:r>
+            <a:r>
+              <a:rPr lang="en-US"/>
+              <a:t> connectance</a:t>
+            </a:r>
+          </a:p>
+          <a:p>
+            <a:pPr lvl="1"/>
+            <a:r>
+              <a:rPr lang="en-US"/>
+              <a:t>Pollinator traits bigger drivers of network structure relative to plants</a:t>
+            </a:r>
+          </a:p>
+        </p:txBody>
+      </p:sp>
+    </p:spTree>
+    <p:extLst>
+      <p:ext uri="{BB962C8B-B14F-4D97-AF65-F5344CB8AC3E}">
+        <p14:creationId xmlns:p14="http://schemas.microsoft.com/office/powerpoint/2010/main" val="4283966524"/>
+      </p:ext>
+    </p:extLst>
+  </p:cSld>
+  <p:clrMapOvr>
+    <a:masterClrMapping/>
+  </p:clrMapOvr>
+  <p:timing>
+    <p:tnLst>
+      <p:par>
+        <p:cTn xmlns:p14="http://schemas.microsoft.com/office/powerpoint/2010/main" id="1" dur="indefinite" restart="never" nodeType="tmRoot"/>
+      </p:par>
+    </p:tnLst>
+  </p:timing>
+</p:sld>
+</file>
+
+<file path=ppt/slides/slide22.xml><?xml version="1.0" encoding="utf-8"?>
+<p:sld xmlns:a="http://schemas.openxmlformats.org/drawingml/2006/main" xmlns:r="http://schemas.openxmlformats.org/officeDocument/2006/relationships" xmlns:p="http://schemas.openxmlformats.org/presentationml/2006/main">
+  <p:cSld>
+    <p:spTree>
+      <p:nvGrpSpPr>
+        <p:cNvPr id="1" name=""/>
+        <p:cNvGrpSpPr/>
+        <p:nvPr/>
+      </p:nvGrpSpPr>
+      <p:grpSpPr>
+        <a:xfrm>
+          <a:off x="0" y="0"/>
+          <a:ext cx="0" cy="0"/>
+          <a:chOff x="0" y="0"/>
+          <a:chExt cx="0" cy="0"/>
+        </a:xfrm>
+      </p:grpSpPr>
+      <p:sp>
+        <p:nvSpPr>
+          <p:cNvPr id="2" name="Title 1"/>
+          <p:cNvSpPr>
+            <a:spLocks noGrp="1"/>
+          </p:cNvSpPr>
+          <p:nvPr>
+            <p:ph type="title"/>
+          </p:nvPr>
+        </p:nvSpPr>
+        <p:spPr/>
+        <p:txBody>
+          <a:bodyPr/>
+          <a:lstStyle/>
+          <a:p>
+            <a:r>
+              <a:rPr lang="en-US"/>
+              <a:t>Phenology</a:t>
+            </a:r>
+          </a:p>
+        </p:txBody>
+      </p:sp>
+      <p:sp>
+        <p:nvSpPr>
+          <p:cNvPr id="3" name="Content Placeholder 2"/>
+          <p:cNvSpPr>
+            <a:spLocks noGrp="1"/>
+          </p:cNvSpPr>
+          <p:nvPr>
+            <p:ph idx="1"/>
+          </p:nvPr>
+        </p:nvSpPr>
+        <p:spPr/>
+        <p:txBody>
+          <a:bodyPr/>
+          <a:lstStyle/>
+          <a:p>
+            <a:r>
+              <a:rPr lang="en-US"/>
+              <a:t>Species vary in when they start flowering (plants) and start flying (pollinators)</a:t>
+            </a:r>
+          </a:p>
+          <a:p>
+            <a:endParaRPr lang="en-US"/>
+          </a:p>
+          <a:p>
+            <a:r>
+              <a:rPr lang="en-US"/>
+              <a:t>Variation among species can lead to changes in network structure</a:t>
+            </a:r>
+          </a:p>
+        </p:txBody>
+      </p:sp>
+    </p:spTree>
+    <p:extLst>
+      <p:ext uri="{BB962C8B-B14F-4D97-AF65-F5344CB8AC3E}">
+        <p14:creationId xmlns:p14="http://schemas.microsoft.com/office/powerpoint/2010/main" val="578812740"/>
+      </p:ext>
+    </p:extLst>
+  </p:cSld>
+  <p:clrMapOvr>
+    <a:masterClrMapping/>
+  </p:clrMapOvr>
+  <p:timing>
+    <p:tnLst>
+      <p:par>
+        <p:cTn xmlns:p14="http://schemas.microsoft.com/office/powerpoint/2010/main" id="1" dur="indefinite" restart="never" nodeType="tmRoot"/>
+      </p:par>
+    </p:tnLst>
+  </p:timing>
+</p:sld>
+</file>
+
+<file path=ppt/slides/slide23.xml><?xml version="1.0" encoding="utf-8"?>
+<p:sld xmlns:a="http://schemas.openxmlformats.org/drawingml/2006/main" xmlns:r="http://schemas.openxmlformats.org/officeDocument/2006/relationships" xmlns:p="http://schemas.openxmlformats.org/presentationml/2006/main">
+  <p:cSld>
+    <p:spTree>
+      <p:nvGrpSpPr>
+        <p:cNvPr id="1" name=""/>
+        <p:cNvGrpSpPr/>
+        <p:nvPr/>
+      </p:nvGrpSpPr>
+      <p:grpSpPr>
+        <a:xfrm>
+          <a:off x="0" y="0"/>
+          <a:ext cx="0" cy="0"/>
+          <a:chOff x="0" y="0"/>
+          <a:chExt cx="0" cy="0"/>
+        </a:xfrm>
+      </p:grpSpPr>
+      <p:pic>
+        <p:nvPicPr>
+          <p:cNvPr id="5" name="Picture 4" descr="phenology_Fig1.pdf"/>
+          <p:cNvPicPr>
+            <a:picLocks noChangeAspect="1"/>
+          </p:cNvPicPr>
+          <p:nvPr/>
+        </p:nvPicPr>
+        <p:blipFill>
+          <a:blip r:embed="rId2">
+            <a:extLst>
+              <a:ext uri="{28A0092B-C50C-407E-A947-70E740481C1C}">
+                <a14:useLocalDpi xmlns:a14="http://schemas.microsoft.com/office/drawing/2010/main" val="0"/>
+              </a:ext>
+            </a:extLst>
+          </a:blip>
+          <a:stretch>
+            <a:fillRect/>
+          </a:stretch>
+        </p:blipFill>
+        <p:spPr>
+          <a:xfrm>
+            <a:off x="499686" y="147620"/>
+            <a:ext cx="8140723" cy="6512578"/>
+          </a:xfrm>
+          <a:prstGeom prst="rect">
+            <a:avLst/>
+          </a:prstGeom>
+        </p:spPr>
+      </p:pic>
+    </p:spTree>
+    <p:extLst>
+      <p:ext uri="{BB962C8B-B14F-4D97-AF65-F5344CB8AC3E}">
+        <p14:creationId xmlns:p14="http://schemas.microsoft.com/office/powerpoint/2010/main" val="1978570953"/>
+      </p:ext>
+    </p:extLst>
+  </p:cSld>
+  <p:clrMapOvr>
+    <a:masterClrMapping/>
+  </p:clrMapOvr>
+  <p:timing>
+    <p:tnLst>
+      <p:par>
+        <p:cTn xmlns:p14="http://schemas.microsoft.com/office/powerpoint/2010/main" id="1" dur="indefinite" restart="never" nodeType="tmRoot"/>
+      </p:par>
+    </p:tnLst>
+  </p:timing>
+</p:sld>
+</file>
+
+<file path=ppt/slides/slide24.xml><?xml version="1.0" encoding="utf-8"?>
+<p:sld xmlns:a="http://schemas.openxmlformats.org/drawingml/2006/main" xmlns:r="http://schemas.openxmlformats.org/officeDocument/2006/relationships" xmlns:p="http://schemas.openxmlformats.org/presentationml/2006/main">
+  <p:cSld>
+    <p:spTree>
+      <p:nvGrpSpPr>
+        <p:cNvPr id="1" name=""/>
+        <p:cNvGrpSpPr/>
+        <p:nvPr/>
+      </p:nvGrpSpPr>
+      <p:grpSpPr>
+        <a:xfrm>
+          <a:off x="0" y="0"/>
+          <a:ext cx="0" cy="0"/>
+          <a:chOff x="0" y="0"/>
+          <a:chExt cx="0" cy="0"/>
+        </a:xfrm>
+      </p:grpSpPr>
+      <p:sp>
+        <p:nvSpPr>
+          <p:cNvPr id="2" name="Title 1"/>
+          <p:cNvSpPr>
+            <a:spLocks noGrp="1"/>
+          </p:cNvSpPr>
+          <p:nvPr>
+            <p:ph type="title"/>
+          </p:nvPr>
+        </p:nvSpPr>
+        <p:spPr>
+          <a:xfrm>
+            <a:off x="419847" y="274638"/>
+            <a:ext cx="8535061" cy="724782"/>
+          </a:xfrm>
+        </p:spPr>
+        <p:txBody>
+          <a:bodyPr>
+            <a:normAutofit fontScale="90000"/>
+          </a:bodyPr>
+          <a:lstStyle/>
+          <a:p>
+            <a:r>
+              <a:rPr lang="en-US"/>
+              <a:t>Phenology is associated with structures</a:t>
+            </a:r>
+          </a:p>
+        </p:txBody>
+      </p:sp>
+      <p:pic>
+        <p:nvPicPr>
+          <p:cNvPr id="3" name="Picture 2" descr="poll_deg_by_days.png"/>
+          <p:cNvPicPr>
+            <a:picLocks noChangeAspect="1"/>
+          </p:cNvPicPr>
+          <p:nvPr/>
+        </p:nvPicPr>
+        <p:blipFill>
+          <a:blip r:embed="rId2">
+            <a:extLst>
+              <a:ext uri="{28A0092B-C50C-407E-A947-70E740481C1C}">
+                <a14:useLocalDpi xmlns:a14="http://schemas.microsoft.com/office/drawing/2010/main" val="0"/>
+              </a:ext>
+            </a:extLst>
+          </a:blip>
+          <a:stretch>
+            <a:fillRect/>
+          </a:stretch>
+        </p:blipFill>
+        <p:spPr>
+          <a:xfrm>
+            <a:off x="755795" y="999420"/>
+            <a:ext cx="7637830" cy="5440362"/>
+          </a:xfrm>
+          <a:prstGeom prst="rect">
+            <a:avLst/>
+          </a:prstGeom>
+        </p:spPr>
+      </p:pic>
+    </p:spTree>
+    <p:extLst>
+      <p:ext uri="{BB962C8B-B14F-4D97-AF65-F5344CB8AC3E}">
+        <p14:creationId xmlns:p14="http://schemas.microsoft.com/office/powerpoint/2010/main" val="1800011334"/>
+      </p:ext>
+    </p:extLst>
+  </p:cSld>
+  <p:clrMapOvr>
+    <a:masterClrMapping/>
+  </p:clrMapOvr>
+</p:sld>
+</file>
+
+<file path=ppt/slides/slide25.xml><?xml version="1.0" encoding="utf-8"?>
+<p:sld xmlns:a="http://schemas.openxmlformats.org/drawingml/2006/main" xmlns:r="http://schemas.openxmlformats.org/officeDocument/2006/relationships" xmlns:p="http://schemas.openxmlformats.org/presentationml/2006/main">
+  <p:cSld>
+    <p:spTree>
+      <p:nvGrpSpPr>
+        <p:cNvPr id="1" name=""/>
+        <p:cNvGrpSpPr/>
+        <p:nvPr/>
+      </p:nvGrpSpPr>
+      <p:grpSpPr>
+        <a:xfrm>
+          <a:off x="0" y="0"/>
+          <a:ext cx="0" cy="0"/>
+          <a:chOff x="0" y="0"/>
+          <a:chExt cx="0" cy="0"/>
+        </a:xfrm>
+      </p:grpSpPr>
+      <p:sp>
+        <p:nvSpPr>
+          <p:cNvPr id="2" name="Title 1"/>
+          <p:cNvSpPr>
+            <a:spLocks noGrp="1"/>
+          </p:cNvSpPr>
+          <p:nvPr>
+            <p:ph type="title"/>
+          </p:nvPr>
+        </p:nvSpPr>
+        <p:spPr>
+          <a:xfrm>
+            <a:off x="457200" y="274638"/>
+            <a:ext cx="8229600" cy="565832"/>
+          </a:xfrm>
+        </p:spPr>
+        <p:txBody>
+          <a:bodyPr>
+            <a:normAutofit fontScale="90000"/>
+          </a:bodyPr>
+          <a:lstStyle/>
+          <a:p>
+            <a:r>
+              <a:rPr lang="en-US"/>
+              <a:t>Robustness differs among groups</a:t>
+            </a:r>
+          </a:p>
+        </p:txBody>
+      </p:sp>
+      <p:pic>
+        <p:nvPicPr>
+          <p:cNvPr id="3" name="Picture 2" descr="Fig3.pdf"/>
+          <p:cNvPicPr>
+            <a:picLocks noChangeAspect="1"/>
+          </p:cNvPicPr>
+          <p:nvPr/>
+        </p:nvPicPr>
+        <p:blipFill>
+          <a:blip r:embed="rId2">
+            <a:extLst>
+              <a:ext uri="{28A0092B-C50C-407E-A947-70E740481C1C}">
+                <a14:useLocalDpi xmlns:a14="http://schemas.microsoft.com/office/drawing/2010/main" val="0"/>
+              </a:ext>
+            </a:extLst>
+          </a:blip>
+          <a:stretch>
+            <a:fillRect/>
+          </a:stretch>
+        </p:blipFill>
+        <p:spPr>
+          <a:xfrm>
+            <a:off x="811990" y="968187"/>
+            <a:ext cx="7526526" cy="5644895"/>
+          </a:xfrm>
+          <a:prstGeom prst="rect">
+            <a:avLst/>
+          </a:prstGeom>
+        </p:spPr>
+      </p:pic>
+    </p:spTree>
+    <p:extLst>
+      <p:ext uri="{BB962C8B-B14F-4D97-AF65-F5344CB8AC3E}">
+        <p14:creationId xmlns:p14="http://schemas.microsoft.com/office/powerpoint/2010/main" val="3789108154"/>
+      </p:ext>
+    </p:extLst>
+  </p:cSld>
+  <p:clrMapOvr>
+    <a:masterClrMapping/>
+  </p:clrMapOvr>
+  <p:timing>
+    <p:tnLst>
+      <p:par>
+        <p:cTn xmlns:p14="http://schemas.microsoft.com/office/powerpoint/2010/main" id="1" dur="indefinite" restart="never" nodeType="tmRoot"/>
+      </p:par>
+    </p:tnLst>
+  </p:timing>
+</p:sld>
+</file>
+
+<file path=ppt/slides/slide26.xml><?xml version="1.0" encoding="utf-8"?>
+<p:sld xmlns:a="http://schemas.openxmlformats.org/drawingml/2006/main" xmlns:r="http://schemas.openxmlformats.org/officeDocument/2006/relationships" xmlns:p="http://schemas.openxmlformats.org/presentationml/2006/main">
+  <p:cSld>
+    <p:spTree>
+      <p:nvGrpSpPr>
+        <p:cNvPr id="1" name=""/>
+        <p:cNvGrpSpPr/>
+        <p:nvPr/>
+      </p:nvGrpSpPr>
+      <p:grpSpPr>
+        <a:xfrm>
+          <a:off x="0" y="0"/>
+          <a:ext cx="0" cy="0"/>
+          <a:chOff x="0" y="0"/>
+          <a:chExt cx="0" cy="0"/>
+        </a:xfrm>
+      </p:grpSpPr>
+      <p:sp>
+        <p:nvSpPr>
+          <p:cNvPr id="2" name="Title 1"/>
+          <p:cNvSpPr>
+            <a:spLocks noGrp="1"/>
+          </p:cNvSpPr>
+          <p:nvPr>
+            <p:ph type="title"/>
+          </p:nvPr>
+        </p:nvSpPr>
+        <p:spPr/>
+        <p:txBody>
+          <a:bodyPr/>
+          <a:lstStyle/>
+          <a:p>
+            <a:r>
+              <a:rPr lang="en-US"/>
+              <a:t>Phylogenetic tree shape</a:t>
+            </a:r>
+          </a:p>
+        </p:txBody>
+      </p:sp>
+      <p:sp>
+        <p:nvSpPr>
+          <p:cNvPr id="3" name="Content Placeholder 2"/>
+          <p:cNvSpPr>
+            <a:spLocks noGrp="1"/>
+          </p:cNvSpPr>
+          <p:nvPr>
+            <p:ph idx="1"/>
+          </p:nvPr>
+        </p:nvSpPr>
+        <p:spPr/>
+        <p:txBody>
+          <a:bodyPr/>
+          <a:lstStyle/>
+          <a:p>
+            <a:r>
+              <a:rPr lang="en-US"/>
+              <a:t>Shape easily measured</a:t>
+            </a:r>
+          </a:p>
+          <a:p>
+            <a:endParaRPr lang="en-US"/>
+          </a:p>
+          <a:p>
+            <a:r>
+              <a:rPr lang="en-US"/>
+              <a:t>Metrics represent whether </a:t>
+            </a:r>
+          </a:p>
+          <a:p>
+            <a:pPr lvl="1"/>
+            <a:r>
+              <a:rPr lang="en-US"/>
+              <a:t>Branching events recent or old</a:t>
+            </a:r>
+          </a:p>
+          <a:p>
+            <a:pPr lvl="1"/>
+            <a:r>
+              <a:rPr lang="en-US"/>
+              <a:t>Branching events even across tree, or some groups speciate more than others</a:t>
+            </a:r>
+          </a:p>
+          <a:p>
+            <a:pPr lvl="1"/>
+            <a:endParaRPr lang="en-US"/>
+          </a:p>
+          <a:p>
+            <a:r>
+              <a:rPr lang="en-US"/>
+              <a:t>Shape could influence who interacts with who</a:t>
+            </a:r>
+          </a:p>
+        </p:txBody>
+      </p:sp>
+    </p:spTree>
+    <p:extLst>
+      <p:ext uri="{BB962C8B-B14F-4D97-AF65-F5344CB8AC3E}">
+        <p14:creationId xmlns:p14="http://schemas.microsoft.com/office/powerpoint/2010/main" val="2900345323"/>
+      </p:ext>
+    </p:extLst>
+  </p:cSld>
+  <p:clrMapOvr>
+    <a:masterClrMapping/>
+  </p:clrMapOvr>
+  <p:timing>
+    <p:tnLst>
+      <p:par>
+        <p:cTn xmlns:p14="http://schemas.microsoft.com/office/powerpoint/2010/main" id="1" dur="indefinite" restart="never" nodeType="tmRoot"/>
+      </p:par>
+    </p:tnLst>
+  </p:timing>
+</p:sld>
+</file>
+
+<file path=ppt/slides/slide27.xml><?xml version="1.0" encoding="utf-8"?>
+<p:sld xmlns:a="http://schemas.openxmlformats.org/drawingml/2006/main" xmlns:r="http://schemas.openxmlformats.org/officeDocument/2006/relationships" xmlns:p="http://schemas.openxmlformats.org/presentationml/2006/main">
+  <p:cSld>
+    <p:spTree>
+      <p:nvGrpSpPr>
+        <p:cNvPr id="1" name=""/>
+        <p:cNvGrpSpPr/>
+        <p:nvPr/>
+      </p:nvGrpSpPr>
+      <p:grpSpPr>
+        <a:xfrm>
+          <a:off x="0" y="0"/>
+          <a:ext cx="0" cy="0"/>
+          <a:chOff x="0" y="0"/>
+          <a:chExt cx="0" cy="0"/>
+        </a:xfrm>
+      </p:grpSpPr>
+      <p:sp>
+        <p:nvSpPr>
+          <p:cNvPr id="2" name="Title 1"/>
+          <p:cNvSpPr>
+            <a:spLocks noGrp="1"/>
+          </p:cNvSpPr>
+          <p:nvPr>
+            <p:ph type="title"/>
+          </p:nvPr>
+        </p:nvSpPr>
+        <p:spPr/>
+        <p:txBody>
+          <a:bodyPr>
+            <a:normAutofit fontScale="90000"/>
+          </a:bodyPr>
+          <a:lstStyle/>
+          <a:p>
+            <a:r>
+              <a:rPr lang="en-US"/>
+              <a:t>Shape correlated with network structure</a:t>
+            </a:r>
+          </a:p>
+        </p:txBody>
+      </p:sp>
+      <p:pic>
+        <p:nvPicPr>
+          <p:cNvPr id="4" name="Picture 3"/>
+          <p:cNvPicPr>
+            <a:picLocks noChangeAspect="1"/>
+          </p:cNvPicPr>
+          <p:nvPr/>
+        </p:nvPicPr>
+        <p:blipFill>
+          <a:blip r:embed="rId2"/>
+          <a:stretch>
+            <a:fillRect/>
+          </a:stretch>
+        </p:blipFill>
+        <p:spPr>
+          <a:xfrm>
+            <a:off x="5020324" y="2159169"/>
+            <a:ext cx="3482638" cy="2958605"/>
+          </a:xfrm>
+          <a:prstGeom prst="rect">
+            <a:avLst/>
+          </a:prstGeom>
+        </p:spPr>
+      </p:pic>
+      <p:pic>
+        <p:nvPicPr>
+          <p:cNvPr id="11" name="Picture 10" descr="fig1_new.jpg"/>
+          <p:cNvPicPr>
+            <a:picLocks noChangeAspect="1"/>
+          </p:cNvPicPr>
+          <p:nvPr/>
+        </p:nvPicPr>
+        <p:blipFill rotWithShape="1">
+          <a:blip r:embed="rId3">
+            <a:extLst>
+              <a:ext uri="{28A0092B-C50C-407E-A947-70E740481C1C}">
+                <a14:useLocalDpi xmlns:a14="http://schemas.microsoft.com/office/drawing/2010/main" val="0"/>
+              </a:ext>
+            </a:extLst>
+          </a:blip>
+          <a:srcRect l="3005" t="2083" r="4818" b="46628"/>
+          <a:stretch/>
+        </p:blipFill>
+        <p:spPr>
+          <a:xfrm>
+            <a:off x="457200" y="2269517"/>
+            <a:ext cx="4179487" cy="3029492"/>
+          </a:xfrm>
+          <a:prstGeom prst="rect">
+            <a:avLst/>
+          </a:prstGeom>
+        </p:spPr>
+      </p:pic>
+    </p:spTree>
+    <p:extLst>
+      <p:ext uri="{BB962C8B-B14F-4D97-AF65-F5344CB8AC3E}">
+        <p14:creationId xmlns:p14="http://schemas.microsoft.com/office/powerpoint/2010/main" val="2690475177"/>
+      </p:ext>
+    </p:extLst>
+  </p:cSld>
+  <p:clrMapOvr>
+    <a:masterClrMapping/>
+  </p:clrMapOvr>
+</p:sld>
+</file>
+
+<file path=ppt/slides/slide28.xml><?xml version="1.0" encoding="utf-8"?>
+<p:sld xmlns:a="http://schemas.openxmlformats.org/drawingml/2006/main" xmlns:r="http://schemas.openxmlformats.org/officeDocument/2006/relationships" xmlns:p="http://schemas.openxmlformats.org/presentationml/2006/main">
+  <p:cSld>
+    <p:spTree>
+      <p:nvGrpSpPr>
+        <p:cNvPr id="1" name=""/>
+        <p:cNvGrpSpPr/>
+        <p:nvPr/>
+      </p:nvGrpSpPr>
+      <p:grpSpPr>
+        <a:xfrm>
+          <a:off x="0" y="0"/>
+          <a:ext cx="0" cy="0"/>
+          <a:chOff x="0" y="0"/>
+          <a:chExt cx="0" cy="0"/>
+        </a:xfrm>
+      </p:grpSpPr>
+      <p:sp>
+        <p:nvSpPr>
+          <p:cNvPr id="2" name="Title 1"/>
+          <p:cNvSpPr>
+            <a:spLocks noGrp="1"/>
+          </p:cNvSpPr>
+          <p:nvPr>
+            <p:ph type="title"/>
+          </p:nvPr>
+        </p:nvSpPr>
+        <p:spPr/>
+        <p:txBody>
+          <a:bodyPr>
+            <a:normAutofit/>
+          </a:bodyPr>
+          <a:lstStyle/>
+          <a:p>
+            <a:r>
+              <a:rPr lang="en-US"/>
+              <a:t>Simulations suggest a causal link</a:t>
+            </a:r>
+          </a:p>
+        </p:txBody>
+      </p:sp>
+      <p:pic>
+        <p:nvPicPr>
+          <p:cNvPr id="7" name="Picture 6" descr="fig5.pdf"/>
+          <p:cNvPicPr>
+            <a:picLocks noChangeAspect="1"/>
+          </p:cNvPicPr>
+          <p:nvPr/>
+        </p:nvPicPr>
+        <p:blipFill rotWithShape="1">
+          <a:blip r:embed="rId2">
+            <a:extLst>
+              <a:ext uri="{28A0092B-C50C-407E-A947-70E740481C1C}">
+                <a14:useLocalDpi xmlns:a14="http://schemas.microsoft.com/office/drawing/2010/main" val="0"/>
+              </a:ext>
+            </a:extLst>
+          </a:blip>
+          <a:srcRect l="5313" t="2600" r="50186" b="68105"/>
+          <a:stretch/>
+        </p:blipFill>
+        <p:spPr>
+          <a:xfrm>
+            <a:off x="2505252" y="1862938"/>
+            <a:ext cx="4921827" cy="3512494"/>
+          </a:xfrm>
+          <a:prstGeom prst="rect">
+            <a:avLst/>
+          </a:prstGeom>
+        </p:spPr>
+      </p:pic>
+      <p:pic>
+        <p:nvPicPr>
+          <p:cNvPr id="3" name="Picture 2"/>
+          <p:cNvPicPr>
+            <a:picLocks noChangeAspect="1"/>
+          </p:cNvPicPr>
+          <p:nvPr/>
+        </p:nvPicPr>
+        <p:blipFill>
+          <a:blip r:embed="rId3"/>
+          <a:stretch>
+            <a:fillRect/>
+          </a:stretch>
+        </p:blipFill>
+        <p:spPr>
+          <a:xfrm>
+            <a:off x="4928816" y="3871326"/>
+            <a:ext cx="1803400" cy="1003300"/>
+          </a:xfrm>
+          <a:prstGeom prst="rect">
+            <a:avLst/>
+          </a:prstGeom>
+        </p:spPr>
+      </p:pic>
+      <p:sp>
+        <p:nvSpPr>
+          <p:cNvPr id="5" name="TextBox 4"/>
+          <p:cNvSpPr txBox="1"/>
+          <p:nvPr/>
+        </p:nvSpPr>
+        <p:spPr>
+          <a:xfrm rot="16200000">
+            <a:off x="1013163" y="3348238"/>
+            <a:ext cx="1813317" cy="523220"/>
+          </a:xfrm>
+          <a:prstGeom prst="rect">
+            <a:avLst/>
+          </a:prstGeom>
+          <a:noFill/>
+        </p:spPr>
+        <p:txBody>
+          <a:bodyPr wrap="none" rtlCol="0">
+            <a:spAutoFit/>
+          </a:bodyPr>
+          <a:lstStyle/>
+          <a:p>
+            <a:r>
+              <a:rPr lang="en-US" sz="2800"/>
+              <a:t>Modularity</a:t>
+            </a:r>
+          </a:p>
+        </p:txBody>
+      </p:sp>
+    </p:spTree>
+    <p:extLst>
+      <p:ext uri="{BB962C8B-B14F-4D97-AF65-F5344CB8AC3E}">
+        <p14:creationId xmlns:p14="http://schemas.microsoft.com/office/powerpoint/2010/main" val="456486947"/>
+      </p:ext>
+    </p:extLst>
+  </p:cSld>
+  <p:clrMapOvr>
+    <a:masterClrMapping/>
+  </p:clrMapOvr>
+</p:sld>
+</file>
+
+<file path=ppt/slides/slide29.xml><?xml version="1.0" encoding="utf-8"?>
+<p:sld xmlns:a="http://schemas.openxmlformats.org/drawingml/2006/main" xmlns:r="http://schemas.openxmlformats.org/officeDocument/2006/relationships" xmlns:p="http://schemas.openxmlformats.org/presentationml/2006/main">
+  <p:cSld>
+    <p:spTree>
+      <p:nvGrpSpPr>
+        <p:cNvPr id="1" name=""/>
+        <p:cNvGrpSpPr/>
+        <p:nvPr/>
+      </p:nvGrpSpPr>
+      <p:grpSpPr>
+        <a:xfrm>
+          <a:off x="0" y="0"/>
+          <a:ext cx="0" cy="0"/>
+          <a:chOff x="0" y="0"/>
+          <a:chExt cx="0" cy="0"/>
+        </a:xfrm>
+      </p:grpSpPr>
+      <p:pic>
+        <p:nvPicPr>
+          <p:cNvPr id="4" name="Picture 3"/>
+          <p:cNvPicPr>
+            <a:picLocks noChangeAspect="1"/>
+          </p:cNvPicPr>
+          <p:nvPr/>
+        </p:nvPicPr>
+        <p:blipFill>
+          <a:blip r:embed="rId2"/>
+          <a:stretch>
+            <a:fillRect/>
+          </a:stretch>
+        </p:blipFill>
+        <p:spPr>
+          <a:xfrm>
+            <a:off x="4381004" y="2955051"/>
+            <a:ext cx="944287" cy="641820"/>
+          </a:xfrm>
+          <a:prstGeom prst="rect">
+            <a:avLst/>
+          </a:prstGeom>
+        </p:spPr>
+      </p:pic>
+      <p:pic>
+        <p:nvPicPr>
+          <p:cNvPr id="6" name="Picture 5"/>
+          <p:cNvPicPr>
+            <a:picLocks noChangeAspect="1"/>
+          </p:cNvPicPr>
+          <p:nvPr/>
+        </p:nvPicPr>
+        <p:blipFill>
+          <a:blip r:embed="rId2"/>
+          <a:stretch>
+            <a:fillRect/>
+          </a:stretch>
+        </p:blipFill>
+        <p:spPr>
+          <a:xfrm>
+            <a:off x="2994365" y="2835329"/>
+            <a:ext cx="1296572" cy="881264"/>
+          </a:xfrm>
+          <a:prstGeom prst="rect">
+            <a:avLst/>
+          </a:prstGeom>
+        </p:spPr>
+      </p:pic>
+      <p:pic>
+        <p:nvPicPr>
+          <p:cNvPr id="7" name="Picture 6"/>
+          <p:cNvPicPr>
+            <a:picLocks noChangeAspect="1"/>
+          </p:cNvPicPr>
+          <p:nvPr/>
+        </p:nvPicPr>
+        <p:blipFill>
+          <a:blip r:embed="rId2"/>
+          <a:stretch>
+            <a:fillRect/>
+          </a:stretch>
+        </p:blipFill>
+        <p:spPr>
+          <a:xfrm>
+            <a:off x="2309439" y="3082334"/>
+            <a:ext cx="569753" cy="387254"/>
+          </a:xfrm>
+          <a:prstGeom prst="rect">
+            <a:avLst/>
+          </a:prstGeom>
+        </p:spPr>
+      </p:pic>
+      <p:pic>
+        <p:nvPicPr>
+          <p:cNvPr id="8" name="Picture 7"/>
+          <p:cNvPicPr>
+            <a:picLocks noChangeAspect="1"/>
+          </p:cNvPicPr>
+          <p:nvPr/>
+        </p:nvPicPr>
+        <p:blipFill>
+          <a:blip r:embed="rId2"/>
+          <a:stretch>
+            <a:fillRect/>
+          </a:stretch>
+        </p:blipFill>
+        <p:spPr>
+          <a:xfrm>
+            <a:off x="5664356" y="3032368"/>
+            <a:ext cx="1000483" cy="487186"/>
+          </a:xfrm>
+          <a:prstGeom prst="rect">
+            <a:avLst/>
+          </a:prstGeom>
+        </p:spPr>
+      </p:pic>
+      <p:cxnSp>
+        <p:nvCxnSpPr>
+          <p:cNvPr id="10" name="Straight Connector 9"/>
+          <p:cNvCxnSpPr/>
+          <p:nvPr/>
+        </p:nvCxnSpPr>
+        <p:spPr>
+          <a:xfrm rot="16200000">
+            <a:off x="4245723" y="3339425"/>
+            <a:ext cx="5695953" cy="0"/>
+          </a:xfrm>
+          <a:prstGeom prst="line">
+            <a:avLst/>
+          </a:prstGeom>
+          <a:ln w="57150" cmpd="sng">
+            <a:solidFill>
+              <a:srgbClr val="000000"/>
+            </a:solidFill>
+            <a:headEnd type="none"/>
+            <a:tailEnd type="triangle"/>
+          </a:ln>
+        </p:spPr>
+        <p:style>
+          <a:lnRef idx="2">
+            <a:schemeClr val="accent1"/>
+          </a:lnRef>
+          <a:fillRef idx="0">
+            <a:schemeClr val="accent1"/>
+          </a:fillRef>
+          <a:effectRef idx="1">
+            <a:schemeClr val="accent1"/>
+          </a:effectRef>
+          <a:fontRef idx="minor">
+            <a:schemeClr val="tx1"/>
+          </a:fontRef>
+        </p:style>
+      </p:cxnSp>
+      <p:sp>
+        <p:nvSpPr>
+          <p:cNvPr id="11" name="TextBox 10"/>
+          <p:cNvSpPr txBox="1"/>
+          <p:nvPr/>
+        </p:nvSpPr>
+        <p:spPr>
+          <a:xfrm>
+            <a:off x="7294941" y="3802604"/>
+            <a:ext cx="710451" cy="369332"/>
+          </a:xfrm>
+          <a:prstGeom prst="rect">
+            <a:avLst/>
+          </a:prstGeom>
+          <a:noFill/>
+        </p:spPr>
+        <p:txBody>
+          <a:bodyPr wrap="none" rtlCol="0">
+            <a:spAutoFit/>
+          </a:bodyPr>
+          <a:lstStyle/>
+          <a:p>
+            <a:r>
+              <a:rPr lang="en-US">
+                <a:solidFill>
+                  <a:srgbClr val="000000"/>
+                </a:solidFill>
+              </a:rPr>
+              <a:t>Traits</a:t>
+            </a:r>
+          </a:p>
+        </p:txBody>
+      </p:sp>
+      <p:cxnSp>
+        <p:nvCxnSpPr>
+          <p:cNvPr id="14" name="Straight Connector 13"/>
+          <p:cNvCxnSpPr/>
+          <p:nvPr/>
+        </p:nvCxnSpPr>
+        <p:spPr>
+          <a:xfrm>
+            <a:off x="2309439" y="1601190"/>
+            <a:ext cx="5695953" cy="0"/>
+          </a:xfrm>
+          <a:prstGeom prst="line">
+            <a:avLst/>
+          </a:prstGeom>
+          <a:ln w="57150" cmpd="sng">
+            <a:solidFill>
+              <a:srgbClr val="000000"/>
+            </a:solidFill>
+            <a:headEnd type="none"/>
+            <a:tailEnd type="triangle"/>
+          </a:ln>
+        </p:spPr>
+        <p:style>
+          <a:lnRef idx="2">
+            <a:schemeClr val="accent1"/>
+          </a:lnRef>
+          <a:fillRef idx="0">
+            <a:schemeClr val="accent1"/>
+          </a:fillRef>
+          <a:effectRef idx="1">
+            <a:schemeClr val="accent1"/>
+          </a:effectRef>
+          <a:fontRef idx="minor">
+            <a:schemeClr val="tx1"/>
+          </a:fontRef>
+        </p:style>
+      </p:cxnSp>
+      <p:sp>
+        <p:nvSpPr>
+          <p:cNvPr id="15" name="TextBox 14"/>
+          <p:cNvSpPr txBox="1"/>
+          <p:nvPr/>
+        </p:nvSpPr>
+        <p:spPr>
+          <a:xfrm>
+            <a:off x="4159832" y="971104"/>
+            <a:ext cx="1172116" cy="369332"/>
+          </a:xfrm>
+          <a:prstGeom prst="rect">
+            <a:avLst/>
+          </a:prstGeom>
+          <a:noFill/>
+        </p:spPr>
+        <p:txBody>
+          <a:bodyPr wrap="none" rtlCol="0">
+            <a:spAutoFit/>
+          </a:bodyPr>
+          <a:lstStyle/>
+          <a:p>
+            <a:r>
+              <a:rPr lang="en-US">
+                <a:solidFill>
+                  <a:srgbClr val="000000"/>
+                </a:solidFill>
+              </a:rPr>
+              <a:t>Phenology</a:t>
+            </a:r>
+          </a:p>
+        </p:txBody>
+      </p:sp>
+      <p:cxnSp>
+        <p:nvCxnSpPr>
+          <p:cNvPr id="16" name="Straight Connector 15"/>
+          <p:cNvCxnSpPr/>
+          <p:nvPr/>
+        </p:nvCxnSpPr>
+        <p:spPr>
+          <a:xfrm>
+            <a:off x="2612943" y="3716593"/>
+            <a:ext cx="0" cy="832851"/>
+          </a:xfrm>
+          <a:prstGeom prst="line">
+            <a:avLst/>
+          </a:prstGeom>
+          <a:ln>
+            <a:solidFill>
+              <a:srgbClr val="000000"/>
+            </a:solidFill>
+          </a:ln>
+        </p:spPr>
+        <p:style>
+          <a:lnRef idx="2">
+            <a:schemeClr val="accent1"/>
+          </a:lnRef>
+          <a:fillRef idx="0">
+            <a:schemeClr val="accent1"/>
+          </a:fillRef>
+          <a:effectRef idx="1">
+            <a:schemeClr val="accent1"/>
+          </a:effectRef>
+          <a:fontRef idx="minor">
+            <a:schemeClr val="tx1"/>
+          </a:fontRef>
+        </p:style>
+      </p:cxnSp>
+      <p:cxnSp>
+        <p:nvCxnSpPr>
+          <p:cNvPr id="17" name="Straight Connector 16"/>
+          <p:cNvCxnSpPr/>
+          <p:nvPr/>
+        </p:nvCxnSpPr>
+        <p:spPr>
+          <a:xfrm>
+            <a:off x="3642651" y="3716593"/>
+            <a:ext cx="0" cy="832851"/>
+          </a:xfrm>
+          <a:prstGeom prst="line">
+            <a:avLst/>
+          </a:prstGeom>
+          <a:ln>
+            <a:solidFill>
+              <a:srgbClr val="000000"/>
+            </a:solidFill>
+          </a:ln>
+        </p:spPr>
+        <p:style>
+          <a:lnRef idx="2">
+            <a:schemeClr val="accent1"/>
+          </a:lnRef>
+          <a:fillRef idx="0">
+            <a:schemeClr val="accent1"/>
+          </a:fillRef>
+          <a:effectRef idx="1">
+            <a:schemeClr val="accent1"/>
+          </a:effectRef>
+          <a:fontRef idx="minor">
+            <a:schemeClr val="tx1"/>
+          </a:fontRef>
+        </p:style>
+      </p:cxnSp>
+      <p:cxnSp>
+        <p:nvCxnSpPr>
+          <p:cNvPr id="18" name="Straight Connector 17"/>
+          <p:cNvCxnSpPr/>
+          <p:nvPr/>
+        </p:nvCxnSpPr>
+        <p:spPr>
+          <a:xfrm>
+            <a:off x="4290937" y="5028332"/>
+            <a:ext cx="0" cy="791208"/>
+          </a:xfrm>
+          <a:prstGeom prst="line">
+            <a:avLst/>
+          </a:prstGeom>
+          <a:ln>
+            <a:solidFill>
+              <a:srgbClr val="000000"/>
+            </a:solidFill>
+          </a:ln>
+        </p:spPr>
+        <p:style>
+          <a:lnRef idx="2">
+            <a:schemeClr val="accent1"/>
+          </a:lnRef>
+          <a:fillRef idx="0">
+            <a:schemeClr val="accent1"/>
+          </a:fillRef>
+          <a:effectRef idx="1">
+            <a:schemeClr val="accent1"/>
+          </a:effectRef>
+          <a:fontRef idx="minor">
+            <a:schemeClr val="tx1"/>
+          </a:fontRef>
+        </p:style>
+      </p:cxnSp>
+      <p:cxnSp>
+        <p:nvCxnSpPr>
+          <p:cNvPr id="19" name="Straight Connector 18"/>
+          <p:cNvCxnSpPr/>
+          <p:nvPr/>
+        </p:nvCxnSpPr>
+        <p:spPr>
+          <a:xfrm>
+            <a:off x="2612943" y="4549444"/>
+            <a:ext cx="1029708" cy="0"/>
+          </a:xfrm>
+          <a:prstGeom prst="line">
+            <a:avLst/>
+          </a:prstGeom>
+          <a:ln>
+            <a:solidFill>
+              <a:srgbClr val="000000"/>
+            </a:solidFill>
+          </a:ln>
+        </p:spPr>
+        <p:style>
+          <a:lnRef idx="2">
+            <a:schemeClr val="accent1"/>
+          </a:lnRef>
+          <a:fillRef idx="0">
+            <a:schemeClr val="accent1"/>
+          </a:fillRef>
+          <a:effectRef idx="1">
+            <a:schemeClr val="accent1"/>
+          </a:effectRef>
+          <a:fontRef idx="minor">
+            <a:schemeClr val="tx1"/>
+          </a:fontRef>
+        </p:style>
+      </p:cxnSp>
+      <p:cxnSp>
+        <p:nvCxnSpPr>
+          <p:cNvPr id="20" name="Straight Connector 19"/>
+          <p:cNvCxnSpPr/>
+          <p:nvPr/>
+        </p:nvCxnSpPr>
+        <p:spPr>
+          <a:xfrm>
+            <a:off x="4857779" y="3716593"/>
+            <a:ext cx="0" cy="832851"/>
+          </a:xfrm>
+          <a:prstGeom prst="line">
+            <a:avLst/>
+          </a:prstGeom>
+          <a:ln>
+            <a:solidFill>
+              <a:srgbClr val="000000"/>
+            </a:solidFill>
+          </a:ln>
+        </p:spPr>
+        <p:style>
+          <a:lnRef idx="2">
+            <a:schemeClr val="accent1"/>
+          </a:lnRef>
+          <a:fillRef idx="0">
+            <a:schemeClr val="accent1"/>
+          </a:fillRef>
+          <a:effectRef idx="1">
+            <a:schemeClr val="accent1"/>
+          </a:effectRef>
+          <a:fontRef idx="minor">
+            <a:schemeClr val="tx1"/>
+          </a:fontRef>
+        </p:style>
+      </p:cxnSp>
+      <p:cxnSp>
+        <p:nvCxnSpPr>
+          <p:cNvPr id="21" name="Straight Connector 20"/>
+          <p:cNvCxnSpPr/>
+          <p:nvPr/>
+        </p:nvCxnSpPr>
+        <p:spPr>
+          <a:xfrm>
+            <a:off x="6178971" y="3716593"/>
+            <a:ext cx="0" cy="832851"/>
+          </a:xfrm>
+          <a:prstGeom prst="line">
+            <a:avLst/>
+          </a:prstGeom>
+          <a:ln>
+            <a:solidFill>
+              <a:srgbClr val="000000"/>
+            </a:solidFill>
+          </a:ln>
+        </p:spPr>
+        <p:style>
+          <a:lnRef idx="2">
+            <a:schemeClr val="accent1"/>
+          </a:lnRef>
+          <a:fillRef idx="0">
+            <a:schemeClr val="accent1"/>
+          </a:fillRef>
+          <a:effectRef idx="1">
+            <a:schemeClr val="accent1"/>
+          </a:effectRef>
+          <a:fontRef idx="minor">
+            <a:schemeClr val="tx1"/>
+          </a:fontRef>
+        </p:style>
+      </p:cxnSp>
+      <p:cxnSp>
+        <p:nvCxnSpPr>
+          <p:cNvPr id="22" name="Straight Connector 21"/>
+          <p:cNvCxnSpPr/>
+          <p:nvPr/>
+        </p:nvCxnSpPr>
+        <p:spPr>
+          <a:xfrm>
+            <a:off x="4857779" y="4549444"/>
+            <a:ext cx="1321192" cy="0"/>
+          </a:xfrm>
+          <a:prstGeom prst="line">
+            <a:avLst/>
+          </a:prstGeom>
+          <a:ln>
+            <a:solidFill>
+              <a:srgbClr val="000000"/>
+            </a:solidFill>
+          </a:ln>
+        </p:spPr>
+        <p:style>
+          <a:lnRef idx="2">
+            <a:schemeClr val="accent1"/>
+          </a:lnRef>
+          <a:fillRef idx="0">
+            <a:schemeClr val="accent1"/>
+          </a:fillRef>
+          <a:effectRef idx="1">
+            <a:schemeClr val="accent1"/>
+          </a:effectRef>
+          <a:fontRef idx="minor">
+            <a:schemeClr val="tx1"/>
+          </a:fontRef>
+        </p:style>
+      </p:cxnSp>
+      <p:cxnSp>
+        <p:nvCxnSpPr>
+          <p:cNvPr id="23" name="Straight Connector 22"/>
+          <p:cNvCxnSpPr/>
+          <p:nvPr/>
+        </p:nvCxnSpPr>
+        <p:spPr>
+          <a:xfrm>
+            <a:off x="3142070" y="4549444"/>
+            <a:ext cx="0" cy="478888"/>
+          </a:xfrm>
+          <a:prstGeom prst="line">
+            <a:avLst/>
+          </a:prstGeom>
+          <a:ln>
+            <a:solidFill>
+              <a:srgbClr val="000000"/>
+            </a:solidFill>
+          </a:ln>
+        </p:spPr>
+        <p:style>
+          <a:lnRef idx="2">
+            <a:schemeClr val="accent1"/>
+          </a:lnRef>
+          <a:fillRef idx="0">
+            <a:schemeClr val="accent1"/>
+          </a:fillRef>
+          <a:effectRef idx="1">
+            <a:schemeClr val="accent1"/>
+          </a:effectRef>
+          <a:fontRef idx="minor">
+            <a:schemeClr val="tx1"/>
+          </a:fontRef>
+        </p:style>
+      </p:cxnSp>
+      <p:cxnSp>
+        <p:nvCxnSpPr>
+          <p:cNvPr id="24" name="Straight Connector 23"/>
+          <p:cNvCxnSpPr/>
+          <p:nvPr/>
+        </p:nvCxnSpPr>
+        <p:spPr>
+          <a:xfrm>
+            <a:off x="5511828" y="4549444"/>
+            <a:ext cx="0" cy="478888"/>
+          </a:xfrm>
+          <a:prstGeom prst="line">
+            <a:avLst/>
+          </a:prstGeom>
+          <a:ln>
+            <a:solidFill>
+              <a:srgbClr val="000000"/>
+            </a:solidFill>
+          </a:ln>
+        </p:spPr>
+        <p:style>
+          <a:lnRef idx="2">
+            <a:schemeClr val="accent1"/>
+          </a:lnRef>
+          <a:fillRef idx="0">
+            <a:schemeClr val="accent1"/>
+          </a:fillRef>
+          <a:effectRef idx="1">
+            <a:schemeClr val="accent1"/>
+          </a:effectRef>
+          <a:fontRef idx="minor">
+            <a:schemeClr val="tx1"/>
+          </a:fontRef>
+        </p:style>
+      </p:cxnSp>
+      <p:cxnSp>
+        <p:nvCxnSpPr>
+          <p:cNvPr id="25" name="Straight Connector 24"/>
+          <p:cNvCxnSpPr/>
+          <p:nvPr/>
+        </p:nvCxnSpPr>
+        <p:spPr>
+          <a:xfrm>
+            <a:off x="3142070" y="5028332"/>
+            <a:ext cx="2369758" cy="0"/>
+          </a:xfrm>
+          <a:prstGeom prst="line">
+            <a:avLst/>
+          </a:prstGeom>
+          <a:ln>
+            <a:solidFill>
+              <a:srgbClr val="000000"/>
+            </a:solidFill>
+          </a:ln>
+        </p:spPr>
+        <p:style>
+          <a:lnRef idx="2">
+            <a:schemeClr val="accent1"/>
+          </a:lnRef>
+          <a:fillRef idx="0">
+            <a:schemeClr val="accent1"/>
+          </a:fillRef>
+          <a:effectRef idx="1">
+            <a:schemeClr val="accent1"/>
+          </a:effectRef>
+          <a:fontRef idx="minor">
+            <a:schemeClr val="tx1"/>
+          </a:fontRef>
+        </p:style>
+      </p:cxnSp>
+      <p:sp>
+        <p:nvSpPr>
+          <p:cNvPr id="28" name="TextBox 27"/>
+          <p:cNvSpPr txBox="1"/>
+          <p:nvPr/>
+        </p:nvSpPr>
+        <p:spPr>
+          <a:xfrm>
+            <a:off x="3595825" y="5954878"/>
+            <a:ext cx="1390224" cy="646331"/>
+          </a:xfrm>
+          <a:prstGeom prst="rect">
+            <a:avLst/>
+          </a:prstGeom>
+          <a:noFill/>
+        </p:spPr>
+        <p:txBody>
+          <a:bodyPr wrap="none" rtlCol="0">
+            <a:spAutoFit/>
+          </a:bodyPr>
+          <a:lstStyle/>
+          <a:p>
+            <a:r>
+              <a:rPr lang="en-US">
+                <a:solidFill>
+                  <a:srgbClr val="000000"/>
+                </a:solidFill>
+              </a:rPr>
+              <a:t>Phylogenetic</a:t>
+            </a:r>
+          </a:p>
+          <a:p>
+            <a:r>
+              <a:rPr lang="en-US">
+                <a:solidFill>
+                  <a:srgbClr val="000000"/>
+                </a:solidFill>
+              </a:rPr>
+              <a:t>History</a:t>
+            </a:r>
+          </a:p>
+        </p:txBody>
+      </p:sp>
+    </p:spTree>
+    <p:extLst>
+      <p:ext uri="{BB962C8B-B14F-4D97-AF65-F5344CB8AC3E}">
+        <p14:creationId xmlns:p14="http://schemas.microsoft.com/office/powerpoint/2010/main" val="1255446112"/>
       </p:ext>
     </p:extLst>
   </p:cSld>
@@ -4703,7 +6864,6 @@
               <a:rPr lang="en-US"/>
               <a:t>Species in communities form networks</a:t>
             </a:r>
-            <a:endParaRPr lang="en-US"/>
           </a:p>
         </p:txBody>
       </p:sp>
@@ -5024,6 +7184,165 @@
 </p:sld>
 </file>
 
+<file path=ppt/slides/slide30.xml><?xml version="1.0" encoding="utf-8"?>
+<p:sld xmlns:a="http://schemas.openxmlformats.org/drawingml/2006/main" xmlns:r="http://schemas.openxmlformats.org/officeDocument/2006/relationships" xmlns:p="http://schemas.openxmlformats.org/presentationml/2006/main">
+  <p:cSld>
+    <p:spTree>
+      <p:nvGrpSpPr>
+        <p:cNvPr id="1" name=""/>
+        <p:cNvGrpSpPr/>
+        <p:nvPr/>
+      </p:nvGrpSpPr>
+      <p:grpSpPr>
+        <a:xfrm>
+          <a:off x="0" y="0"/>
+          <a:ext cx="0" cy="0"/>
+          <a:chOff x="0" y="0"/>
+          <a:chExt cx="0" cy="0"/>
+        </a:xfrm>
+      </p:grpSpPr>
+      <p:sp>
+        <p:nvSpPr>
+          <p:cNvPr id="2" name="Title 1"/>
+          <p:cNvSpPr>
+            <a:spLocks noGrp="1"/>
+          </p:cNvSpPr>
+          <p:nvPr>
+            <p:ph type="title"/>
+          </p:nvPr>
+        </p:nvSpPr>
+        <p:spPr/>
+        <p:txBody>
+          <a:bodyPr/>
+          <a:lstStyle/>
+          <a:p>
+            <a:r>
+              <a:rPr lang="en-US"/>
+              <a:t>Thanks to</a:t>
+            </a:r>
+          </a:p>
+        </p:txBody>
+      </p:sp>
+      <p:sp>
+        <p:nvSpPr>
+          <p:cNvPr id="3" name="Content Placeholder 2"/>
+          <p:cNvSpPr>
+            <a:spLocks noGrp="1"/>
+          </p:cNvSpPr>
+          <p:nvPr>
+            <p:ph idx="1"/>
+          </p:nvPr>
+        </p:nvSpPr>
+        <p:spPr/>
+        <p:txBody>
+          <a:bodyPr>
+            <a:normAutofit/>
+          </a:bodyPr>
+          <a:lstStyle/>
+          <a:p>
+            <a:r>
+              <a:rPr lang="en-US"/>
+              <a:t>Elizabeth Elle</a:t>
+            </a:r>
+          </a:p>
+          <a:p>
+            <a:r>
+              <a:rPr lang="en-US"/>
+              <a:t>Jana Vamosi</a:t>
+            </a:r>
+          </a:p>
+          <a:p>
+            <a:r>
+              <a:rPr lang="en-US"/>
+              <a:t>Ralph Cartar</a:t>
+            </a:r>
+          </a:p>
+          <a:p>
+            <a:r>
+              <a:rPr lang="en-US"/>
+              <a:t>Sarah Semmler</a:t>
+            </a:r>
+          </a:p>
+          <a:p>
+            <a:r>
+              <a:rPr lang="en-US"/>
+              <a:t>Anne Worley</a:t>
+            </a:r>
+          </a:p>
+        </p:txBody>
+      </p:sp>
+      <p:pic>
+        <p:nvPicPr>
+          <p:cNvPr id="5" name="Picture 4"/>
+          <p:cNvPicPr>
+            <a:picLocks noChangeAspect="1"/>
+          </p:cNvPicPr>
+          <p:nvPr/>
+        </p:nvPicPr>
+        <p:blipFill>
+          <a:blip r:embed="rId2"/>
+          <a:stretch>
+            <a:fillRect/>
+          </a:stretch>
+        </p:blipFill>
+        <p:spPr>
+          <a:xfrm>
+            <a:off x="4158392" y="2311526"/>
+            <a:ext cx="4528408" cy="1505064"/>
+          </a:xfrm>
+          <a:prstGeom prst="rect">
+            <a:avLst/>
+          </a:prstGeom>
+        </p:spPr>
+      </p:pic>
+      <p:sp>
+        <p:nvSpPr>
+          <p:cNvPr id="4" name="TextBox 3"/>
+          <p:cNvSpPr txBox="1"/>
+          <p:nvPr/>
+        </p:nvSpPr>
+        <p:spPr>
+          <a:xfrm>
+            <a:off x="1373173" y="5802997"/>
+            <a:ext cx="6884329" cy="646331"/>
+          </a:xfrm>
+          <a:prstGeom prst="rect">
+            <a:avLst/>
+          </a:prstGeom>
+          <a:noFill/>
+        </p:spPr>
+        <p:txBody>
+          <a:bodyPr wrap="none" rtlCol="0">
+            <a:spAutoFit/>
+          </a:bodyPr>
+          <a:lstStyle/>
+          <a:p>
+            <a:r>
+              <a:rPr lang="en-US"/>
+              <a:t>Silhouettes: Phylopic.org</a:t>
+            </a:r>
+          </a:p>
+          <a:p>
+            <a:r>
+              <a:rPr lang="en-US"/>
+              <a:t>    http://phylopic.org/image/070c78bc-e075-4098-a66b-fca2f02680ea/</a:t>
+            </a:r>
+          </a:p>
+        </p:txBody>
+      </p:sp>
+    </p:spTree>
+    <p:extLst>
+      <p:ext uri="{BB962C8B-B14F-4D97-AF65-F5344CB8AC3E}">
+        <p14:creationId xmlns:p14="http://schemas.microsoft.com/office/powerpoint/2010/main" val="4241989864"/>
+      </p:ext>
+    </p:extLst>
+  </p:cSld>
+  <p:clrMapOvr>
+    <a:masterClrMapping/>
+  </p:clrMapOvr>
+</p:sld>
+</file>
+
 <file path=ppt/slides/slide4.xml><?xml version="1.0" encoding="utf-8"?>
 <p:sld xmlns:a="http://schemas.openxmlformats.org/drawingml/2006/main" xmlns:r="http://schemas.openxmlformats.org/officeDocument/2006/relationships" xmlns:p="http://schemas.openxmlformats.org/presentationml/2006/main">
   <p:cSld>
@@ -5327,7 +7646,12 @@
             <p:ph type="title"/>
           </p:nvPr>
         </p:nvSpPr>
-        <p:spPr/>
+        <p:spPr>
+          <a:xfrm>
+            <a:off x="531902" y="2982819"/>
+            <a:ext cx="8229600" cy="1143000"/>
+          </a:xfrm>
+        </p:spPr>
         <p:txBody>
           <a:bodyPr/>
           <a:lstStyle/>
@@ -5335,390 +7659,6 @@
             <a:r>
               <a:rPr lang="en-US"/>
               <a:t>What drives network structure?</a:t>
-            </a:r>
-          </a:p>
-        </p:txBody>
-      </p:sp>
-      <p:sp>
-        <p:nvSpPr>
-          <p:cNvPr id="3" name="Content Placeholder 2"/>
-          <p:cNvSpPr>
-            <a:spLocks noGrp="1"/>
-          </p:cNvSpPr>
-          <p:nvPr>
-            <p:ph idx="1"/>
-          </p:nvPr>
-        </p:nvSpPr>
-        <p:spPr/>
-        <p:txBody>
-          <a:bodyPr/>
-          <a:lstStyle/>
-          <a:p>
-            <a:r>
-              <a:rPr lang="en-US"/>
-              <a:t>Traits</a:t>
-            </a:r>
-          </a:p>
-          <a:p>
-            <a:endParaRPr lang="en-US"/>
-          </a:p>
-          <a:p>
-            <a:endParaRPr lang="en-US"/>
-          </a:p>
-          <a:p>
-            <a:r>
-              <a:rPr lang="en-US"/>
-              <a:t>Phenology</a:t>
-            </a:r>
-          </a:p>
-          <a:p>
-            <a:endParaRPr lang="en-US"/>
-          </a:p>
-          <a:p>
-            <a:endParaRPr lang="en-US"/>
-          </a:p>
-          <a:p>
-            <a:r>
-              <a:rPr lang="en-US"/>
-              <a:t>Phylogeny</a:t>
-            </a:r>
-          </a:p>
-        </p:txBody>
-      </p:sp>
-      <p:pic>
-        <p:nvPicPr>
-          <p:cNvPr id="5" name="Picture 4"/>
-          <p:cNvPicPr>
-            <a:picLocks noChangeAspect="1"/>
-          </p:cNvPicPr>
-          <p:nvPr/>
-        </p:nvPicPr>
-        <p:blipFill>
-          <a:blip r:embed="rId2"/>
-          <a:stretch>
-            <a:fillRect/>
-          </a:stretch>
-        </p:blipFill>
-        <p:spPr>
-          <a:xfrm>
-            <a:off x="4532768" y="1483326"/>
-            <a:ext cx="1649606" cy="966226"/>
-          </a:xfrm>
-          <a:prstGeom prst="rect">
-            <a:avLst/>
-          </a:prstGeom>
-        </p:spPr>
-      </p:pic>
-      <p:sp>
-        <p:nvSpPr>
-          <p:cNvPr id="6" name="TextBox 5"/>
-          <p:cNvSpPr txBox="1"/>
-          <p:nvPr/>
-        </p:nvSpPr>
-        <p:spPr>
-          <a:xfrm>
-            <a:off x="350359" y="6384125"/>
-            <a:ext cx="3589632" cy="253916"/>
-          </a:xfrm>
-          <a:prstGeom prst="rect">
-            <a:avLst/>
-          </a:prstGeom>
-          <a:noFill/>
-        </p:spPr>
-        <p:txBody>
-          <a:bodyPr wrap="none" rtlCol="0">
-            <a:spAutoFit/>
-          </a:bodyPr>
-          <a:lstStyle/>
-          <a:p>
-            <a:r>
-              <a:rPr lang="en-US" sz="1050"/>
-              <a:t>http://www.gutenberg.org/files/33874/33874-h/33874-h.htm</a:t>
-            </a:r>
-          </a:p>
-        </p:txBody>
-      </p:sp>
-      <p:grpSp>
-        <p:nvGrpSpPr>
-          <p:cNvPr id="25" name="Group 24"/>
-          <p:cNvGrpSpPr/>
-          <p:nvPr/>
-        </p:nvGrpSpPr>
-        <p:grpSpPr>
-          <a:xfrm rot="5400000">
-            <a:off x="4805450" y="4931468"/>
-            <a:ext cx="1154111" cy="966794"/>
-            <a:chOff x="4748213" y="3146418"/>
-            <a:chExt cx="1154111" cy="966794"/>
-          </a:xfrm>
-        </p:grpSpPr>
-        <p:cxnSp>
-          <p:nvCxnSpPr>
-            <p:cNvPr id="15" name="Straight Connector 14"/>
-            <p:cNvCxnSpPr/>
-            <p:nvPr/>
-          </p:nvCxnSpPr>
-          <p:spPr>
-            <a:xfrm flipH="1">
-              <a:off x="5513387" y="3763962"/>
-              <a:ext cx="388937" cy="0"/>
-            </a:xfrm>
-            <a:prstGeom prst="line">
-              <a:avLst/>
-            </a:prstGeom>
-            <a:ln w="57150" cmpd="sng"/>
-          </p:spPr>
-          <p:style>
-            <a:lnRef idx="2">
-              <a:schemeClr val="accent1"/>
-            </a:lnRef>
-            <a:fillRef idx="0">
-              <a:schemeClr val="accent1"/>
-            </a:fillRef>
-            <a:effectRef idx="1">
-              <a:schemeClr val="accent1"/>
-            </a:effectRef>
-            <a:fontRef idx="minor">
-              <a:schemeClr val="tx1"/>
-            </a:fontRef>
-          </p:style>
-        </p:cxnSp>
-        <p:cxnSp>
-          <p:nvCxnSpPr>
-            <p:cNvPr id="16" name="Straight Connector 15"/>
-            <p:cNvCxnSpPr/>
-            <p:nvPr/>
-          </p:nvCxnSpPr>
-          <p:spPr>
-            <a:xfrm rot="16200000" flipH="1" flipV="1">
-              <a:off x="5162550" y="3763962"/>
-              <a:ext cx="698500" cy="0"/>
-            </a:xfrm>
-            <a:prstGeom prst="line">
-              <a:avLst/>
-            </a:prstGeom>
-            <a:ln w="57150" cmpd="sng"/>
-          </p:spPr>
-          <p:style>
-            <a:lnRef idx="2">
-              <a:schemeClr val="accent1"/>
-            </a:lnRef>
-            <a:fillRef idx="0">
-              <a:schemeClr val="accent1"/>
-            </a:fillRef>
-            <a:effectRef idx="1">
-              <a:schemeClr val="accent1"/>
-            </a:effectRef>
-            <a:fontRef idx="minor">
-              <a:schemeClr val="tx1"/>
-            </a:fontRef>
-          </p:style>
-        </p:cxnSp>
-        <p:cxnSp>
-          <p:nvCxnSpPr>
-            <p:cNvPr id="17" name="Straight Connector 16"/>
-            <p:cNvCxnSpPr/>
-            <p:nvPr/>
-          </p:nvCxnSpPr>
-          <p:spPr>
-            <a:xfrm flipH="1">
-              <a:off x="5137150" y="3416299"/>
-              <a:ext cx="388937" cy="0"/>
-            </a:xfrm>
-            <a:prstGeom prst="line">
-              <a:avLst/>
-            </a:prstGeom>
-            <a:ln w="57150" cmpd="sng"/>
-          </p:spPr>
-          <p:style>
-            <a:lnRef idx="2">
-              <a:schemeClr val="accent1"/>
-            </a:lnRef>
-            <a:fillRef idx="0">
-              <a:schemeClr val="accent1"/>
-            </a:fillRef>
-            <a:effectRef idx="1">
-              <a:schemeClr val="accent1"/>
-            </a:effectRef>
-            <a:fontRef idx="minor">
-              <a:schemeClr val="tx1"/>
-            </a:fontRef>
-          </p:style>
-        </p:cxnSp>
-        <p:cxnSp>
-          <p:nvCxnSpPr>
-            <p:cNvPr id="18" name="Straight Connector 17"/>
-            <p:cNvCxnSpPr/>
-            <p:nvPr/>
-          </p:nvCxnSpPr>
-          <p:spPr>
-            <a:xfrm flipV="1">
-              <a:off x="4748213" y="4090987"/>
-              <a:ext cx="777875" cy="1587"/>
-            </a:xfrm>
-            <a:prstGeom prst="line">
-              <a:avLst/>
-            </a:prstGeom>
-            <a:ln w="57150" cmpd="sng"/>
-          </p:spPr>
-          <p:style>
-            <a:lnRef idx="2">
-              <a:schemeClr val="accent1"/>
-            </a:lnRef>
-            <a:fillRef idx="0">
-              <a:schemeClr val="accent1"/>
-            </a:fillRef>
-            <a:effectRef idx="1">
-              <a:schemeClr val="accent1"/>
-            </a:effectRef>
-            <a:fontRef idx="minor">
-              <a:schemeClr val="tx1"/>
-            </a:fontRef>
-          </p:style>
-        </p:cxnSp>
-        <p:cxnSp>
-          <p:nvCxnSpPr>
-            <p:cNvPr id="19" name="Straight Connector 18"/>
-            <p:cNvCxnSpPr/>
-            <p:nvPr/>
-          </p:nvCxnSpPr>
-          <p:spPr>
-            <a:xfrm>
-              <a:off x="5137150" y="3146418"/>
-              <a:ext cx="0" cy="528639"/>
-            </a:xfrm>
-            <a:prstGeom prst="line">
-              <a:avLst/>
-            </a:prstGeom>
-            <a:ln w="57150" cmpd="sng"/>
-          </p:spPr>
-          <p:style>
-            <a:lnRef idx="2">
-              <a:schemeClr val="accent1"/>
-            </a:lnRef>
-            <a:fillRef idx="0">
-              <a:schemeClr val="accent1"/>
-            </a:fillRef>
-            <a:effectRef idx="1">
-              <a:schemeClr val="accent1"/>
-            </a:effectRef>
-            <a:fontRef idx="minor">
-              <a:schemeClr val="tx1"/>
-            </a:fontRef>
-          </p:style>
-        </p:cxnSp>
-        <p:cxnSp>
-          <p:nvCxnSpPr>
-            <p:cNvPr id="21" name="Straight Connector 20"/>
-            <p:cNvCxnSpPr/>
-            <p:nvPr/>
-          </p:nvCxnSpPr>
-          <p:spPr>
-            <a:xfrm flipH="1">
-              <a:off x="4748213" y="3675057"/>
-              <a:ext cx="388937" cy="0"/>
-            </a:xfrm>
-            <a:prstGeom prst="line">
-              <a:avLst/>
-            </a:prstGeom>
-            <a:ln w="57150" cmpd="sng"/>
-          </p:spPr>
-          <p:style>
-            <a:lnRef idx="2">
-              <a:schemeClr val="accent1"/>
-            </a:lnRef>
-            <a:fillRef idx="0">
-              <a:schemeClr val="accent1"/>
-            </a:fillRef>
-            <a:effectRef idx="1">
-              <a:schemeClr val="accent1"/>
-            </a:effectRef>
-            <a:fontRef idx="minor">
-              <a:schemeClr val="tx1"/>
-            </a:fontRef>
-          </p:style>
-        </p:cxnSp>
-        <p:cxnSp>
-          <p:nvCxnSpPr>
-            <p:cNvPr id="22" name="Straight Connector 21"/>
-            <p:cNvCxnSpPr/>
-            <p:nvPr/>
-          </p:nvCxnSpPr>
-          <p:spPr>
-            <a:xfrm flipH="1">
-              <a:off x="4748213" y="3146418"/>
-              <a:ext cx="388937" cy="0"/>
-            </a:xfrm>
-            <a:prstGeom prst="line">
-              <a:avLst/>
-            </a:prstGeom>
-            <a:ln w="57150" cmpd="sng"/>
-          </p:spPr>
-          <p:style>
-            <a:lnRef idx="2">
-              <a:schemeClr val="accent1"/>
-            </a:lnRef>
-            <a:fillRef idx="0">
-              <a:schemeClr val="accent1"/>
-            </a:fillRef>
-            <a:effectRef idx="1">
-              <a:schemeClr val="accent1"/>
-            </a:effectRef>
-            <a:fontRef idx="minor">
-              <a:schemeClr val="tx1"/>
-            </a:fontRef>
-          </p:style>
-        </p:cxnSp>
-      </p:grpSp>
-      <p:pic>
-        <p:nvPicPr>
-          <p:cNvPr id="26" name="Picture 25"/>
-          <p:cNvPicPr>
-            <a:picLocks noChangeAspect="1"/>
-          </p:cNvPicPr>
-          <p:nvPr/>
-        </p:nvPicPr>
-        <p:blipFill>
-          <a:blip r:embed="rId3"/>
-          <a:stretch>
-            <a:fillRect/>
-          </a:stretch>
-        </p:blipFill>
-        <p:spPr>
-          <a:xfrm>
-            <a:off x="4372624" y="2764625"/>
-            <a:ext cx="1809750" cy="1809750"/>
-          </a:xfrm>
-          <a:prstGeom prst="rect">
-            <a:avLst/>
-          </a:prstGeom>
-        </p:spPr>
-      </p:pic>
-      <p:sp>
-        <p:nvSpPr>
-          <p:cNvPr id="27" name="TextBox 26"/>
-          <p:cNvSpPr txBox="1"/>
-          <p:nvPr/>
-        </p:nvSpPr>
-        <p:spPr>
-          <a:xfrm>
-            <a:off x="350359" y="6546334"/>
-            <a:ext cx="5032147" cy="253916"/>
-          </a:xfrm>
-          <a:prstGeom prst="rect">
-            <a:avLst/>
-          </a:prstGeom>
-          <a:noFill/>
-        </p:spPr>
-        <p:txBody>
-          <a:bodyPr wrap="none" rtlCol="0">
-            <a:spAutoFit/>
-          </a:bodyPr>
-          <a:lstStyle/>
-          <a:p>
-            <a:r>
-              <a:rPr lang="en-US" sz="1050"/>
-              <a:t>http://contently.com/strategist/2012/01/17/stay-on-track-with-your-editorial-calendar/</a:t>
             </a:r>
           </a:p>
         </p:txBody>
@@ -5760,62 +7700,209 @@
           <a:chExt cx="0" cy="0"/>
         </a:xfrm>
       </p:grpSpPr>
-      <p:sp>
-        <p:nvSpPr>
-          <p:cNvPr id="2" name="Title 1"/>
-          <p:cNvSpPr>
-            <a:spLocks noGrp="1"/>
-          </p:cNvSpPr>
-          <p:nvPr>
-            <p:ph type="title"/>
-          </p:nvPr>
-        </p:nvSpPr>
-        <p:spPr/>
-        <p:txBody>
-          <a:bodyPr/>
-          <a:lstStyle/>
-          <a:p>
-            <a:r>
-              <a:rPr lang="en-US"/>
-              <a:t>Study sites</a:t>
-            </a:r>
-          </a:p>
-        </p:txBody>
-      </p:sp>
       <p:pic>
         <p:nvPicPr>
-          <p:cNvPr id="4" name="Picture 3" descr="map_tilemill.png"/>
+          <p:cNvPr id="4" name="Picture 3"/>
           <p:cNvPicPr>
             <a:picLocks noChangeAspect="1"/>
           </p:cNvPicPr>
           <p:nvPr/>
         </p:nvPicPr>
         <p:blipFill>
-          <a:blip r:embed="rId2">
-            <a:extLst>
-              <a:ext uri="{28A0092B-C50C-407E-A947-70E740481C1C}">
-                <a14:useLocalDpi xmlns:a14="http://schemas.microsoft.com/office/drawing/2010/main" val="0"/>
-              </a:ext>
-            </a:extLst>
-          </a:blip>
+          <a:blip r:embed="rId2"/>
           <a:stretch>
             <a:fillRect/>
           </a:stretch>
         </p:blipFill>
         <p:spPr>
           <a:xfrm>
-            <a:off x="533644" y="1301287"/>
-            <a:ext cx="8012673" cy="5183198"/>
+            <a:off x="4290938" y="2893834"/>
+            <a:ext cx="1034354" cy="703037"/>
           </a:xfrm>
           <a:prstGeom prst="rect">
             <a:avLst/>
           </a:prstGeom>
         </p:spPr>
       </p:pic>
+      <p:pic>
+        <p:nvPicPr>
+          <p:cNvPr id="6" name="Picture 5"/>
+          <p:cNvPicPr>
+            <a:picLocks noChangeAspect="1"/>
+          </p:cNvPicPr>
+          <p:nvPr/>
+        </p:nvPicPr>
+        <p:blipFill>
+          <a:blip r:embed="rId2"/>
+          <a:stretch>
+            <a:fillRect/>
+          </a:stretch>
+        </p:blipFill>
+        <p:spPr>
+          <a:xfrm>
+            <a:off x="2994365" y="1429894"/>
+            <a:ext cx="1296572" cy="881264"/>
+          </a:xfrm>
+          <a:prstGeom prst="rect">
+            <a:avLst/>
+          </a:prstGeom>
+        </p:spPr>
+      </p:pic>
+      <p:pic>
+        <p:nvPicPr>
+          <p:cNvPr id="7" name="Picture 6"/>
+          <p:cNvPicPr>
+            <a:picLocks noChangeAspect="1"/>
+          </p:cNvPicPr>
+          <p:nvPr/>
+        </p:nvPicPr>
+        <p:blipFill>
+          <a:blip r:embed="rId2"/>
+          <a:stretch>
+            <a:fillRect/>
+          </a:stretch>
+        </p:blipFill>
+        <p:spPr>
+          <a:xfrm>
+            <a:off x="2309439" y="4154629"/>
+            <a:ext cx="569753" cy="387254"/>
+          </a:xfrm>
+          <a:prstGeom prst="rect">
+            <a:avLst/>
+          </a:prstGeom>
+        </p:spPr>
+      </p:pic>
+      <p:pic>
+        <p:nvPicPr>
+          <p:cNvPr id="8" name="Picture 7"/>
+          <p:cNvPicPr>
+            <a:picLocks noChangeAspect="1"/>
+          </p:cNvPicPr>
+          <p:nvPr/>
+        </p:nvPicPr>
+        <p:blipFill>
+          <a:blip r:embed="rId2"/>
+          <a:stretch>
+            <a:fillRect/>
+          </a:stretch>
+        </p:blipFill>
+        <p:spPr>
+          <a:xfrm>
+            <a:off x="5664356" y="3519554"/>
+            <a:ext cx="883617" cy="487186"/>
+          </a:xfrm>
+          <a:prstGeom prst="rect">
+            <a:avLst/>
+          </a:prstGeom>
+        </p:spPr>
+      </p:pic>
+      <p:sp>
+        <p:nvSpPr>
+          <p:cNvPr id="9" name="TextBox 8"/>
+          <p:cNvSpPr txBox="1"/>
+          <p:nvPr/>
+        </p:nvSpPr>
+        <p:spPr>
+          <a:xfrm>
+            <a:off x="322714" y="3144009"/>
+            <a:ext cx="710451" cy="369332"/>
+          </a:xfrm>
+          <a:prstGeom prst="rect">
+            <a:avLst/>
+          </a:prstGeom>
+          <a:noFill/>
+        </p:spPr>
+        <p:txBody>
+          <a:bodyPr wrap="none" rtlCol="0">
+            <a:spAutoFit/>
+          </a:bodyPr>
+          <a:lstStyle/>
+          <a:p>
+            <a:r>
+              <a:rPr lang="en-US">
+                <a:solidFill>
+                  <a:srgbClr val="000000"/>
+                </a:solidFill>
+              </a:rPr>
+              <a:t>Traits</a:t>
+            </a:r>
+          </a:p>
+        </p:txBody>
+      </p:sp>
+      <p:cxnSp>
+        <p:nvCxnSpPr>
+          <p:cNvPr id="11" name="Straight Connector 10"/>
+          <p:cNvCxnSpPr/>
+          <p:nvPr/>
+        </p:nvCxnSpPr>
+        <p:spPr>
+          <a:xfrm rot="16200000">
+            <a:off x="4245723" y="3339425"/>
+            <a:ext cx="5695953" cy="0"/>
+          </a:xfrm>
+          <a:prstGeom prst="line">
+            <a:avLst/>
+          </a:prstGeom>
+          <a:ln w="57150" cmpd="sng">
+            <a:solidFill>
+              <a:srgbClr val="000000"/>
+            </a:solidFill>
+            <a:headEnd type="none"/>
+            <a:tailEnd type="triangle"/>
+          </a:ln>
+        </p:spPr>
+        <p:style>
+          <a:lnRef idx="2">
+            <a:schemeClr val="accent1"/>
+          </a:lnRef>
+          <a:fillRef idx="0">
+            <a:schemeClr val="accent1"/>
+          </a:fillRef>
+          <a:effectRef idx="1">
+            <a:schemeClr val="accent1"/>
+          </a:effectRef>
+          <a:fontRef idx="minor">
+            <a:schemeClr val="tx1"/>
+          </a:fontRef>
+        </p:style>
+      </p:cxnSp>
+      <p:sp>
+        <p:nvSpPr>
+          <p:cNvPr id="12" name="TextBox 11"/>
+          <p:cNvSpPr txBox="1"/>
+          <p:nvPr/>
+        </p:nvSpPr>
+        <p:spPr>
+          <a:xfrm>
+            <a:off x="7454976" y="3021807"/>
+            <a:ext cx="1059192" cy="369332"/>
+          </a:xfrm>
+          <a:prstGeom prst="rect">
+            <a:avLst/>
+          </a:prstGeom>
+          <a:noFill/>
+        </p:spPr>
+        <p:txBody>
+          <a:bodyPr wrap="none" rtlCol="0">
+            <a:spAutoFit/>
+          </a:bodyPr>
+          <a:lstStyle/>
+          <a:p>
+            <a:r>
+              <a:rPr lang="en-US">
+                <a:solidFill>
+                  <a:srgbClr val="000000"/>
+                </a:solidFill>
+              </a:rPr>
+              <a:t>Body size</a:t>
+            </a:r>
+          </a:p>
+        </p:txBody>
+      </p:sp>
     </p:spTree>
     <p:extLst>
       <p:ext uri="{BB962C8B-B14F-4D97-AF65-F5344CB8AC3E}">
-        <p14:creationId xmlns:p14="http://schemas.microsoft.com/office/powerpoint/2010/main" val="1651706612"/>
+        <p14:creationId xmlns:p14="http://schemas.microsoft.com/office/powerpoint/2010/main" val="3533540922"/>
       </p:ext>
     </p:extLst>
   </p:cSld>
@@ -5849,52 +7936,24 @@
           <a:chExt cx="0" cy="0"/>
         </a:xfrm>
       </p:grpSpPr>
-      <p:sp>
-        <p:nvSpPr>
-          <p:cNvPr id="2" name="Title 1"/>
-          <p:cNvSpPr>
-            <a:spLocks noGrp="1"/>
-          </p:cNvSpPr>
-          <p:nvPr>
-            <p:ph type="title"/>
-          </p:nvPr>
-        </p:nvSpPr>
-        <p:spPr/>
-        <p:txBody>
-          <a:bodyPr/>
-          <a:lstStyle/>
-          <a:p>
-            <a:r>
-              <a:rPr lang="en-US"/>
-              <a:t>Phylogeny</a:t>
-            </a:r>
-          </a:p>
-        </p:txBody>
-      </p:sp>
       <p:pic>
         <p:nvPicPr>
-          <p:cNvPr id="4" name="Picture 3" descr="phylo_anim.png"/>
+          <p:cNvPr id="4" name="Picture 3"/>
           <p:cNvPicPr>
             <a:picLocks noChangeAspect="1"/>
           </p:cNvPicPr>
           <p:nvPr/>
         </p:nvPicPr>
         <p:blipFill>
-          <a:blip r:embed="rId2">
-            <a:extLst>
-              <a:ext uri="{28A0092B-C50C-407E-A947-70E740481C1C}">
-                <a14:useLocalDpi xmlns:a14="http://schemas.microsoft.com/office/drawing/2010/main" val="0"/>
-              </a:ext>
-            </a:extLst>
-          </a:blip>
+          <a:blip r:embed="rId2"/>
           <a:stretch>
             <a:fillRect/>
           </a:stretch>
         </p:blipFill>
         <p:spPr>
           <a:xfrm>
-            <a:off x="4792657" y="2081672"/>
-            <a:ext cx="4214945" cy="3687220"/>
+            <a:off x="5783688" y="3086260"/>
+            <a:ext cx="944287" cy="641820"/>
           </a:xfrm>
           <a:prstGeom prst="rect">
             <a:avLst/>
@@ -5903,44 +7962,86 @@
       </p:pic>
       <p:pic>
         <p:nvPicPr>
-          <p:cNvPr id="5" name="Picture 4" descr="phylo_plants.png"/>
+          <p:cNvPr id="6" name="Picture 5"/>
           <p:cNvPicPr>
             <a:picLocks noChangeAspect="1"/>
           </p:cNvPicPr>
           <p:nvPr/>
         </p:nvPicPr>
         <p:blipFill>
-          <a:blip r:embed="rId3">
-            <a:extLst>
-              <a:ext uri="{28A0092B-C50C-407E-A947-70E740481C1C}">
-                <a14:useLocalDpi xmlns:a14="http://schemas.microsoft.com/office/drawing/2010/main" val="0"/>
-              </a:ext>
-            </a:extLst>
-          </a:blip>
+          <a:blip r:embed="rId2"/>
           <a:stretch>
             <a:fillRect/>
           </a:stretch>
         </p:blipFill>
         <p:spPr>
           <a:xfrm>
-            <a:off x="245477" y="2060892"/>
-            <a:ext cx="4238699" cy="3708000"/>
+            <a:off x="3642651" y="3072709"/>
+            <a:ext cx="1296572" cy="881264"/>
           </a:xfrm>
           <a:prstGeom prst="rect">
             <a:avLst/>
           </a:prstGeom>
         </p:spPr>
       </p:pic>
-      <p:sp>
-        <p:nvSpPr>
-          <p:cNvPr id="6" name="TextBox 5"/>
+      <p:pic>
+        <p:nvPicPr>
+          <p:cNvPr id="7" name="Picture 6"/>
+          <p:cNvPicPr>
+            <a:picLocks noChangeAspect="1"/>
+          </p:cNvPicPr>
+          <p:nvPr/>
+        </p:nvPicPr>
+        <p:blipFill>
+          <a:blip r:embed="rId2"/>
+          <a:stretch>
+            <a:fillRect/>
+          </a:stretch>
+        </p:blipFill>
+        <p:spPr>
+          <a:xfrm>
+            <a:off x="2174107" y="3407170"/>
+            <a:ext cx="569753" cy="387254"/>
+          </a:xfrm>
+          <a:prstGeom prst="rect">
+            <a:avLst/>
+          </a:prstGeom>
+        </p:spPr>
+      </p:pic>
+      <p:pic>
+        <p:nvPicPr>
+          <p:cNvPr id="8" name="Picture 7"/>
+          <p:cNvPicPr>
+            <a:picLocks noChangeAspect="1"/>
+          </p:cNvPicPr>
+          <p:nvPr/>
+        </p:nvPicPr>
+        <p:blipFill>
+          <a:blip r:embed="rId2"/>
+          <a:stretch>
+            <a:fillRect/>
+          </a:stretch>
+        </p:blipFill>
+        <p:spPr>
+          <a:xfrm>
+            <a:off x="6601268" y="3163577"/>
+            <a:ext cx="1000483" cy="487186"/>
+          </a:xfrm>
+          <a:prstGeom prst="rect">
+            <a:avLst/>
+          </a:prstGeom>
+        </p:spPr>
+      </p:pic>
+      <p:sp>
+        <p:nvSpPr>
+          <p:cNvPr id="9" name="TextBox 8"/>
           <p:cNvSpPr txBox="1"/>
           <p:nvPr/>
         </p:nvSpPr>
         <p:spPr>
           <a:xfrm>
-            <a:off x="1825064" y="1586862"/>
-            <a:ext cx="761747" cy="369332"/>
+            <a:off x="322714" y="3144009"/>
+            <a:ext cx="1172116" cy="369332"/>
           </a:xfrm>
           <a:prstGeom prst="rect">
             <a:avLst/>
@@ -5954,22 +8055,63 @@
           <a:lstStyle/>
           <a:p>
             <a:r>
-              <a:rPr lang="en-US"/>
-              <a:t>Plants</a:t>
-            </a:r>
-          </a:p>
-        </p:txBody>
-      </p:sp>
-      <p:sp>
-        <p:nvSpPr>
-          <p:cNvPr id="7" name="TextBox 6"/>
+              <a:rPr lang="en-US">
+                <a:solidFill>
+                  <a:srgbClr val="000000"/>
+                </a:solidFill>
+              </a:rPr>
+              <a:t>Phenology</a:t>
+            </a:r>
+          </a:p>
+        </p:txBody>
+      </p:sp>
+      <p:cxnSp>
+        <p:nvCxnSpPr>
+          <p:cNvPr id="3" name="Straight Connector 2"/>
+          <p:cNvCxnSpPr/>
+          <p:nvPr/>
+        </p:nvCxnSpPr>
+        <p:spPr>
+          <a:xfrm>
+            <a:off x="2174107" y="4380808"/>
+            <a:ext cx="5695953" cy="0"/>
+          </a:xfrm>
+          <a:prstGeom prst="line">
+            <a:avLst/>
+          </a:prstGeom>
+          <a:ln w="57150" cmpd="sng">
+            <a:solidFill>
+              <a:srgbClr val="000000"/>
+            </a:solidFill>
+            <a:headEnd type="none"/>
+            <a:tailEnd type="triangle"/>
+          </a:ln>
+        </p:spPr>
+        <p:style>
+          <a:lnRef idx="2">
+            <a:schemeClr val="accent1"/>
+          </a:lnRef>
+          <a:fillRef idx="0">
+            <a:schemeClr val="accent1"/>
+          </a:fillRef>
+          <a:effectRef idx="1">
+            <a:schemeClr val="accent1"/>
+          </a:effectRef>
+          <a:fontRef idx="minor">
+            <a:schemeClr val="tx1"/>
+          </a:fontRef>
+        </p:style>
+      </p:cxnSp>
+      <p:sp>
+        <p:nvSpPr>
+          <p:cNvPr id="5" name="TextBox 4"/>
           <p:cNvSpPr txBox="1"/>
           <p:nvPr/>
         </p:nvSpPr>
         <p:spPr>
           <a:xfrm>
-            <a:off x="6374695" y="1586862"/>
-            <a:ext cx="1186217" cy="369332"/>
+            <a:off x="4083948" y="4718910"/>
+            <a:ext cx="1740981" cy="923330"/>
           </a:xfrm>
           <a:prstGeom prst="rect">
             <a:avLst/>
@@ -5982,9 +8124,36 @@
           </a:bodyPr>
           <a:lstStyle/>
           <a:p>
-            <a:r>
-              <a:rPr lang="en-US"/>
-              <a:t>Pollinators</a:t>
+            <a:pPr algn="ctr"/>
+            <a:r>
+              <a:rPr lang="en-US">
+                <a:solidFill>
+                  <a:srgbClr val="000000"/>
+                </a:solidFill>
+              </a:rPr>
+              <a:t>Emergence date </a:t>
+            </a:r>
+          </a:p>
+          <a:p>
+            <a:pPr algn="ctr"/>
+            <a:r>
+              <a:rPr lang="en-US">
+                <a:solidFill>
+                  <a:srgbClr val="000000"/>
+                </a:solidFill>
+              </a:rPr>
+              <a:t>Or </a:t>
+            </a:r>
+          </a:p>
+          <a:p>
+            <a:pPr algn="ctr"/>
+            <a:r>
+              <a:rPr lang="en-US">
+                <a:solidFill>
+                  <a:srgbClr val="000000"/>
+                </a:solidFill>
+              </a:rPr>
+              <a:t>Seasonal activity</a:t>
             </a:r>
           </a:p>
         </p:txBody>
@@ -5992,7 +8161,7 @@
     </p:spTree>
     <p:extLst>
       <p:ext uri="{BB962C8B-B14F-4D97-AF65-F5344CB8AC3E}">
-        <p14:creationId xmlns:p14="http://schemas.microsoft.com/office/powerpoint/2010/main" val="3830402729"/>
+        <p14:creationId xmlns:p14="http://schemas.microsoft.com/office/powerpoint/2010/main" val="1039194770"/>
       </p:ext>
     </p:extLst>
   </p:cSld>
@@ -6026,79 +8195,9 @@
           <a:chExt cx="0" cy="0"/>
         </a:xfrm>
       </p:grpSpPr>
-      <p:sp>
-        <p:nvSpPr>
-          <p:cNvPr id="7" name="Title 6"/>
-          <p:cNvSpPr>
-            <a:spLocks noGrp="1"/>
-          </p:cNvSpPr>
-          <p:nvPr>
-            <p:ph type="title"/>
-          </p:nvPr>
-        </p:nvSpPr>
-        <p:spPr/>
-        <p:txBody>
-          <a:bodyPr/>
-          <a:lstStyle/>
-          <a:p>
-            <a:r>
-              <a:rPr lang="en-US"/>
-              <a:t>Species level metrics</a:t>
-            </a:r>
-          </a:p>
-        </p:txBody>
-      </p:sp>
-      <p:sp>
-        <p:nvSpPr>
-          <p:cNvPr id="8" name="Content Placeholder 7"/>
-          <p:cNvSpPr>
-            <a:spLocks noGrp="1"/>
-          </p:cNvSpPr>
-          <p:nvPr>
-            <p:ph idx="1"/>
-          </p:nvPr>
-        </p:nvSpPr>
-        <p:spPr/>
-        <p:txBody>
-          <a:bodyPr/>
-          <a:lstStyle/>
-          <a:p>
-            <a:r>
-              <a:rPr lang="en-US"/>
-              <a:t>Degree</a:t>
-            </a:r>
-          </a:p>
-          <a:p>
-            <a:r>
-              <a:rPr lang="en-US"/>
-              <a:t>Specialization </a:t>
-            </a:r>
-            <a:r>
-              <a:rPr lang="en-US" sz="2400"/>
-              <a:t>(accounts for interaction intensity)</a:t>
-            </a:r>
-            <a:endParaRPr lang="en-US"/>
-          </a:p>
-          <a:p>
-            <a:r>
-              <a:rPr lang="en-US"/>
-              <a:t>Within module degree</a:t>
-            </a:r>
-          </a:p>
-          <a:p>
-            <a:r>
-              <a:rPr lang="en-US"/>
-              <a:t>Among module connectivity</a:t>
-            </a:r>
-          </a:p>
-          <a:p>
-            <a:endParaRPr lang="en-US"/>
-          </a:p>
-        </p:txBody>
-      </p:sp>
       <p:pic>
         <p:nvPicPr>
-          <p:cNvPr id="6" name="Picture 5"/>
+          <p:cNvPr id="4" name="Picture 3"/>
           <p:cNvPicPr>
             <a:picLocks noChangeAspect="1"/>
           </p:cNvPicPr>
@@ -6112,18 +8211,485 @@
         </p:blipFill>
         <p:spPr>
           <a:xfrm>
-            <a:off x="3033845" y="4362209"/>
-            <a:ext cx="5824295" cy="1965549"/>
+            <a:off x="4381004" y="2955051"/>
+            <a:ext cx="944287" cy="641820"/>
           </a:xfrm>
           <a:prstGeom prst="rect">
             <a:avLst/>
           </a:prstGeom>
         </p:spPr>
       </p:pic>
+      <p:pic>
+        <p:nvPicPr>
+          <p:cNvPr id="6" name="Picture 5"/>
+          <p:cNvPicPr>
+            <a:picLocks noChangeAspect="1"/>
+          </p:cNvPicPr>
+          <p:nvPr/>
+        </p:nvPicPr>
+        <p:blipFill>
+          <a:blip r:embed="rId2"/>
+          <a:stretch>
+            <a:fillRect/>
+          </a:stretch>
+        </p:blipFill>
+        <p:spPr>
+          <a:xfrm>
+            <a:off x="2994365" y="2835329"/>
+            <a:ext cx="1296572" cy="881264"/>
+          </a:xfrm>
+          <a:prstGeom prst="rect">
+            <a:avLst/>
+          </a:prstGeom>
+        </p:spPr>
+      </p:pic>
+      <p:pic>
+        <p:nvPicPr>
+          <p:cNvPr id="7" name="Picture 6"/>
+          <p:cNvPicPr>
+            <a:picLocks noChangeAspect="1"/>
+          </p:cNvPicPr>
+          <p:nvPr/>
+        </p:nvPicPr>
+        <p:blipFill>
+          <a:blip r:embed="rId2"/>
+          <a:stretch>
+            <a:fillRect/>
+          </a:stretch>
+        </p:blipFill>
+        <p:spPr>
+          <a:xfrm>
+            <a:off x="2309439" y="3082334"/>
+            <a:ext cx="569753" cy="387254"/>
+          </a:xfrm>
+          <a:prstGeom prst="rect">
+            <a:avLst/>
+          </a:prstGeom>
+        </p:spPr>
+      </p:pic>
+      <p:pic>
+        <p:nvPicPr>
+          <p:cNvPr id="8" name="Picture 7"/>
+          <p:cNvPicPr>
+            <a:picLocks noChangeAspect="1"/>
+          </p:cNvPicPr>
+          <p:nvPr/>
+        </p:nvPicPr>
+        <p:blipFill>
+          <a:blip r:embed="rId2"/>
+          <a:stretch>
+            <a:fillRect/>
+          </a:stretch>
+        </p:blipFill>
+        <p:spPr>
+          <a:xfrm>
+            <a:off x="5664356" y="3032368"/>
+            <a:ext cx="1000483" cy="487186"/>
+          </a:xfrm>
+          <a:prstGeom prst="rect">
+            <a:avLst/>
+          </a:prstGeom>
+        </p:spPr>
+      </p:pic>
+      <p:sp>
+        <p:nvSpPr>
+          <p:cNvPr id="9" name="TextBox 8"/>
+          <p:cNvSpPr txBox="1"/>
+          <p:nvPr/>
+        </p:nvSpPr>
+        <p:spPr>
+          <a:xfrm>
+            <a:off x="322714" y="3144009"/>
+            <a:ext cx="1390224" cy="646331"/>
+          </a:xfrm>
+          <a:prstGeom prst="rect">
+            <a:avLst/>
+          </a:prstGeom>
+          <a:noFill/>
+        </p:spPr>
+        <p:txBody>
+          <a:bodyPr wrap="none" rtlCol="0">
+            <a:spAutoFit/>
+          </a:bodyPr>
+          <a:lstStyle/>
+          <a:p>
+            <a:r>
+              <a:rPr lang="en-US">
+                <a:solidFill>
+                  <a:srgbClr val="000000"/>
+                </a:solidFill>
+              </a:rPr>
+              <a:t>Phylogenetic</a:t>
+            </a:r>
+          </a:p>
+          <a:p>
+            <a:r>
+              <a:rPr lang="en-US">
+                <a:solidFill>
+                  <a:srgbClr val="000000"/>
+                </a:solidFill>
+              </a:rPr>
+              <a:t>History</a:t>
+            </a:r>
+          </a:p>
+        </p:txBody>
+      </p:sp>
+      <p:cxnSp>
+        <p:nvCxnSpPr>
+          <p:cNvPr id="3" name="Straight Connector 2"/>
+          <p:cNvCxnSpPr/>
+          <p:nvPr/>
+        </p:nvCxnSpPr>
+        <p:spPr>
+          <a:xfrm>
+            <a:off x="2612943" y="3716593"/>
+            <a:ext cx="0" cy="832851"/>
+          </a:xfrm>
+          <a:prstGeom prst="line">
+            <a:avLst/>
+          </a:prstGeom>
+          <a:ln>
+            <a:solidFill>
+              <a:srgbClr val="000000"/>
+            </a:solidFill>
+          </a:ln>
+        </p:spPr>
+        <p:style>
+          <a:lnRef idx="2">
+            <a:schemeClr val="accent1"/>
+          </a:lnRef>
+          <a:fillRef idx="0">
+            <a:schemeClr val="accent1"/>
+          </a:fillRef>
+          <a:effectRef idx="1">
+            <a:schemeClr val="accent1"/>
+          </a:effectRef>
+          <a:fontRef idx="minor">
+            <a:schemeClr val="tx1"/>
+          </a:fontRef>
+        </p:style>
+      </p:cxnSp>
+      <p:cxnSp>
+        <p:nvCxnSpPr>
+          <p:cNvPr id="10" name="Straight Connector 9"/>
+          <p:cNvCxnSpPr>
+            <a:stCxn id="6" idx="2"/>
+          </p:cNvCxnSpPr>
+          <p:nvPr/>
+        </p:nvCxnSpPr>
+        <p:spPr>
+          <a:xfrm>
+            <a:off x="3642651" y="3716593"/>
+            <a:ext cx="0" cy="832851"/>
+          </a:xfrm>
+          <a:prstGeom prst="line">
+            <a:avLst/>
+          </a:prstGeom>
+          <a:ln>
+            <a:solidFill>
+              <a:srgbClr val="000000"/>
+            </a:solidFill>
+          </a:ln>
+        </p:spPr>
+        <p:style>
+          <a:lnRef idx="2">
+            <a:schemeClr val="accent1"/>
+          </a:lnRef>
+          <a:fillRef idx="0">
+            <a:schemeClr val="accent1"/>
+          </a:fillRef>
+          <a:effectRef idx="1">
+            <a:schemeClr val="accent1"/>
+          </a:effectRef>
+          <a:fontRef idx="minor">
+            <a:schemeClr val="tx1"/>
+          </a:fontRef>
+        </p:style>
+      </p:cxnSp>
+      <p:cxnSp>
+        <p:nvCxnSpPr>
+          <p:cNvPr id="22" name="Straight Connector 21"/>
+          <p:cNvCxnSpPr/>
+          <p:nvPr/>
+        </p:nvCxnSpPr>
+        <p:spPr>
+          <a:xfrm>
+            <a:off x="4290937" y="5028332"/>
+            <a:ext cx="0" cy="791208"/>
+          </a:xfrm>
+          <a:prstGeom prst="line">
+            <a:avLst/>
+          </a:prstGeom>
+          <a:ln>
+            <a:solidFill>
+              <a:srgbClr val="000000"/>
+            </a:solidFill>
+          </a:ln>
+        </p:spPr>
+        <p:style>
+          <a:lnRef idx="2">
+            <a:schemeClr val="accent1"/>
+          </a:lnRef>
+          <a:fillRef idx="0">
+            <a:schemeClr val="accent1"/>
+          </a:fillRef>
+          <a:effectRef idx="1">
+            <a:schemeClr val="accent1"/>
+          </a:effectRef>
+          <a:fontRef idx="minor">
+            <a:schemeClr val="tx1"/>
+          </a:fontRef>
+        </p:style>
+      </p:cxnSp>
+      <p:cxnSp>
+        <p:nvCxnSpPr>
+          <p:cNvPr id="27" name="Straight Connector 26"/>
+          <p:cNvCxnSpPr/>
+          <p:nvPr/>
+        </p:nvCxnSpPr>
+        <p:spPr>
+          <a:xfrm>
+            <a:off x="2612943" y="4549444"/>
+            <a:ext cx="1029708" cy="0"/>
+          </a:xfrm>
+          <a:prstGeom prst="line">
+            <a:avLst/>
+          </a:prstGeom>
+          <a:ln>
+            <a:solidFill>
+              <a:srgbClr val="000000"/>
+            </a:solidFill>
+          </a:ln>
+        </p:spPr>
+        <p:style>
+          <a:lnRef idx="2">
+            <a:schemeClr val="accent1"/>
+          </a:lnRef>
+          <a:fillRef idx="0">
+            <a:schemeClr val="accent1"/>
+          </a:fillRef>
+          <a:effectRef idx="1">
+            <a:schemeClr val="accent1"/>
+          </a:effectRef>
+          <a:fontRef idx="minor">
+            <a:schemeClr val="tx1"/>
+          </a:fontRef>
+        </p:style>
+      </p:cxnSp>
+      <p:cxnSp>
+        <p:nvCxnSpPr>
+          <p:cNvPr id="31" name="Straight Connector 30"/>
+          <p:cNvCxnSpPr/>
+          <p:nvPr/>
+        </p:nvCxnSpPr>
+        <p:spPr>
+          <a:xfrm>
+            <a:off x="4857779" y="3716593"/>
+            <a:ext cx="0" cy="832851"/>
+          </a:xfrm>
+          <a:prstGeom prst="line">
+            <a:avLst/>
+          </a:prstGeom>
+          <a:ln>
+            <a:solidFill>
+              <a:srgbClr val="000000"/>
+            </a:solidFill>
+          </a:ln>
+        </p:spPr>
+        <p:style>
+          <a:lnRef idx="2">
+            <a:schemeClr val="accent1"/>
+          </a:lnRef>
+          <a:fillRef idx="0">
+            <a:schemeClr val="accent1"/>
+          </a:fillRef>
+          <a:effectRef idx="1">
+            <a:schemeClr val="accent1"/>
+          </a:effectRef>
+          <a:fontRef idx="minor">
+            <a:schemeClr val="tx1"/>
+          </a:fontRef>
+        </p:style>
+      </p:cxnSp>
+      <p:cxnSp>
+        <p:nvCxnSpPr>
+          <p:cNvPr id="32" name="Straight Connector 31"/>
+          <p:cNvCxnSpPr/>
+          <p:nvPr/>
+        </p:nvCxnSpPr>
+        <p:spPr>
+          <a:xfrm>
+            <a:off x="6178971" y="3716593"/>
+            <a:ext cx="0" cy="832851"/>
+          </a:xfrm>
+          <a:prstGeom prst="line">
+            <a:avLst/>
+          </a:prstGeom>
+          <a:ln>
+            <a:solidFill>
+              <a:srgbClr val="000000"/>
+            </a:solidFill>
+          </a:ln>
+        </p:spPr>
+        <p:style>
+          <a:lnRef idx="2">
+            <a:schemeClr val="accent1"/>
+          </a:lnRef>
+          <a:fillRef idx="0">
+            <a:schemeClr val="accent1"/>
+          </a:fillRef>
+          <a:effectRef idx="1">
+            <a:schemeClr val="accent1"/>
+          </a:effectRef>
+          <a:fontRef idx="minor">
+            <a:schemeClr val="tx1"/>
+          </a:fontRef>
+        </p:style>
+      </p:cxnSp>
+      <p:cxnSp>
+        <p:nvCxnSpPr>
+          <p:cNvPr id="33" name="Straight Connector 32"/>
+          <p:cNvCxnSpPr/>
+          <p:nvPr/>
+        </p:nvCxnSpPr>
+        <p:spPr>
+          <a:xfrm>
+            <a:off x="4857779" y="4549444"/>
+            <a:ext cx="1321192" cy="0"/>
+          </a:xfrm>
+          <a:prstGeom prst="line">
+            <a:avLst/>
+          </a:prstGeom>
+          <a:ln>
+            <a:solidFill>
+              <a:srgbClr val="000000"/>
+            </a:solidFill>
+          </a:ln>
+        </p:spPr>
+        <p:style>
+          <a:lnRef idx="2">
+            <a:schemeClr val="accent1"/>
+          </a:lnRef>
+          <a:fillRef idx="0">
+            <a:schemeClr val="accent1"/>
+          </a:fillRef>
+          <a:effectRef idx="1">
+            <a:schemeClr val="accent1"/>
+          </a:effectRef>
+          <a:fontRef idx="minor">
+            <a:schemeClr val="tx1"/>
+          </a:fontRef>
+        </p:style>
+      </p:cxnSp>
+      <p:cxnSp>
+        <p:nvCxnSpPr>
+          <p:cNvPr id="36" name="Straight Connector 35"/>
+          <p:cNvCxnSpPr/>
+          <p:nvPr/>
+        </p:nvCxnSpPr>
+        <p:spPr>
+          <a:xfrm>
+            <a:off x="3142070" y="4549444"/>
+            <a:ext cx="0" cy="478888"/>
+          </a:xfrm>
+          <a:prstGeom prst="line">
+            <a:avLst/>
+          </a:prstGeom>
+          <a:ln>
+            <a:solidFill>
+              <a:srgbClr val="000000"/>
+            </a:solidFill>
+          </a:ln>
+        </p:spPr>
+        <p:style>
+          <a:lnRef idx="2">
+            <a:schemeClr val="accent1"/>
+          </a:lnRef>
+          <a:fillRef idx="0">
+            <a:schemeClr val="accent1"/>
+          </a:fillRef>
+          <a:effectRef idx="1">
+            <a:schemeClr val="accent1"/>
+          </a:effectRef>
+          <a:fontRef idx="minor">
+            <a:schemeClr val="tx1"/>
+          </a:fontRef>
+        </p:style>
+      </p:cxnSp>
+      <p:cxnSp>
+        <p:nvCxnSpPr>
+          <p:cNvPr id="38" name="Straight Connector 37"/>
+          <p:cNvCxnSpPr/>
+          <p:nvPr/>
+        </p:nvCxnSpPr>
+        <p:spPr>
+          <a:xfrm>
+            <a:off x="5511828" y="4549444"/>
+            <a:ext cx="0" cy="478888"/>
+          </a:xfrm>
+          <a:prstGeom prst="line">
+            <a:avLst/>
+          </a:prstGeom>
+          <a:ln>
+            <a:solidFill>
+              <a:srgbClr val="000000"/>
+            </a:solidFill>
+          </a:ln>
+        </p:spPr>
+        <p:style>
+          <a:lnRef idx="2">
+            <a:schemeClr val="accent1"/>
+          </a:lnRef>
+          <a:fillRef idx="0">
+            <a:schemeClr val="accent1"/>
+          </a:fillRef>
+          <a:effectRef idx="1">
+            <a:schemeClr val="accent1"/>
+          </a:effectRef>
+          <a:fontRef idx="minor">
+            <a:schemeClr val="tx1"/>
+          </a:fontRef>
+        </p:style>
+      </p:cxnSp>
+      <p:cxnSp>
+        <p:nvCxnSpPr>
+          <p:cNvPr id="39" name="Straight Connector 38"/>
+          <p:cNvCxnSpPr/>
+          <p:nvPr/>
+        </p:nvCxnSpPr>
+        <p:spPr>
+          <a:xfrm>
+            <a:off x="3142070" y="5028332"/>
+            <a:ext cx="2369758" cy="0"/>
+          </a:xfrm>
+          <a:prstGeom prst="line">
+            <a:avLst/>
+          </a:prstGeom>
+          <a:ln>
+            <a:solidFill>
+              <a:srgbClr val="000000"/>
+            </a:solidFill>
+          </a:ln>
+        </p:spPr>
+        <p:style>
+          <a:lnRef idx="2">
+            <a:schemeClr val="accent1"/>
+          </a:lnRef>
+          <a:fillRef idx="0">
+            <a:schemeClr val="accent1"/>
+          </a:fillRef>
+          <a:effectRef idx="1">
+            <a:schemeClr val="accent1"/>
+          </a:effectRef>
+          <a:fontRef idx="minor">
+            <a:schemeClr val="tx1"/>
+          </a:fontRef>
+        </p:style>
+      </p:cxnSp>
     </p:spTree>
     <p:extLst>
       <p:ext uri="{BB962C8B-B14F-4D97-AF65-F5344CB8AC3E}">
-        <p14:creationId xmlns:p14="http://schemas.microsoft.com/office/powerpoint/2010/main" val="4067053747"/>
+        <p14:creationId xmlns:p14="http://schemas.microsoft.com/office/powerpoint/2010/main" val="2371771097"/>
       </p:ext>
     </p:extLst>
   </p:cSld>
@@ -6141,7 +8707,7 @@
 </file>
 
 <file path=ppt/theme/theme1.xml><?xml version="1.0" encoding="utf-8"?>
-<a:theme xmlns:a="http://schemas.openxmlformats.org/drawingml/2006/main" name="Black">
+<a:theme xmlns:a="http://schemas.openxmlformats.org/drawingml/2006/main" name="Office Theme">
   <a:themeElements>
     <a:clrScheme name="Office">
       <a:dk1>
@@ -6285,20 +8851,16 @@
           <a:gsLst>
             <a:gs pos="0">
               <a:schemeClr val="phClr">
-                <a:shade val="51000"/>
-                <a:satMod val="130000"/>
-              </a:schemeClr>
-            </a:gs>
-            <a:gs pos="80000">
-              <a:schemeClr val="phClr">
-                <a:shade val="93000"/>
+                <a:tint val="100000"/>
+                <a:shade val="100000"/>
                 <a:satMod val="130000"/>
               </a:schemeClr>
             </a:gs>
             <a:gs pos="100000">
               <a:schemeClr val="phClr">
-                <a:shade val="94000"/>
-                <a:satMod val="135000"/>
+                <a:tint val="50000"/>
+                <a:shade val="100000"/>
+                <a:satMod val="350000"/>
               </a:schemeClr>
             </a:gs>
           </a:gsLst>
@@ -6420,7 +8982,46 @@
       </a:bgFillStyleLst>
     </a:fmtScheme>
   </a:themeElements>
-  <a:objectDefaults/>
+  <a:objectDefaults>
+    <a:spDef>
+      <a:spPr/>
+      <a:bodyPr/>
+      <a:lstStyle/>
+      <a:style>
+        <a:lnRef idx="1">
+          <a:schemeClr val="accent1"/>
+        </a:lnRef>
+        <a:fillRef idx="3">
+          <a:schemeClr val="accent1"/>
+        </a:fillRef>
+        <a:effectRef idx="2">
+          <a:schemeClr val="accent1"/>
+        </a:effectRef>
+        <a:fontRef idx="minor">
+          <a:schemeClr val="lt1"/>
+        </a:fontRef>
+      </a:style>
+    </a:spDef>
+    <a:lnDef>
+      <a:spPr/>
+      <a:bodyPr/>
+      <a:lstStyle/>
+      <a:style>
+        <a:lnRef idx="2">
+          <a:schemeClr val="accent1"/>
+        </a:lnRef>
+        <a:fillRef idx="0">
+          <a:schemeClr val="accent1"/>
+        </a:fillRef>
+        <a:effectRef idx="1">
+          <a:schemeClr val="accent1"/>
+        </a:effectRef>
+        <a:fontRef idx="minor">
+          <a:schemeClr val="tx1"/>
+        </a:fontRef>
+      </a:style>
+    </a:lnDef>
+  </a:objectDefaults>
   <a:extraClrSchemeLst/>
 </a:theme>
 </file>